--- a/go-tutorial.pptx
+++ b/go-tutorial.pptx
@@ -5,10 +5,10 @@
     <p:sldMasterId id="2147483648" r:id="rId1"/>
   </p:sldMasterIdLst>
   <p:notesMasterIdLst>
-    <p:notesMasterId r:id="rId26"/>
+    <p:notesMasterId r:id="rId30"/>
   </p:notesMasterIdLst>
   <p:handoutMasterIdLst>
-    <p:handoutMasterId r:id="rId27"/>
+    <p:handoutMasterId r:id="rId31"/>
   </p:handoutMasterIdLst>
   <p:sldIdLst>
     <p:sldId id="256" r:id="rId2"/>
@@ -33,8 +33,12 @@
     <p:sldId id="287" r:id="rId21"/>
     <p:sldId id="284" r:id="rId22"/>
     <p:sldId id="285" r:id="rId23"/>
-    <p:sldId id="286" r:id="rId24"/>
-    <p:sldId id="278" r:id="rId25"/>
+    <p:sldId id="294" r:id="rId24"/>
+    <p:sldId id="286" r:id="rId25"/>
+    <p:sldId id="292" r:id="rId26"/>
+    <p:sldId id="293" r:id="rId27"/>
+    <p:sldId id="295" r:id="rId28"/>
+    <p:sldId id="278" r:id="rId29"/>
   </p:sldIdLst>
   <p:sldSz cx="9144000" cy="5143500" type="screen16x9"/>
   <p:notesSz cx="6858000" cy="9144000"/>
@@ -218,7 +222,7 @@
           <a:p>
             <a:fld id="{34539D0C-3EDB-4056-A121-D7D9F396B888}" type="datetimeFigureOut">
               <a:rPr lang="en-US" smtClean="0"/>
-              <a:t>3/22/2022</a:t>
+              <a:t>5/15/2022</a:t>
             </a:fld>
             <a:endParaRPr lang="en-US"/>
           </a:p>
@@ -383,7 +387,7 @@
           <a:p>
             <a:fld id="{4D168CEA-CB3C-410A-9A19-9526FB6F3FCA}" type="datetimeFigureOut">
               <a:rPr lang="en-US" smtClean="0"/>
-              <a:t>3/22/2022</a:t>
+              <a:t>5/15/2022</a:t>
             </a:fld>
             <a:endParaRPr lang="en-US"/>
           </a:p>
@@ -987,6 +991,90 @@
 </p:notes>
 </file>
 
+<file path=ppt/notesSlides/notesSlide5.xml><?xml version="1.0" encoding="utf-8"?>
+<p:notes xmlns:a="http://schemas.openxmlformats.org/drawingml/2006/main" xmlns:r="http://schemas.openxmlformats.org/officeDocument/2006/relationships" xmlns:p="http://schemas.openxmlformats.org/presentationml/2006/main">
+  <p:cSld>
+    <p:spTree>
+      <p:nvGrpSpPr>
+        <p:cNvPr id="1" name=""/>
+        <p:cNvGrpSpPr/>
+        <p:nvPr/>
+      </p:nvGrpSpPr>
+      <p:grpSpPr>
+        <a:xfrm>
+          <a:off x="0" y="0"/>
+          <a:ext cx="0" cy="0"/>
+          <a:chOff x="0" y="0"/>
+          <a:chExt cx="0" cy="0"/>
+        </a:xfrm>
+      </p:grpSpPr>
+      <p:sp>
+        <p:nvSpPr>
+          <p:cNvPr id="2" name="Slide Image Placeholder 1"/>
+          <p:cNvSpPr>
+            <a:spLocks noGrp="1" noRot="1" noChangeAspect="1"/>
+          </p:cNvSpPr>
+          <p:nvPr>
+            <p:ph type="sldImg"/>
+          </p:nvPr>
+        </p:nvSpPr>
+        <p:spPr/>
+      </p:sp>
+      <p:sp>
+        <p:nvSpPr>
+          <p:cNvPr id="3" name="Notes Placeholder 2"/>
+          <p:cNvSpPr>
+            <a:spLocks noGrp="1"/>
+          </p:cNvSpPr>
+          <p:nvPr>
+            <p:ph type="body" idx="1"/>
+          </p:nvPr>
+        </p:nvSpPr>
+        <p:spPr/>
+        <p:txBody>
+          <a:bodyPr/>
+          <a:lstStyle/>
+          <a:p>
+            <a:endParaRPr lang="en-US" dirty="0"/>
+          </a:p>
+        </p:txBody>
+      </p:sp>
+      <p:sp>
+        <p:nvSpPr>
+          <p:cNvPr id="4" name="Slide Number Placeholder 3"/>
+          <p:cNvSpPr>
+            <a:spLocks noGrp="1"/>
+          </p:cNvSpPr>
+          <p:nvPr>
+            <p:ph type="sldNum" sz="quarter" idx="10"/>
+          </p:nvPr>
+        </p:nvSpPr>
+        <p:spPr/>
+        <p:txBody>
+          <a:bodyPr/>
+          <a:lstStyle/>
+          <a:p>
+            <a:fld id="{E31A17C0-27B5-49EF-9C32-04CD8D96889E}" type="slidenum">
+              <a:rPr lang="en-US" smtClean="0"/>
+              <a:t>25</a:t>
+            </a:fld>
+            <a:endParaRPr lang="en-US"/>
+          </a:p>
+        </p:txBody>
+      </p:sp>
+    </p:spTree>
+    <p:extLst>
+      <p:ext uri="{BB962C8B-B14F-4D97-AF65-F5344CB8AC3E}">
+        <p14:creationId xmlns:p14="http://schemas.microsoft.com/office/powerpoint/2010/main" val="2833488385"/>
+      </p:ext>
+    </p:extLst>
+  </p:cSld>
+  <p:clrMapOvr>
+    <a:masterClrMapping/>
+  </p:clrMapOvr>
+</p:notes>
+</file>
+
 <file path=ppt/slideLayouts/slideLayout1.xml><?xml version="1.0" encoding="utf-8"?>
 <p:sldLayout xmlns:a="http://schemas.openxmlformats.org/drawingml/2006/main" xmlns:r="http://schemas.openxmlformats.org/officeDocument/2006/relationships" xmlns:p="http://schemas.openxmlformats.org/presentationml/2006/main" type="title" preserve="1">
   <p:cSld name="Title Slide">
@@ -1178,7 +1266,7 @@
           <a:p>
             <a:fld id="{9F4F7B68-7A40-4EA2-B776-3832576D6D1E}" type="datetimeFigureOut">
               <a:rPr lang="en-US" smtClean="0"/>
-              <a:t>3/22/2022</a:t>
+              <a:t>5/15/2022</a:t>
             </a:fld>
             <a:endParaRPr lang="en-US"/>
           </a:p>
@@ -1355,7 +1443,7 @@
           <a:p>
             <a:fld id="{9F4F7B68-7A40-4EA2-B776-3832576D6D1E}" type="datetimeFigureOut">
               <a:rPr lang="en-US" smtClean="0"/>
-              <a:t>3/22/2022</a:t>
+              <a:t>5/15/2022</a:t>
             </a:fld>
             <a:endParaRPr lang="en-US"/>
           </a:p>
@@ -1535,7 +1623,7 @@
           <a:p>
             <a:fld id="{9F4F7B68-7A40-4EA2-B776-3832576D6D1E}" type="datetimeFigureOut">
               <a:rPr lang="en-US" smtClean="0"/>
-              <a:t>3/22/2022</a:t>
+              <a:t>5/15/2022</a:t>
             </a:fld>
             <a:endParaRPr lang="en-US"/>
           </a:p>
@@ -1779,7 +1867,7 @@
             <a:fld id="{9F4F7B68-7A40-4EA2-B776-3832576D6D1E}" type="datetimeFigureOut">
               <a:rPr lang="en-US" smtClean="0"/>
               <a:pPr/>
-              <a:t>3/22/2022</a:t>
+              <a:t>5/15/2022</a:t>
             </a:fld>
             <a:endParaRPr lang="en-US"/>
           </a:p>
@@ -2055,7 +2143,7 @@
           <a:p>
             <a:fld id="{9F4F7B68-7A40-4EA2-B776-3832576D6D1E}" type="datetimeFigureOut">
               <a:rPr lang="en-US" smtClean="0"/>
-              <a:t>3/22/2022</a:t>
+              <a:t>5/15/2022</a:t>
             </a:fld>
             <a:endParaRPr lang="en-US"/>
           </a:p>
@@ -2350,7 +2438,7 @@
           <a:p>
             <a:fld id="{9F4F7B68-7A40-4EA2-B776-3832576D6D1E}" type="datetimeFigureOut">
               <a:rPr lang="en-US" smtClean="0"/>
-              <a:t>3/22/2022</a:t>
+              <a:t>5/15/2022</a:t>
             </a:fld>
             <a:endParaRPr lang="en-US"/>
           </a:p>
@@ -2777,7 +2865,7 @@
           <a:p>
             <a:fld id="{9F4F7B68-7A40-4EA2-B776-3832576D6D1E}" type="datetimeFigureOut">
               <a:rPr lang="en-US" smtClean="0"/>
-              <a:t>3/22/2022</a:t>
+              <a:t>5/15/2022</a:t>
             </a:fld>
             <a:endParaRPr lang="en-US"/>
           </a:p>
@@ -2895,7 +2983,7 @@
           <a:p>
             <a:fld id="{9F4F7B68-7A40-4EA2-B776-3832576D6D1E}" type="datetimeFigureOut">
               <a:rPr lang="en-US" smtClean="0"/>
-              <a:t>3/22/2022</a:t>
+              <a:t>5/15/2022</a:t>
             </a:fld>
             <a:endParaRPr lang="en-US"/>
           </a:p>
@@ -2990,7 +3078,7 @@
           <a:p>
             <a:fld id="{9F4F7B68-7A40-4EA2-B776-3832576D6D1E}" type="datetimeFigureOut">
               <a:rPr lang="en-US" smtClean="0"/>
-              <a:t>3/22/2022</a:t>
+              <a:t>5/15/2022</a:t>
             </a:fld>
             <a:endParaRPr lang="en-US"/>
           </a:p>
@@ -3267,7 +3355,7 @@
           <a:p>
             <a:fld id="{9F4F7B68-7A40-4EA2-B776-3832576D6D1E}" type="datetimeFigureOut">
               <a:rPr lang="en-US" smtClean="0"/>
-              <a:t>3/22/2022</a:t>
+              <a:t>5/15/2022</a:t>
             </a:fld>
             <a:endParaRPr lang="en-US"/>
           </a:p>
@@ -3520,7 +3608,7 @@
           <a:p>
             <a:fld id="{9F4F7B68-7A40-4EA2-B776-3832576D6D1E}" type="datetimeFigureOut">
               <a:rPr lang="en-US" smtClean="0"/>
-              <a:t>3/22/2022</a:t>
+              <a:t>5/15/2022</a:t>
             </a:fld>
             <a:endParaRPr lang="en-US"/>
           </a:p>
@@ -3733,7 +3821,7 @@
           <a:p>
             <a:fld id="{9F4F7B68-7A40-4EA2-B776-3832576D6D1E}" type="datetimeFigureOut">
               <a:rPr lang="en-US" smtClean="0"/>
-              <a:t>3/22/2022</a:t>
+              <a:t>5/15/2022</a:t>
             </a:fld>
             <a:endParaRPr lang="en-US"/>
           </a:p>
@@ -6786,7 +6874,7 @@
         </p:spPr>
         <p:txBody>
           <a:bodyPr>
-            <a:normAutofit fontScale="77500" lnSpcReduction="20000"/>
+            <a:normAutofit fontScale="70000" lnSpcReduction="20000"/>
           </a:bodyPr>
           <a:lstStyle/>
           <a:p>
@@ -6931,8 +7019,27 @@
             </a:pPr>
             <a:r>
               <a:rPr lang="en-US" dirty="0"/>
-              <a:t>Real project samples</a:t>
-            </a:r>
+              <a:t>Real project </a:t>
+            </a:r>
+            <a:r>
+              <a:rPr lang="en-US" dirty="0" smtClean="0"/>
+              <a:t>samples</a:t>
+            </a:r>
+          </a:p>
+          <a:p>
+            <a:pPr marL="457200" indent="-457200">
+              <a:buFont typeface="+mj-lt"/>
+              <a:buAutoNum type="arabicPeriod"/>
+            </a:pPr>
+            <a:r>
+              <a:rPr lang="en-US" dirty="0" smtClean="0"/>
+              <a:t>GO service generator (</a:t>
+            </a:r>
+            <a:r>
+              <a:rPr lang="en-US" smtClean="0"/>
+              <a:t>low code)</a:t>
+            </a:r>
+            <a:endParaRPr lang="en-US" dirty="0"/>
           </a:p>
         </p:txBody>
       </p:sp>
@@ -7585,7 +7692,7 @@
           </a:fontRef>
         </p:style>
         <p:txBody>
-          <a:bodyPr vert="vert" rtlCol="0" anchor="ctr"/>
+          <a:bodyPr vert="vert270" rtlCol="0" anchor="ctr"/>
           <a:lstStyle/>
           <a:p>
             <a:pPr algn="ctr"/>
@@ -8234,7 +8341,7 @@
           </a:fontRef>
         </p:style>
         <p:txBody>
-          <a:bodyPr vert="vert" rtlCol="0" anchor="ctr"/>
+          <a:bodyPr vert="vert270" rtlCol="0" anchor="ctr"/>
           <a:lstStyle/>
           <a:p>
             <a:pPr algn="ctr"/>
@@ -8701,7 +8808,7 @@
           </a:fontRef>
         </p:style>
         <p:txBody>
-          <a:bodyPr vert="vert" rtlCol="0" anchor="ctr"/>
+          <a:bodyPr vert="vert270" rtlCol="0" anchor="ctr"/>
           <a:lstStyle/>
           <a:p>
             <a:pPr algn="ctr"/>
@@ -9168,7 +9275,7 @@
           </a:fontRef>
         </p:style>
         <p:txBody>
-          <a:bodyPr vert="vert" rtlCol="0" anchor="ctr"/>
+          <a:bodyPr vert="vert270" rtlCol="0" anchor="ctr"/>
           <a:lstStyle/>
           <a:p>
             <a:pPr algn="ctr"/>
@@ -9342,11 +9449,7 @@
             <a:pPr lvl="2"/>
             <a:r>
               <a:rPr lang="en-US" dirty="0" smtClean="0"/>
-              <a:t>Google </a:t>
-            </a:r>
-            <a:r>
-              <a:rPr lang="en-US" dirty="0" smtClean="0"/>
-              <a:t>Pub/Sub</a:t>
+              <a:t>Google Pub/Sub</a:t>
             </a:r>
           </a:p>
           <a:p>
@@ -9384,7 +9487,6 @@
               <a:rPr lang="en-US" dirty="0" smtClean="0"/>
               <a:t>Kafka</a:t>
             </a:r>
-            <a:endParaRPr lang="en-US" dirty="0" smtClean="0"/>
           </a:p>
           <a:p>
             <a:pPr lvl="2"/>
@@ -9392,7 +9494,6 @@
               <a:rPr lang="en-US" dirty="0" smtClean="0"/>
               <a:t>NATS</a:t>
             </a:r>
-            <a:endParaRPr lang="en-US" dirty="0" smtClean="0"/>
           </a:p>
         </p:txBody>
       </p:sp>
@@ -10414,11 +10515,1538 @@
             </a:r>
             <a:r>
               <a:rPr lang="en-US" dirty="0"/>
-              <a:t> - </a:t>
+              <a:t> </a:t>
             </a:r>
             <a:r>
               <a:rPr lang="en-US" dirty="0" smtClean="0"/>
-              <a:t>4</a:t>
+              <a:t>– 4.1</a:t>
+            </a:r>
+            <a:endParaRPr lang="en-US" dirty="0"/>
+          </a:p>
+        </p:txBody>
+      </p:sp>
+      <p:sp>
+        <p:nvSpPr>
+          <p:cNvPr id="27" name="Flowchart: Magnetic Disk 26"/>
+          <p:cNvSpPr/>
+          <p:nvPr/>
+        </p:nvSpPr>
+        <p:spPr>
+          <a:xfrm>
+            <a:off x="3362826" y="3945801"/>
+            <a:ext cx="456006" cy="381000"/>
+          </a:xfrm>
+          <a:prstGeom prst="flowChartMagneticDisk">
+            <a:avLst/>
+          </a:prstGeom>
+          <a:noFill/>
+          <a:ln w="3175">
+            <a:solidFill>
+              <a:srgbClr val="B3B3B3"/>
+            </a:solidFill>
+          </a:ln>
+        </p:spPr>
+        <p:style>
+          <a:lnRef idx="2">
+            <a:schemeClr val="accent1">
+              <a:shade val="50000"/>
+            </a:schemeClr>
+          </a:lnRef>
+          <a:fillRef idx="1">
+            <a:schemeClr val="accent1"/>
+          </a:fillRef>
+          <a:effectRef idx="0">
+            <a:schemeClr val="accent1"/>
+          </a:effectRef>
+          <a:fontRef idx="minor">
+            <a:schemeClr val="lt1"/>
+          </a:fontRef>
+        </p:style>
+        <p:txBody>
+          <a:bodyPr rtlCol="0" anchor="ctr"/>
+          <a:lstStyle/>
+          <a:p>
+            <a:pPr algn="ctr"/>
+            <a:endParaRPr lang="en-US" sz="1000" dirty="0">
+              <a:solidFill>
+                <a:srgbClr val="808080"/>
+              </a:solidFill>
+            </a:endParaRPr>
+          </a:p>
+        </p:txBody>
+      </p:sp>
+      <p:cxnSp>
+        <p:nvCxnSpPr>
+          <p:cNvPr id="28" name="Straight Arrow Connector 27"/>
+          <p:cNvCxnSpPr>
+            <a:stCxn id="29" idx="2"/>
+            <a:endCxn id="27" idx="1"/>
+          </p:cNvCxnSpPr>
+          <p:nvPr/>
+        </p:nvCxnSpPr>
+        <p:spPr>
+          <a:xfrm>
+            <a:off x="3590829" y="3751700"/>
+            <a:ext cx="0" cy="194101"/>
+          </a:xfrm>
+          <a:prstGeom prst="straightConnector1">
+            <a:avLst/>
+          </a:prstGeom>
+          <a:ln w="3175">
+            <a:solidFill>
+              <a:srgbClr val="B3B3B3"/>
+            </a:solidFill>
+            <a:tailEnd type="arrow"/>
+          </a:ln>
+        </p:spPr>
+        <p:style>
+          <a:lnRef idx="1">
+            <a:schemeClr val="accent1"/>
+          </a:lnRef>
+          <a:fillRef idx="0">
+            <a:schemeClr val="accent1"/>
+          </a:fillRef>
+          <a:effectRef idx="0">
+            <a:schemeClr val="accent1"/>
+          </a:effectRef>
+          <a:fontRef idx="minor">
+            <a:schemeClr val="tx1"/>
+          </a:fontRef>
+        </p:style>
+      </p:cxnSp>
+      <p:sp>
+        <p:nvSpPr>
+          <p:cNvPr id="29" name="Rectangle 28"/>
+          <p:cNvSpPr/>
+          <p:nvPr/>
+        </p:nvSpPr>
+        <p:spPr>
+          <a:xfrm>
+            <a:off x="2828829" y="3425729"/>
+            <a:ext cx="1524000" cy="325971"/>
+          </a:xfrm>
+          <a:prstGeom prst="rect">
+            <a:avLst/>
+          </a:prstGeom>
+          <a:noFill/>
+          <a:ln w="3175">
+            <a:solidFill>
+              <a:srgbClr val="B3B3B3"/>
+            </a:solidFill>
+          </a:ln>
+        </p:spPr>
+        <p:style>
+          <a:lnRef idx="2">
+            <a:schemeClr val="accent1">
+              <a:shade val="50000"/>
+            </a:schemeClr>
+          </a:lnRef>
+          <a:fillRef idx="1">
+            <a:schemeClr val="accent1"/>
+          </a:fillRef>
+          <a:effectRef idx="0">
+            <a:schemeClr val="accent1"/>
+          </a:effectRef>
+          <a:fontRef idx="minor">
+            <a:schemeClr val="lt1"/>
+          </a:fontRef>
+        </p:style>
+        <p:txBody>
+          <a:bodyPr rtlCol="0" anchor="ctr"/>
+          <a:lstStyle/>
+          <a:p>
+            <a:pPr algn="ctr"/>
+            <a:r>
+              <a:rPr lang="en-US" sz="1100" dirty="0" smtClean="0">
+                <a:solidFill>
+                  <a:srgbClr val="808080"/>
+                </a:solidFill>
+                <a:latin typeface="Roboto"/>
+              </a:rPr>
+              <a:t>Service</a:t>
+            </a:r>
+            <a:endParaRPr lang="en-US" sz="1100" dirty="0">
+              <a:solidFill>
+                <a:srgbClr val="808080"/>
+              </a:solidFill>
+              <a:latin typeface="Roboto"/>
+            </a:endParaRPr>
+          </a:p>
+        </p:txBody>
+      </p:sp>
+      <p:sp>
+        <p:nvSpPr>
+          <p:cNvPr id="30" name="Rectangle 29"/>
+          <p:cNvSpPr/>
+          <p:nvPr/>
+        </p:nvSpPr>
+        <p:spPr>
+          <a:xfrm>
+            <a:off x="2828829" y="2919844"/>
+            <a:ext cx="1524000" cy="325971"/>
+          </a:xfrm>
+          <a:prstGeom prst="rect">
+            <a:avLst/>
+          </a:prstGeom>
+          <a:noFill/>
+          <a:ln w="3175">
+            <a:solidFill>
+              <a:srgbClr val="B3B3B3"/>
+            </a:solidFill>
+          </a:ln>
+        </p:spPr>
+        <p:style>
+          <a:lnRef idx="2">
+            <a:schemeClr val="accent1">
+              <a:shade val="50000"/>
+            </a:schemeClr>
+          </a:lnRef>
+          <a:fillRef idx="1">
+            <a:schemeClr val="accent1"/>
+          </a:fillRef>
+          <a:effectRef idx="0">
+            <a:schemeClr val="accent1"/>
+          </a:effectRef>
+          <a:fontRef idx="minor">
+            <a:schemeClr val="lt1"/>
+          </a:fontRef>
+        </p:style>
+        <p:txBody>
+          <a:bodyPr rtlCol="0" anchor="ctr"/>
+          <a:lstStyle/>
+          <a:p>
+            <a:pPr algn="ctr"/>
+            <a:r>
+              <a:rPr lang="en-US" sz="1100" dirty="0" smtClean="0">
+                <a:solidFill>
+                  <a:srgbClr val="808080"/>
+                </a:solidFill>
+                <a:latin typeface="Roboto"/>
+              </a:rPr>
+              <a:t>REST API Handler</a:t>
+            </a:r>
+            <a:endParaRPr lang="en-US" sz="1100" dirty="0">
+              <a:solidFill>
+                <a:srgbClr val="808080"/>
+              </a:solidFill>
+              <a:latin typeface="Roboto"/>
+            </a:endParaRPr>
+          </a:p>
+        </p:txBody>
+      </p:sp>
+      <p:cxnSp>
+        <p:nvCxnSpPr>
+          <p:cNvPr id="31" name="Straight Arrow Connector 30"/>
+          <p:cNvCxnSpPr>
+            <a:stCxn id="30" idx="2"/>
+            <a:endCxn id="29" idx="0"/>
+          </p:cNvCxnSpPr>
+          <p:nvPr/>
+        </p:nvCxnSpPr>
+        <p:spPr>
+          <a:xfrm>
+            <a:off x="3590829" y="3245815"/>
+            <a:ext cx="0" cy="179914"/>
+          </a:xfrm>
+          <a:prstGeom prst="straightConnector1">
+            <a:avLst/>
+          </a:prstGeom>
+          <a:ln w="3175">
+            <a:solidFill>
+              <a:srgbClr val="B3B3B3"/>
+            </a:solidFill>
+            <a:tailEnd type="arrow"/>
+          </a:ln>
+        </p:spPr>
+        <p:style>
+          <a:lnRef idx="1">
+            <a:schemeClr val="accent1"/>
+          </a:lnRef>
+          <a:fillRef idx="0">
+            <a:schemeClr val="accent1"/>
+          </a:fillRef>
+          <a:effectRef idx="0">
+            <a:schemeClr val="accent1"/>
+          </a:effectRef>
+          <a:fontRef idx="minor">
+            <a:schemeClr val="tx1"/>
+          </a:fontRef>
+        </p:style>
+      </p:cxnSp>
+      <p:sp>
+        <p:nvSpPr>
+          <p:cNvPr id="33" name="Rectangle 32"/>
+          <p:cNvSpPr/>
+          <p:nvPr/>
+        </p:nvSpPr>
+        <p:spPr>
+          <a:xfrm>
+            <a:off x="2710476" y="2483816"/>
+            <a:ext cx="2286000" cy="1932515"/>
+          </a:xfrm>
+          <a:prstGeom prst="rect">
+            <a:avLst/>
+          </a:prstGeom>
+          <a:noFill/>
+          <a:ln w="3175">
+            <a:solidFill>
+              <a:srgbClr val="B3B3B3"/>
+            </a:solidFill>
+          </a:ln>
+        </p:spPr>
+        <p:style>
+          <a:lnRef idx="2">
+            <a:schemeClr val="accent1">
+              <a:shade val="50000"/>
+            </a:schemeClr>
+          </a:lnRef>
+          <a:fillRef idx="1">
+            <a:schemeClr val="accent1"/>
+          </a:fillRef>
+          <a:effectRef idx="0">
+            <a:schemeClr val="accent1"/>
+          </a:effectRef>
+          <a:fontRef idx="minor">
+            <a:schemeClr val="lt1"/>
+          </a:fontRef>
+        </p:style>
+        <p:txBody>
+          <a:bodyPr rtlCol="0" anchor="t"/>
+          <a:lstStyle/>
+          <a:p>
+            <a:pPr algn="ctr"/>
+            <a:r>
+              <a:rPr lang="en-US" sz="1200" dirty="0" smtClean="0">
+                <a:solidFill>
+                  <a:srgbClr val="4D4D4D"/>
+                </a:solidFill>
+                <a:latin typeface="Roboto"/>
+              </a:rPr>
+              <a:t>Package 1 (User)</a:t>
+            </a:r>
+            <a:endParaRPr lang="en-US" sz="1200" dirty="0">
+              <a:solidFill>
+                <a:srgbClr val="4D4D4D"/>
+              </a:solidFill>
+              <a:latin typeface="Roboto"/>
+            </a:endParaRPr>
+          </a:p>
+        </p:txBody>
+      </p:sp>
+      <p:sp>
+        <p:nvSpPr>
+          <p:cNvPr id="34" name="Rectangle 33"/>
+          <p:cNvSpPr/>
+          <p:nvPr/>
+        </p:nvSpPr>
+        <p:spPr>
+          <a:xfrm>
+            <a:off x="4467940" y="2919843"/>
+            <a:ext cx="383218" cy="831857"/>
+          </a:xfrm>
+          <a:prstGeom prst="rect">
+            <a:avLst/>
+          </a:prstGeom>
+          <a:noFill/>
+          <a:ln w="3175">
+            <a:solidFill>
+              <a:srgbClr val="B3B3B3"/>
+            </a:solidFill>
+          </a:ln>
+        </p:spPr>
+        <p:style>
+          <a:lnRef idx="2">
+            <a:schemeClr val="accent1">
+              <a:shade val="50000"/>
+            </a:schemeClr>
+          </a:lnRef>
+          <a:fillRef idx="1">
+            <a:schemeClr val="accent1"/>
+          </a:fillRef>
+          <a:effectRef idx="0">
+            <a:schemeClr val="accent1"/>
+          </a:effectRef>
+          <a:fontRef idx="minor">
+            <a:schemeClr val="lt1"/>
+          </a:fontRef>
+        </p:style>
+        <p:txBody>
+          <a:bodyPr vert="vert270" rtlCol="0" anchor="ctr"/>
+          <a:lstStyle/>
+          <a:p>
+            <a:pPr algn="ctr"/>
+            <a:r>
+              <a:rPr lang="en-US" sz="1100" dirty="0" smtClean="0">
+                <a:solidFill>
+                  <a:srgbClr val="808080"/>
+                </a:solidFill>
+                <a:latin typeface="Roboto"/>
+              </a:rPr>
+              <a:t>Model</a:t>
+            </a:r>
+            <a:endParaRPr lang="en-US" sz="1100" dirty="0">
+              <a:solidFill>
+                <a:srgbClr val="808080"/>
+              </a:solidFill>
+              <a:latin typeface="Roboto"/>
+            </a:endParaRPr>
+          </a:p>
+        </p:txBody>
+      </p:sp>
+      <p:sp>
+        <p:nvSpPr>
+          <p:cNvPr id="38" name="Rectangle 37"/>
+          <p:cNvSpPr/>
+          <p:nvPr/>
+        </p:nvSpPr>
+        <p:spPr>
+          <a:xfrm>
+            <a:off x="5267229" y="3415144"/>
+            <a:ext cx="1524000" cy="325971"/>
+          </a:xfrm>
+          <a:prstGeom prst="rect">
+            <a:avLst/>
+          </a:prstGeom>
+          <a:noFill/>
+          <a:ln w="3175">
+            <a:solidFill>
+              <a:srgbClr val="B3B3B3"/>
+            </a:solidFill>
+          </a:ln>
+        </p:spPr>
+        <p:style>
+          <a:lnRef idx="2">
+            <a:schemeClr val="accent1">
+              <a:shade val="50000"/>
+            </a:schemeClr>
+          </a:lnRef>
+          <a:fillRef idx="1">
+            <a:schemeClr val="accent1"/>
+          </a:fillRef>
+          <a:effectRef idx="0">
+            <a:schemeClr val="accent1"/>
+          </a:effectRef>
+          <a:fontRef idx="minor">
+            <a:schemeClr val="lt1"/>
+          </a:fontRef>
+        </p:style>
+        <p:txBody>
+          <a:bodyPr rtlCol="0" anchor="ctr"/>
+          <a:lstStyle/>
+          <a:p>
+            <a:pPr algn="ctr"/>
+            <a:r>
+              <a:rPr lang="en-US" sz="1100" dirty="0">
+                <a:solidFill>
+                  <a:srgbClr val="808080"/>
+                </a:solidFill>
+                <a:latin typeface="Roboto"/>
+              </a:rPr>
+              <a:t>Service</a:t>
+            </a:r>
+          </a:p>
+        </p:txBody>
+      </p:sp>
+      <p:sp>
+        <p:nvSpPr>
+          <p:cNvPr id="39" name="Rectangle 38"/>
+          <p:cNvSpPr/>
+          <p:nvPr/>
+        </p:nvSpPr>
+        <p:spPr>
+          <a:xfrm>
+            <a:off x="5267229" y="2909259"/>
+            <a:ext cx="1524000" cy="325971"/>
+          </a:xfrm>
+          <a:prstGeom prst="rect">
+            <a:avLst/>
+          </a:prstGeom>
+          <a:noFill/>
+          <a:ln w="3175">
+            <a:solidFill>
+              <a:srgbClr val="B3B3B3"/>
+            </a:solidFill>
+          </a:ln>
+        </p:spPr>
+        <p:style>
+          <a:lnRef idx="2">
+            <a:schemeClr val="accent1">
+              <a:shade val="50000"/>
+            </a:schemeClr>
+          </a:lnRef>
+          <a:fillRef idx="1">
+            <a:schemeClr val="accent1"/>
+          </a:fillRef>
+          <a:effectRef idx="0">
+            <a:schemeClr val="accent1"/>
+          </a:effectRef>
+          <a:fontRef idx="minor">
+            <a:schemeClr val="lt1"/>
+          </a:fontRef>
+        </p:style>
+        <p:txBody>
+          <a:bodyPr rtlCol="0" anchor="ctr"/>
+          <a:lstStyle/>
+          <a:p>
+            <a:pPr algn="ctr"/>
+            <a:r>
+              <a:rPr lang="en-US" sz="1100" dirty="0" smtClean="0">
+                <a:solidFill>
+                  <a:srgbClr val="808080"/>
+                </a:solidFill>
+                <a:latin typeface="Roboto"/>
+              </a:rPr>
+              <a:t>REST API Handler</a:t>
+            </a:r>
+            <a:endParaRPr lang="en-US" sz="1100" dirty="0">
+              <a:solidFill>
+                <a:srgbClr val="808080"/>
+              </a:solidFill>
+              <a:latin typeface="Roboto"/>
+            </a:endParaRPr>
+          </a:p>
+        </p:txBody>
+      </p:sp>
+      <p:cxnSp>
+        <p:nvCxnSpPr>
+          <p:cNvPr id="40" name="Straight Arrow Connector 39"/>
+          <p:cNvCxnSpPr>
+            <a:stCxn id="39" idx="2"/>
+            <a:endCxn id="38" idx="0"/>
+          </p:cNvCxnSpPr>
+          <p:nvPr/>
+        </p:nvCxnSpPr>
+        <p:spPr>
+          <a:xfrm>
+            <a:off x="6029229" y="3235230"/>
+            <a:ext cx="0" cy="179914"/>
+          </a:xfrm>
+          <a:prstGeom prst="straightConnector1">
+            <a:avLst/>
+          </a:prstGeom>
+          <a:ln w="3175">
+            <a:solidFill>
+              <a:srgbClr val="B3B3B3"/>
+            </a:solidFill>
+            <a:tailEnd type="arrow"/>
+          </a:ln>
+        </p:spPr>
+        <p:style>
+          <a:lnRef idx="1">
+            <a:schemeClr val="accent1"/>
+          </a:lnRef>
+          <a:fillRef idx="0">
+            <a:schemeClr val="accent1"/>
+          </a:fillRef>
+          <a:effectRef idx="0">
+            <a:schemeClr val="accent1"/>
+          </a:effectRef>
+          <a:fontRef idx="minor">
+            <a:schemeClr val="tx1"/>
+          </a:fontRef>
+        </p:style>
+      </p:cxnSp>
+      <p:sp>
+        <p:nvSpPr>
+          <p:cNvPr id="42" name="Rectangle 41"/>
+          <p:cNvSpPr/>
+          <p:nvPr/>
+        </p:nvSpPr>
+        <p:spPr>
+          <a:xfrm>
+            <a:off x="5148876" y="2473231"/>
+            <a:ext cx="2286000" cy="1932515"/>
+          </a:xfrm>
+          <a:prstGeom prst="rect">
+            <a:avLst/>
+          </a:prstGeom>
+          <a:noFill/>
+          <a:ln w="3175">
+            <a:solidFill>
+              <a:srgbClr val="B3B3B3"/>
+            </a:solidFill>
+          </a:ln>
+        </p:spPr>
+        <p:style>
+          <a:lnRef idx="2">
+            <a:schemeClr val="accent1">
+              <a:shade val="50000"/>
+            </a:schemeClr>
+          </a:lnRef>
+          <a:fillRef idx="1">
+            <a:schemeClr val="accent1"/>
+          </a:fillRef>
+          <a:effectRef idx="0">
+            <a:schemeClr val="accent1"/>
+          </a:effectRef>
+          <a:fontRef idx="minor">
+            <a:schemeClr val="lt1"/>
+          </a:fontRef>
+        </p:style>
+        <p:txBody>
+          <a:bodyPr rtlCol="0" anchor="t"/>
+          <a:lstStyle/>
+          <a:p>
+            <a:pPr algn="ctr"/>
+            <a:r>
+              <a:rPr lang="en-US" sz="1200" dirty="0" smtClean="0">
+                <a:solidFill>
+                  <a:srgbClr val="4D4D4D"/>
+                </a:solidFill>
+                <a:latin typeface="Roboto"/>
+              </a:rPr>
+              <a:t>Package 2 (Role)</a:t>
+            </a:r>
+            <a:endParaRPr lang="en-US" sz="1200" dirty="0">
+              <a:solidFill>
+                <a:srgbClr val="4D4D4D"/>
+              </a:solidFill>
+              <a:latin typeface="Roboto"/>
+            </a:endParaRPr>
+          </a:p>
+        </p:txBody>
+      </p:sp>
+      <p:sp>
+        <p:nvSpPr>
+          <p:cNvPr id="43" name="Rectangle 42"/>
+          <p:cNvSpPr/>
+          <p:nvPr/>
+        </p:nvSpPr>
+        <p:spPr>
+          <a:xfrm>
+            <a:off x="6906340" y="2909258"/>
+            <a:ext cx="383218" cy="831857"/>
+          </a:xfrm>
+          <a:prstGeom prst="rect">
+            <a:avLst/>
+          </a:prstGeom>
+          <a:noFill/>
+          <a:ln w="3175">
+            <a:solidFill>
+              <a:srgbClr val="B3B3B3"/>
+            </a:solidFill>
+          </a:ln>
+        </p:spPr>
+        <p:style>
+          <a:lnRef idx="2">
+            <a:schemeClr val="accent1">
+              <a:shade val="50000"/>
+            </a:schemeClr>
+          </a:lnRef>
+          <a:fillRef idx="1">
+            <a:schemeClr val="accent1"/>
+          </a:fillRef>
+          <a:effectRef idx="0">
+            <a:schemeClr val="accent1"/>
+          </a:effectRef>
+          <a:fontRef idx="minor">
+            <a:schemeClr val="lt1"/>
+          </a:fontRef>
+        </p:style>
+        <p:txBody>
+          <a:bodyPr vert="vert270" rtlCol="0" anchor="ctr"/>
+          <a:lstStyle/>
+          <a:p>
+            <a:pPr algn="ctr"/>
+            <a:r>
+              <a:rPr lang="en-US" sz="1100" dirty="0" smtClean="0">
+                <a:solidFill>
+                  <a:srgbClr val="808080"/>
+                </a:solidFill>
+                <a:latin typeface="Roboto"/>
+              </a:rPr>
+              <a:t>Model</a:t>
+            </a:r>
+            <a:endParaRPr lang="en-US" sz="1100" dirty="0">
+              <a:solidFill>
+                <a:srgbClr val="808080"/>
+              </a:solidFill>
+              <a:latin typeface="Roboto"/>
+            </a:endParaRPr>
+          </a:p>
+        </p:txBody>
+      </p:sp>
+      <p:sp>
+        <p:nvSpPr>
+          <p:cNvPr id="46" name="Flowchart: Magnetic Disk 45"/>
+          <p:cNvSpPr/>
+          <p:nvPr/>
+        </p:nvSpPr>
+        <p:spPr>
+          <a:xfrm>
+            <a:off x="5801226" y="3945801"/>
+            <a:ext cx="456006" cy="381000"/>
+          </a:xfrm>
+          <a:prstGeom prst="flowChartMagneticDisk">
+            <a:avLst/>
+          </a:prstGeom>
+          <a:noFill/>
+          <a:ln w="3175">
+            <a:solidFill>
+              <a:srgbClr val="B3B3B3"/>
+            </a:solidFill>
+          </a:ln>
+        </p:spPr>
+        <p:style>
+          <a:lnRef idx="2">
+            <a:schemeClr val="accent1">
+              <a:shade val="50000"/>
+            </a:schemeClr>
+          </a:lnRef>
+          <a:fillRef idx="1">
+            <a:schemeClr val="accent1"/>
+          </a:fillRef>
+          <a:effectRef idx="0">
+            <a:schemeClr val="accent1"/>
+          </a:effectRef>
+          <a:fontRef idx="minor">
+            <a:schemeClr val="lt1"/>
+          </a:fontRef>
+        </p:style>
+        <p:txBody>
+          <a:bodyPr rtlCol="0" anchor="ctr"/>
+          <a:lstStyle/>
+          <a:p>
+            <a:pPr algn="ctr"/>
+            <a:endParaRPr lang="en-US" sz="1000" dirty="0">
+              <a:solidFill>
+                <a:srgbClr val="808080"/>
+              </a:solidFill>
+            </a:endParaRPr>
+          </a:p>
+        </p:txBody>
+      </p:sp>
+      <p:cxnSp>
+        <p:nvCxnSpPr>
+          <p:cNvPr id="47" name="Straight Arrow Connector 46"/>
+          <p:cNvCxnSpPr>
+            <a:stCxn id="38" idx="2"/>
+            <a:endCxn id="46" idx="1"/>
+          </p:cNvCxnSpPr>
+          <p:nvPr/>
+        </p:nvCxnSpPr>
+        <p:spPr>
+          <a:xfrm>
+            <a:off x="6029229" y="3741115"/>
+            <a:ext cx="0" cy="204686"/>
+          </a:xfrm>
+          <a:prstGeom prst="straightConnector1">
+            <a:avLst/>
+          </a:prstGeom>
+          <a:ln w="3175">
+            <a:solidFill>
+              <a:srgbClr val="B3B3B3"/>
+            </a:solidFill>
+            <a:tailEnd type="arrow"/>
+          </a:ln>
+        </p:spPr>
+        <p:style>
+          <a:lnRef idx="1">
+            <a:schemeClr val="accent1"/>
+          </a:lnRef>
+          <a:fillRef idx="0">
+            <a:schemeClr val="accent1"/>
+          </a:fillRef>
+          <a:effectRef idx="0">
+            <a:schemeClr val="accent1"/>
+          </a:effectRef>
+          <a:fontRef idx="minor">
+            <a:schemeClr val="tx1"/>
+          </a:fontRef>
+        </p:style>
+      </p:cxnSp>
+      <p:sp>
+        <p:nvSpPr>
+          <p:cNvPr id="50" name="Rectangle 49"/>
+          <p:cNvSpPr/>
+          <p:nvPr/>
+        </p:nvSpPr>
+        <p:spPr>
+          <a:xfrm>
+            <a:off x="2710475" y="2081718"/>
+            <a:ext cx="4115397" cy="287490"/>
+          </a:xfrm>
+          <a:prstGeom prst="rect">
+            <a:avLst/>
+          </a:prstGeom>
+          <a:noFill/>
+          <a:ln w="3175">
+            <a:solidFill>
+              <a:srgbClr val="B3B3B3"/>
+            </a:solidFill>
+          </a:ln>
+        </p:spPr>
+        <p:style>
+          <a:lnRef idx="2">
+            <a:schemeClr val="accent1">
+              <a:shade val="50000"/>
+            </a:schemeClr>
+          </a:lnRef>
+          <a:fillRef idx="1">
+            <a:schemeClr val="accent1"/>
+          </a:fillRef>
+          <a:effectRef idx="0">
+            <a:schemeClr val="accent1"/>
+          </a:effectRef>
+          <a:fontRef idx="minor">
+            <a:schemeClr val="lt1"/>
+          </a:fontRef>
+        </p:style>
+        <p:txBody>
+          <a:bodyPr rtlCol="0" anchor="ctr"/>
+          <a:lstStyle/>
+          <a:p>
+            <a:pPr algn="ctr"/>
+            <a:r>
+              <a:rPr lang="en-US" sz="1000" dirty="0" smtClean="0">
+                <a:solidFill>
+                  <a:srgbClr val="45C2B1"/>
+                </a:solidFill>
+                <a:latin typeface="Roboto"/>
+              </a:rPr>
+              <a:t>middleware log tracing</a:t>
+            </a:r>
+            <a:endParaRPr lang="en-US" sz="1000" dirty="0">
+              <a:solidFill>
+                <a:srgbClr val="45C2B1"/>
+              </a:solidFill>
+              <a:latin typeface="Roboto"/>
+            </a:endParaRPr>
+          </a:p>
+        </p:txBody>
+      </p:sp>
+      <p:sp>
+        <p:nvSpPr>
+          <p:cNvPr id="51" name="Flowchart: Magnetic Disk 50"/>
+          <p:cNvSpPr/>
+          <p:nvPr/>
+        </p:nvSpPr>
+        <p:spPr>
+          <a:xfrm>
+            <a:off x="6978870" y="1697476"/>
+            <a:ext cx="456006" cy="381000"/>
+          </a:xfrm>
+          <a:prstGeom prst="flowChartMagneticDisk">
+            <a:avLst/>
+          </a:prstGeom>
+          <a:noFill/>
+          <a:ln w="3175">
+            <a:solidFill>
+              <a:srgbClr val="B3B3B3"/>
+            </a:solidFill>
+          </a:ln>
+        </p:spPr>
+        <p:style>
+          <a:lnRef idx="2">
+            <a:schemeClr val="accent1">
+              <a:shade val="50000"/>
+            </a:schemeClr>
+          </a:lnRef>
+          <a:fillRef idx="1">
+            <a:schemeClr val="accent1"/>
+          </a:fillRef>
+          <a:effectRef idx="0">
+            <a:schemeClr val="accent1"/>
+          </a:effectRef>
+          <a:fontRef idx="minor">
+            <a:schemeClr val="lt1"/>
+          </a:fontRef>
+        </p:style>
+        <p:txBody>
+          <a:bodyPr rtlCol="0" anchor="ctr"/>
+          <a:lstStyle/>
+          <a:p>
+            <a:pPr algn="ctr"/>
+            <a:endParaRPr lang="en-US" sz="1000" dirty="0">
+              <a:solidFill>
+                <a:srgbClr val="808080"/>
+              </a:solidFill>
+            </a:endParaRPr>
+          </a:p>
+        </p:txBody>
+      </p:sp>
+      <p:sp>
+        <p:nvSpPr>
+          <p:cNvPr id="57" name="Rectangle 56"/>
+          <p:cNvSpPr/>
+          <p:nvPr/>
+        </p:nvSpPr>
+        <p:spPr>
+          <a:xfrm>
+            <a:off x="2710476" y="1715668"/>
+            <a:ext cx="4115397" cy="287490"/>
+          </a:xfrm>
+          <a:prstGeom prst="rect">
+            <a:avLst/>
+          </a:prstGeom>
+          <a:noFill/>
+          <a:ln w="3175">
+            <a:solidFill>
+              <a:srgbClr val="B3B3B3"/>
+            </a:solidFill>
+          </a:ln>
+        </p:spPr>
+        <p:style>
+          <a:lnRef idx="2">
+            <a:schemeClr val="accent1">
+              <a:shade val="50000"/>
+            </a:schemeClr>
+          </a:lnRef>
+          <a:fillRef idx="1">
+            <a:schemeClr val="accent1"/>
+          </a:fillRef>
+          <a:effectRef idx="0">
+            <a:schemeClr val="accent1"/>
+          </a:effectRef>
+          <a:fontRef idx="minor">
+            <a:schemeClr val="lt1"/>
+          </a:fontRef>
+        </p:style>
+        <p:txBody>
+          <a:bodyPr rtlCol="0" anchor="ctr"/>
+          <a:lstStyle/>
+          <a:p>
+            <a:pPr algn="ctr"/>
+            <a:r>
+              <a:rPr lang="en-US" sz="1000" dirty="0" smtClean="0">
+                <a:solidFill>
+                  <a:srgbClr val="45C2B1"/>
+                </a:solidFill>
+                <a:latin typeface="Roboto"/>
+              </a:rPr>
+              <a:t>authorization</a:t>
+            </a:r>
+            <a:endParaRPr lang="en-US" sz="1000" dirty="0">
+              <a:solidFill>
+                <a:srgbClr val="45C2B1"/>
+              </a:solidFill>
+              <a:latin typeface="Roboto"/>
+            </a:endParaRPr>
+          </a:p>
+        </p:txBody>
+      </p:sp>
+      <p:cxnSp>
+        <p:nvCxnSpPr>
+          <p:cNvPr id="58" name="Straight Arrow Connector 57"/>
+          <p:cNvCxnSpPr>
+            <a:endCxn id="51" idx="2"/>
+          </p:cNvCxnSpPr>
+          <p:nvPr/>
+        </p:nvCxnSpPr>
+        <p:spPr>
+          <a:xfrm>
+            <a:off x="6825873" y="1887976"/>
+            <a:ext cx="152997" cy="0"/>
+          </a:xfrm>
+          <a:prstGeom prst="straightConnector1">
+            <a:avLst/>
+          </a:prstGeom>
+          <a:ln w="3175">
+            <a:solidFill>
+              <a:srgbClr val="B3B3B3"/>
+            </a:solidFill>
+            <a:tailEnd type="arrow"/>
+          </a:ln>
+        </p:spPr>
+        <p:style>
+          <a:lnRef idx="1">
+            <a:schemeClr val="accent1"/>
+          </a:lnRef>
+          <a:fillRef idx="0">
+            <a:schemeClr val="accent1"/>
+          </a:fillRef>
+          <a:effectRef idx="0">
+            <a:schemeClr val="accent1"/>
+          </a:effectRef>
+          <a:fontRef idx="minor">
+            <a:schemeClr val="tx1"/>
+          </a:fontRef>
+        </p:style>
+      </p:cxnSp>
+      <p:sp>
+        <p:nvSpPr>
+          <p:cNvPr id="64" name="Rectangle 63"/>
+          <p:cNvSpPr/>
+          <p:nvPr/>
+        </p:nvSpPr>
+        <p:spPr>
+          <a:xfrm>
+            <a:off x="2133600" y="3115735"/>
+            <a:ext cx="459418" cy="1300596"/>
+          </a:xfrm>
+          <a:prstGeom prst="rect">
+            <a:avLst/>
+          </a:prstGeom>
+          <a:noFill/>
+          <a:ln w="3175">
+            <a:solidFill>
+              <a:srgbClr val="B3B3B3"/>
+            </a:solidFill>
+          </a:ln>
+        </p:spPr>
+        <p:style>
+          <a:lnRef idx="2">
+            <a:schemeClr val="accent1">
+              <a:shade val="50000"/>
+            </a:schemeClr>
+          </a:lnRef>
+          <a:fillRef idx="1">
+            <a:schemeClr val="accent1"/>
+          </a:fillRef>
+          <a:effectRef idx="0">
+            <a:schemeClr val="accent1"/>
+          </a:effectRef>
+          <a:fontRef idx="minor">
+            <a:schemeClr val="lt1"/>
+          </a:fontRef>
+        </p:style>
+        <p:txBody>
+          <a:bodyPr vert="vert270" rtlCol="0" anchor="ctr"/>
+          <a:lstStyle/>
+          <a:p>
+            <a:pPr algn="ctr"/>
+            <a:r>
+              <a:rPr lang="en-US" sz="1000" dirty="0" smtClean="0">
+                <a:solidFill>
+                  <a:srgbClr val="45C2B1"/>
+                </a:solidFill>
+                <a:latin typeface="Roboto"/>
+              </a:rPr>
+              <a:t>logging</a:t>
+            </a:r>
+          </a:p>
+          <a:p>
+            <a:pPr algn="ctr"/>
+            <a:r>
+              <a:rPr lang="en-US" sz="1000" dirty="0" smtClean="0">
+                <a:solidFill>
+                  <a:srgbClr val="45C2B1"/>
+                </a:solidFill>
+                <a:latin typeface="Roboto"/>
+              </a:rPr>
+              <a:t>(zap, logrus)</a:t>
+            </a:r>
+            <a:endParaRPr lang="en-US" sz="1000" dirty="0">
+              <a:solidFill>
+                <a:srgbClr val="45C2B1"/>
+              </a:solidFill>
+              <a:latin typeface="Roboto"/>
+            </a:endParaRPr>
+          </a:p>
+        </p:txBody>
+      </p:sp>
+      <p:sp>
+        <p:nvSpPr>
+          <p:cNvPr id="65" name="Rectangle 64"/>
+          <p:cNvSpPr/>
+          <p:nvPr/>
+        </p:nvSpPr>
+        <p:spPr>
+          <a:xfrm>
+            <a:off x="2133600" y="1715668"/>
+            <a:ext cx="459418" cy="1300596"/>
+          </a:xfrm>
+          <a:prstGeom prst="rect">
+            <a:avLst/>
+          </a:prstGeom>
+          <a:noFill/>
+          <a:ln w="3175">
+            <a:solidFill>
+              <a:srgbClr val="B3B3B3"/>
+            </a:solidFill>
+          </a:ln>
+        </p:spPr>
+        <p:style>
+          <a:lnRef idx="2">
+            <a:schemeClr val="accent1">
+              <a:shade val="50000"/>
+            </a:schemeClr>
+          </a:lnRef>
+          <a:fillRef idx="1">
+            <a:schemeClr val="accent1"/>
+          </a:fillRef>
+          <a:effectRef idx="0">
+            <a:schemeClr val="accent1"/>
+          </a:effectRef>
+          <a:fontRef idx="minor">
+            <a:schemeClr val="lt1"/>
+          </a:fontRef>
+        </p:style>
+        <p:txBody>
+          <a:bodyPr vert="vert270" rtlCol="0" anchor="ctr"/>
+          <a:lstStyle/>
+          <a:p>
+            <a:pPr algn="ctr"/>
+            <a:r>
+              <a:rPr lang="en-US" sz="1000" dirty="0" smtClean="0">
+                <a:solidFill>
+                  <a:srgbClr val="45C2B1"/>
+                </a:solidFill>
+                <a:latin typeface="Roboto"/>
+              </a:rPr>
+              <a:t>LDAP</a:t>
+            </a:r>
+          </a:p>
+          <a:p>
+            <a:pPr algn="ctr"/>
+            <a:r>
+              <a:rPr lang="en-US" sz="1000" dirty="0" smtClean="0">
+                <a:solidFill>
+                  <a:srgbClr val="45C2B1"/>
+                </a:solidFill>
+                <a:latin typeface="Roboto"/>
+              </a:rPr>
+              <a:t>authenticator</a:t>
+            </a:r>
+            <a:endParaRPr lang="en-US" sz="1000" dirty="0">
+              <a:solidFill>
+                <a:srgbClr val="45C2B1"/>
+              </a:solidFill>
+              <a:latin typeface="Roboto"/>
+            </a:endParaRPr>
+          </a:p>
+        </p:txBody>
+      </p:sp>
+      <p:sp>
+        <p:nvSpPr>
+          <p:cNvPr id="66" name="Rectangle 65"/>
+          <p:cNvSpPr/>
+          <p:nvPr/>
+        </p:nvSpPr>
+        <p:spPr>
+          <a:xfrm>
+            <a:off x="1600200" y="3115735"/>
+            <a:ext cx="459418" cy="1300596"/>
+          </a:xfrm>
+          <a:prstGeom prst="rect">
+            <a:avLst/>
+          </a:prstGeom>
+          <a:noFill/>
+          <a:ln w="3175">
+            <a:solidFill>
+              <a:srgbClr val="B3B3B3"/>
+            </a:solidFill>
+          </a:ln>
+        </p:spPr>
+        <p:style>
+          <a:lnRef idx="2">
+            <a:schemeClr val="accent1">
+              <a:shade val="50000"/>
+            </a:schemeClr>
+          </a:lnRef>
+          <a:fillRef idx="1">
+            <a:schemeClr val="accent1"/>
+          </a:fillRef>
+          <a:effectRef idx="0">
+            <a:schemeClr val="accent1"/>
+          </a:effectRef>
+          <a:fontRef idx="minor">
+            <a:schemeClr val="lt1"/>
+          </a:fontRef>
+        </p:style>
+        <p:txBody>
+          <a:bodyPr vert="vert270" rtlCol="0" anchor="ctr"/>
+          <a:lstStyle/>
+          <a:p>
+            <a:pPr algn="ctr"/>
+            <a:r>
+              <a:rPr lang="en-US" sz="1000" dirty="0" smtClean="0">
+                <a:solidFill>
+                  <a:srgbClr val="45C2B1"/>
+                </a:solidFill>
+                <a:latin typeface="Roboto"/>
+              </a:rPr>
+              <a:t>config</a:t>
+            </a:r>
+            <a:endParaRPr lang="en-US" sz="1000" dirty="0">
+              <a:solidFill>
+                <a:srgbClr val="45C2B1"/>
+              </a:solidFill>
+              <a:latin typeface="Roboto"/>
+            </a:endParaRPr>
+          </a:p>
+        </p:txBody>
+      </p:sp>
+      <p:sp>
+        <p:nvSpPr>
+          <p:cNvPr id="67" name="Rectangle 66"/>
+          <p:cNvSpPr/>
+          <p:nvPr/>
+        </p:nvSpPr>
+        <p:spPr>
+          <a:xfrm>
+            <a:off x="1600200" y="1715668"/>
+            <a:ext cx="459418" cy="1300596"/>
+          </a:xfrm>
+          <a:prstGeom prst="rect">
+            <a:avLst/>
+          </a:prstGeom>
+          <a:noFill/>
+          <a:ln w="3175">
+            <a:solidFill>
+              <a:srgbClr val="B3B3B3"/>
+            </a:solidFill>
+          </a:ln>
+        </p:spPr>
+        <p:style>
+          <a:lnRef idx="2">
+            <a:schemeClr val="accent1">
+              <a:shade val="50000"/>
+            </a:schemeClr>
+          </a:lnRef>
+          <a:fillRef idx="1">
+            <a:schemeClr val="accent1"/>
+          </a:fillRef>
+          <a:effectRef idx="0">
+            <a:schemeClr val="accent1"/>
+          </a:effectRef>
+          <a:fontRef idx="minor">
+            <a:schemeClr val="lt1"/>
+          </a:fontRef>
+        </p:style>
+        <p:txBody>
+          <a:bodyPr vert="vert270" rtlCol="0" anchor="ctr"/>
+          <a:lstStyle/>
+          <a:p>
+            <a:pPr algn="ctr"/>
+            <a:r>
+              <a:rPr lang="en-US" sz="1000" dirty="0" smtClean="0">
+                <a:solidFill>
+                  <a:srgbClr val="45C2B1"/>
+                </a:solidFill>
+                <a:latin typeface="Roboto"/>
+              </a:rPr>
+              <a:t>health</a:t>
+            </a:r>
+            <a:endParaRPr lang="en-US" sz="1000" dirty="0">
+              <a:solidFill>
+                <a:srgbClr val="45C2B1"/>
+              </a:solidFill>
+              <a:latin typeface="Roboto"/>
+            </a:endParaRPr>
+          </a:p>
+        </p:txBody>
+      </p:sp>
+      <p:sp>
+        <p:nvSpPr>
+          <p:cNvPr id="68" name="Rectangle 67"/>
+          <p:cNvSpPr/>
+          <p:nvPr/>
+        </p:nvSpPr>
+        <p:spPr>
+          <a:xfrm>
+            <a:off x="1219200" y="1624444"/>
+            <a:ext cx="6324600" cy="2895600"/>
+          </a:xfrm>
+          <a:prstGeom prst="rect">
+            <a:avLst/>
+          </a:prstGeom>
+          <a:noFill/>
+          <a:ln w="3175">
+            <a:solidFill>
+              <a:srgbClr val="B3B3B3"/>
+            </a:solidFill>
+          </a:ln>
+        </p:spPr>
+        <p:style>
+          <a:lnRef idx="2">
+            <a:schemeClr val="accent1">
+              <a:shade val="50000"/>
+            </a:schemeClr>
+          </a:lnRef>
+          <a:fillRef idx="1">
+            <a:schemeClr val="accent1"/>
+          </a:fillRef>
+          <a:effectRef idx="0">
+            <a:schemeClr val="accent1"/>
+          </a:effectRef>
+          <a:fontRef idx="minor">
+            <a:schemeClr val="lt1"/>
+          </a:fontRef>
+        </p:style>
+        <p:txBody>
+          <a:bodyPr vert="vert270" rtlCol="0" anchor="t"/>
+          <a:lstStyle/>
+          <a:p>
+            <a:pPr algn="ctr"/>
+            <a:r>
+              <a:rPr lang="en-US" sz="1200" dirty="0" smtClean="0">
+                <a:solidFill>
+                  <a:srgbClr val="FC671A"/>
+                </a:solidFill>
+                <a:latin typeface="Roboto"/>
+              </a:rPr>
+              <a:t>One Micro Service (go-admin)</a:t>
+            </a:r>
+            <a:endParaRPr lang="en-US" sz="1200" dirty="0">
+              <a:solidFill>
+                <a:srgbClr val="FC671A"/>
+              </a:solidFill>
+              <a:latin typeface="Roboto"/>
+            </a:endParaRPr>
+          </a:p>
+        </p:txBody>
+      </p:sp>
+      <p:sp>
+        <p:nvSpPr>
+          <p:cNvPr id="69" name="Rectangle 68"/>
+          <p:cNvSpPr/>
+          <p:nvPr/>
+        </p:nvSpPr>
+        <p:spPr>
+          <a:xfrm>
+            <a:off x="1219200" y="1047751"/>
+            <a:ext cx="1219200" cy="325971"/>
+          </a:xfrm>
+          <a:prstGeom prst="rect">
+            <a:avLst/>
+          </a:prstGeom>
+          <a:noFill/>
+          <a:ln w="3175">
+            <a:solidFill>
+              <a:srgbClr val="B3B3B3"/>
+            </a:solidFill>
+          </a:ln>
+        </p:spPr>
+        <p:style>
+          <a:lnRef idx="2">
+            <a:schemeClr val="accent1">
+              <a:shade val="50000"/>
+            </a:schemeClr>
+          </a:lnRef>
+          <a:fillRef idx="1">
+            <a:schemeClr val="accent1"/>
+          </a:fillRef>
+          <a:effectRef idx="0">
+            <a:schemeClr val="accent1"/>
+          </a:effectRef>
+          <a:fontRef idx="minor">
+            <a:schemeClr val="lt1"/>
+          </a:fontRef>
+        </p:style>
+        <p:txBody>
+          <a:bodyPr rtlCol="0" anchor="ctr"/>
+          <a:lstStyle/>
+          <a:p>
+            <a:pPr algn="ctr"/>
+            <a:r>
+              <a:rPr lang="en-US" sz="1100" dirty="0" smtClean="0">
+                <a:solidFill>
+                  <a:srgbClr val="808080"/>
+                </a:solidFill>
+                <a:latin typeface="Roboto"/>
+              </a:rPr>
+              <a:t>Service Monitor</a:t>
+            </a:r>
+            <a:endParaRPr lang="en-US" sz="1100" dirty="0">
+              <a:solidFill>
+                <a:srgbClr val="808080"/>
+              </a:solidFill>
+              <a:latin typeface="Roboto"/>
+            </a:endParaRPr>
+          </a:p>
+        </p:txBody>
+      </p:sp>
+      <p:cxnSp>
+        <p:nvCxnSpPr>
+          <p:cNvPr id="70" name="Straight Arrow Connector 69"/>
+          <p:cNvCxnSpPr>
+            <a:stCxn id="69" idx="2"/>
+            <a:endCxn id="67" idx="0"/>
+          </p:cNvCxnSpPr>
+          <p:nvPr/>
+        </p:nvCxnSpPr>
+        <p:spPr>
+          <a:xfrm>
+            <a:off x="1828800" y="1373722"/>
+            <a:ext cx="1109" cy="341946"/>
+          </a:xfrm>
+          <a:prstGeom prst="straightConnector1">
+            <a:avLst/>
+          </a:prstGeom>
+          <a:ln w="3175">
+            <a:solidFill>
+              <a:srgbClr val="B3B3B3"/>
+            </a:solidFill>
+            <a:tailEnd type="arrow"/>
+          </a:ln>
+        </p:spPr>
+        <p:style>
+          <a:lnRef idx="1">
+            <a:schemeClr val="accent1"/>
+          </a:lnRef>
+          <a:fillRef idx="0">
+            <a:schemeClr val="accent1"/>
+          </a:fillRef>
+          <a:effectRef idx="0">
+            <a:schemeClr val="accent1"/>
+          </a:effectRef>
+          <a:fontRef idx="minor">
+            <a:schemeClr val="tx1"/>
+          </a:fontRef>
+        </p:style>
+      </p:cxnSp>
+      <p:sp>
+        <p:nvSpPr>
+          <p:cNvPr id="74" name="Rectangle 73"/>
+          <p:cNvSpPr/>
+          <p:nvPr/>
+        </p:nvSpPr>
+        <p:spPr>
+          <a:xfrm>
+            <a:off x="2590800" y="1047750"/>
+            <a:ext cx="4953000" cy="325971"/>
+          </a:xfrm>
+          <a:prstGeom prst="rect">
+            <a:avLst/>
+          </a:prstGeom>
+          <a:noFill/>
+          <a:ln w="3175">
+            <a:solidFill>
+              <a:srgbClr val="B3B3B3"/>
+            </a:solidFill>
+          </a:ln>
+        </p:spPr>
+        <p:style>
+          <a:lnRef idx="2">
+            <a:schemeClr val="accent1">
+              <a:shade val="50000"/>
+            </a:schemeClr>
+          </a:lnRef>
+          <a:fillRef idx="1">
+            <a:schemeClr val="accent1"/>
+          </a:fillRef>
+          <a:effectRef idx="0">
+            <a:schemeClr val="accent1"/>
+          </a:effectRef>
+          <a:fontRef idx="minor">
+            <a:schemeClr val="lt1"/>
+          </a:fontRef>
+        </p:style>
+        <p:txBody>
+          <a:bodyPr rtlCol="0" anchor="ctr"/>
+          <a:lstStyle/>
+          <a:p>
+            <a:pPr algn="ctr"/>
+            <a:r>
+              <a:rPr lang="en-US" sz="1100" dirty="0" smtClean="0">
+                <a:solidFill>
+                  <a:srgbClr val="808080"/>
+                </a:solidFill>
+                <a:latin typeface="Roboto"/>
+              </a:rPr>
+              <a:t>Client</a:t>
+            </a:r>
+            <a:endParaRPr lang="en-US" sz="1100" dirty="0">
+              <a:solidFill>
+                <a:srgbClr val="808080"/>
+              </a:solidFill>
+              <a:latin typeface="Roboto"/>
+            </a:endParaRPr>
+          </a:p>
+        </p:txBody>
+      </p:sp>
+      <p:cxnSp>
+        <p:nvCxnSpPr>
+          <p:cNvPr id="75" name="Straight Arrow Connector 74"/>
+          <p:cNvCxnSpPr>
+            <a:stCxn id="74" idx="2"/>
+          </p:cNvCxnSpPr>
+          <p:nvPr/>
+        </p:nvCxnSpPr>
+        <p:spPr>
+          <a:xfrm>
+            <a:off x="5067300" y="1373721"/>
+            <a:ext cx="0" cy="341947"/>
+          </a:xfrm>
+          <a:prstGeom prst="straightConnector1">
+            <a:avLst/>
+          </a:prstGeom>
+          <a:ln w="3175">
+            <a:solidFill>
+              <a:srgbClr val="B3B3B3"/>
+            </a:solidFill>
+            <a:tailEnd type="arrow"/>
+          </a:ln>
+        </p:spPr>
+        <p:style>
+          <a:lnRef idx="1">
+            <a:schemeClr val="accent1"/>
+          </a:lnRef>
+          <a:fillRef idx="0">
+            <a:schemeClr val="accent1"/>
+          </a:fillRef>
+          <a:effectRef idx="0">
+            <a:schemeClr val="accent1"/>
+          </a:effectRef>
+          <a:fontRef idx="minor">
+            <a:schemeClr val="tx1"/>
+          </a:fontRef>
+        </p:style>
+      </p:cxnSp>
+    </p:spTree>
+    <p:extLst>
+      <p:ext uri="{BB962C8B-B14F-4D97-AF65-F5344CB8AC3E}">
+        <p14:creationId xmlns:p14="http://schemas.microsoft.com/office/powerpoint/2010/main" val="1073010860"/>
+      </p:ext>
+    </p:extLst>
+  </p:cSld>
+  <p:clrMapOvr>
+    <a:masterClrMapping/>
+  </p:clrMapOvr>
+  <p:timing>
+    <p:tnLst>
+      <p:par>
+        <p:cTn id="1" dur="indefinite" restart="never" nodeType="tmRoot"/>
+      </p:par>
+    </p:tnLst>
+  </p:timing>
+</p:sld>
+</file>
+
+<file path=ppt/slides/slide24.xml><?xml version="1.0" encoding="utf-8"?>
+<p:sld xmlns:a="http://schemas.openxmlformats.org/drawingml/2006/main" xmlns:r="http://schemas.openxmlformats.org/officeDocument/2006/relationships" xmlns:p="http://schemas.openxmlformats.org/presentationml/2006/main">
+  <p:cSld>
+    <p:spTree>
+      <p:nvGrpSpPr>
+        <p:cNvPr id="1" name=""/>
+        <p:cNvGrpSpPr/>
+        <p:nvPr/>
+      </p:nvGrpSpPr>
+      <p:grpSpPr>
+        <a:xfrm>
+          <a:off x="0" y="0"/>
+          <a:ext cx="0" cy="0"/>
+          <a:chOff x="0" y="0"/>
+          <a:chExt cx="0" cy="0"/>
+        </a:xfrm>
+      </p:grpSpPr>
+      <p:sp>
+        <p:nvSpPr>
+          <p:cNvPr id="2" name="Title 1"/>
+          <p:cNvSpPr>
+            <a:spLocks noGrp="1"/>
+          </p:cNvSpPr>
+          <p:nvPr>
+            <p:ph type="title"/>
+          </p:nvPr>
+        </p:nvSpPr>
+        <p:spPr/>
+        <p:txBody>
+          <a:bodyPr/>
+          <a:lstStyle/>
+          <a:p>
+            <a:r>
+              <a:rPr lang="vi-VN" dirty="0"/>
+              <a:t>4. Real project samples</a:t>
+            </a:r>
+            <a:r>
+              <a:rPr lang="en-US" dirty="0"/>
+              <a:t> </a:t>
+            </a:r>
+            <a:r>
+              <a:rPr lang="en-US" dirty="0" smtClean="0"/>
+              <a:t>– 4.2</a:t>
             </a:r>
             <a:endParaRPr lang="en-US" dirty="0"/>
           </a:p>
@@ -10701,7 +12329,3401 @@
 </p:sld>
 </file>
 
-<file path=ppt/slides/slide24.xml><?xml version="1.0" encoding="utf-8"?>
+<file path=ppt/slides/slide25.xml><?xml version="1.0" encoding="utf-8"?>
+<p:sld xmlns:a="http://schemas.openxmlformats.org/drawingml/2006/main" xmlns:r="http://schemas.openxmlformats.org/officeDocument/2006/relationships" xmlns:p="http://schemas.openxmlformats.org/presentationml/2006/main">
+  <p:cSld>
+    <p:spTree>
+      <p:nvGrpSpPr>
+        <p:cNvPr id="1" name=""/>
+        <p:cNvGrpSpPr/>
+        <p:nvPr/>
+      </p:nvGrpSpPr>
+      <p:grpSpPr>
+        <a:xfrm>
+          <a:off x="0" y="0"/>
+          <a:ext cx="0" cy="0"/>
+          <a:chOff x="0" y="0"/>
+          <a:chExt cx="0" cy="0"/>
+        </a:xfrm>
+      </p:grpSpPr>
+      <p:sp>
+        <p:nvSpPr>
+          <p:cNvPr id="2" name="Title 1"/>
+          <p:cNvSpPr>
+            <a:spLocks noGrp="1"/>
+          </p:cNvSpPr>
+          <p:nvPr>
+            <p:ph type="title"/>
+          </p:nvPr>
+        </p:nvSpPr>
+        <p:spPr/>
+        <p:txBody>
+          <a:bodyPr/>
+          <a:lstStyle/>
+          <a:p>
+            <a:r>
+              <a:rPr lang="en-US" dirty="0"/>
+              <a:t>5. GO project </a:t>
+            </a:r>
+            <a:r>
+              <a:rPr lang="en-US" dirty="0" smtClean="0"/>
+              <a:t>generator - Components</a:t>
+            </a:r>
+            <a:endParaRPr lang="en-US" dirty="0"/>
+          </a:p>
+        </p:txBody>
+      </p:sp>
+      <p:sp>
+        <p:nvSpPr>
+          <p:cNvPr id="3" name="Content Placeholder 2"/>
+          <p:cNvSpPr>
+            <a:spLocks noGrp="1"/>
+          </p:cNvSpPr>
+          <p:nvPr>
+            <p:ph idx="1"/>
+          </p:nvPr>
+        </p:nvSpPr>
+        <p:spPr/>
+        <p:txBody>
+          <a:bodyPr/>
+          <a:lstStyle/>
+          <a:p>
+            <a:r>
+              <a:rPr lang="en-US" dirty="0" smtClean="0"/>
+              <a:t>Command line</a:t>
+            </a:r>
+          </a:p>
+          <a:p>
+            <a:pPr lvl="1"/>
+            <a:r>
+              <a:rPr lang="en-US" dirty="0" smtClean="0"/>
+              <a:t>export</a:t>
+            </a:r>
+          </a:p>
+          <a:p>
+            <a:pPr lvl="2"/>
+            <a:r>
+              <a:rPr lang="en-US" dirty="0" smtClean="0"/>
+              <a:t>input: database, project settings</a:t>
+            </a:r>
+          </a:p>
+          <a:p>
+            <a:pPr lvl="2"/>
+            <a:r>
+              <a:rPr lang="en-US" dirty="0" smtClean="0"/>
+              <a:t>output: metadata</a:t>
+            </a:r>
+          </a:p>
+          <a:p>
+            <a:pPr lvl="1"/>
+            <a:r>
+              <a:rPr lang="en-US" dirty="0" smtClean="0"/>
+              <a:t>generate</a:t>
+            </a:r>
+          </a:p>
+          <a:p>
+            <a:pPr lvl="2"/>
+            <a:r>
+              <a:rPr lang="en-US" dirty="0"/>
+              <a:t>input: </a:t>
+            </a:r>
+            <a:r>
+              <a:rPr lang="en-US" dirty="0" smtClean="0"/>
+              <a:t>metadata, </a:t>
+            </a:r>
+            <a:r>
+              <a:rPr lang="en-US" dirty="0"/>
+              <a:t>project </a:t>
+            </a:r>
+            <a:r>
+              <a:rPr lang="en-US" dirty="0" smtClean="0"/>
+              <a:t>templates</a:t>
+            </a:r>
+            <a:endParaRPr lang="en-US" dirty="0"/>
+          </a:p>
+          <a:p>
+            <a:pPr lvl="2"/>
+            <a:r>
+              <a:rPr lang="en-US" dirty="0"/>
+              <a:t>output: </a:t>
+            </a:r>
+            <a:r>
+              <a:rPr lang="en-US" dirty="0" smtClean="0"/>
+              <a:t>project (working application)</a:t>
+            </a:r>
+            <a:endParaRPr lang="en-US" dirty="0"/>
+          </a:p>
+          <a:p>
+            <a:r>
+              <a:rPr lang="en-US" dirty="0" smtClean="0"/>
+              <a:t>GUI</a:t>
+            </a:r>
+          </a:p>
+          <a:p>
+            <a:pPr lvl="1"/>
+            <a:r>
+              <a:rPr lang="en-US" dirty="0" smtClean="0"/>
+              <a:t>generator</a:t>
+            </a:r>
+          </a:p>
+          <a:p>
+            <a:pPr lvl="2"/>
+            <a:r>
+              <a:rPr lang="en-US" dirty="0" smtClean="0"/>
+              <a:t>GUI, include “export” and “generate”</a:t>
+            </a:r>
+            <a:endParaRPr lang="vi-VN" dirty="0" smtClean="0"/>
+          </a:p>
+          <a:p>
+            <a:r>
+              <a:rPr lang="vi-VN" dirty="0" smtClean="0"/>
+              <a:t>Download</a:t>
+            </a:r>
+          </a:p>
+          <a:p>
+            <a:pPr lvl="2"/>
+            <a:r>
+              <a:rPr lang="en-US" dirty="0">
+                <a:hlinkClick r:id="rId3"/>
+              </a:rPr>
+              <a:t>https://</a:t>
+            </a:r>
+            <a:r>
+              <a:rPr lang="en-US" dirty="0" smtClean="0">
+                <a:hlinkClick r:id="rId3"/>
+              </a:rPr>
+              <a:t>github.com/lowcode-tech/windows</a:t>
+            </a:r>
+            <a:endParaRPr lang="vi-VN" dirty="0" smtClean="0"/>
+          </a:p>
+          <a:p>
+            <a:pPr lvl="2"/>
+            <a:endParaRPr lang="en-US" dirty="0"/>
+          </a:p>
+        </p:txBody>
+      </p:sp>
+      <p:sp>
+        <p:nvSpPr>
+          <p:cNvPr id="48" name="Flowchart: Magnetic Disk 47"/>
+          <p:cNvSpPr/>
+          <p:nvPr/>
+        </p:nvSpPr>
+        <p:spPr>
+          <a:xfrm>
+            <a:off x="5890056" y="808662"/>
+            <a:ext cx="642099" cy="440870"/>
+          </a:xfrm>
+          <a:prstGeom prst="flowChartMagneticDisk">
+            <a:avLst/>
+          </a:prstGeom>
+          <a:noFill/>
+          <a:ln w="3175">
+            <a:solidFill>
+              <a:srgbClr val="B3B3B3"/>
+            </a:solidFill>
+          </a:ln>
+        </p:spPr>
+        <p:style>
+          <a:lnRef idx="2">
+            <a:schemeClr val="accent1">
+              <a:shade val="50000"/>
+            </a:schemeClr>
+          </a:lnRef>
+          <a:fillRef idx="1">
+            <a:schemeClr val="accent1"/>
+          </a:fillRef>
+          <a:effectRef idx="0">
+            <a:schemeClr val="accent1"/>
+          </a:effectRef>
+          <a:fontRef idx="minor">
+            <a:schemeClr val="lt1"/>
+          </a:fontRef>
+        </p:style>
+        <p:txBody>
+          <a:bodyPr rtlCol="0" anchor="ctr"/>
+          <a:lstStyle/>
+          <a:p>
+            <a:pPr algn="ctr"/>
+            <a:r>
+              <a:rPr lang="en-US" sz="1000" dirty="0" smtClean="0">
+                <a:solidFill>
+                  <a:srgbClr val="808080"/>
+                </a:solidFill>
+              </a:rPr>
+              <a:t>RDBMS</a:t>
+            </a:r>
+            <a:endParaRPr lang="en-US" sz="1000" dirty="0">
+              <a:solidFill>
+                <a:srgbClr val="808080"/>
+              </a:solidFill>
+            </a:endParaRPr>
+          </a:p>
+        </p:txBody>
+      </p:sp>
+      <p:sp>
+        <p:nvSpPr>
+          <p:cNvPr id="49" name="Flowchart: Data 48"/>
+          <p:cNvSpPr/>
+          <p:nvPr/>
+        </p:nvSpPr>
+        <p:spPr>
+          <a:xfrm>
+            <a:off x="6211106" y="2117277"/>
+            <a:ext cx="904817" cy="433215"/>
+          </a:xfrm>
+          <a:prstGeom prst="flowChartInputOutput">
+            <a:avLst/>
+          </a:prstGeom>
+          <a:noFill/>
+          <a:ln w="3175">
+            <a:solidFill>
+              <a:srgbClr val="B3B3B3"/>
+            </a:solidFill>
+          </a:ln>
+        </p:spPr>
+        <p:style>
+          <a:lnRef idx="2">
+            <a:schemeClr val="accent1">
+              <a:shade val="50000"/>
+            </a:schemeClr>
+          </a:lnRef>
+          <a:fillRef idx="1">
+            <a:schemeClr val="accent1"/>
+          </a:fillRef>
+          <a:effectRef idx="0">
+            <a:schemeClr val="accent1"/>
+          </a:effectRef>
+          <a:fontRef idx="minor">
+            <a:schemeClr val="lt1"/>
+          </a:fontRef>
+        </p:style>
+        <p:txBody>
+          <a:bodyPr rtlCol="0" anchor="ctr"/>
+          <a:lstStyle/>
+          <a:p>
+            <a:pPr algn="ctr"/>
+            <a:endParaRPr lang="en-US" sz="1000" dirty="0">
+              <a:solidFill>
+                <a:srgbClr val="808080"/>
+              </a:solidFill>
+            </a:endParaRPr>
+          </a:p>
+        </p:txBody>
+      </p:sp>
+      <p:sp>
+        <p:nvSpPr>
+          <p:cNvPr id="50" name="Rectangle 49"/>
+          <p:cNvSpPr/>
+          <p:nvPr/>
+        </p:nvSpPr>
+        <p:spPr>
+          <a:xfrm>
+            <a:off x="5939615" y="1519210"/>
+            <a:ext cx="1447800" cy="291380"/>
+          </a:xfrm>
+          <a:prstGeom prst="rect">
+            <a:avLst/>
+          </a:prstGeom>
+          <a:noFill/>
+          <a:ln w="3175">
+            <a:solidFill>
+              <a:srgbClr val="B3B3B3"/>
+            </a:solidFill>
+          </a:ln>
+        </p:spPr>
+        <p:style>
+          <a:lnRef idx="2">
+            <a:schemeClr val="accent1">
+              <a:shade val="50000"/>
+            </a:schemeClr>
+          </a:lnRef>
+          <a:fillRef idx="1">
+            <a:schemeClr val="accent1"/>
+          </a:fillRef>
+          <a:effectRef idx="0">
+            <a:schemeClr val="accent1"/>
+          </a:effectRef>
+          <a:fontRef idx="minor">
+            <a:schemeClr val="lt1"/>
+          </a:fontRef>
+        </p:style>
+        <p:txBody>
+          <a:bodyPr rtlCol="0" anchor="ctr"/>
+          <a:lstStyle/>
+          <a:p>
+            <a:pPr algn="ctr"/>
+            <a:r>
+              <a:rPr lang="en-US" sz="1000" dirty="0" smtClean="0">
+                <a:solidFill>
+                  <a:srgbClr val="FC671A"/>
+                </a:solidFill>
+                <a:latin typeface="Roboto"/>
+              </a:rPr>
+              <a:t>export</a:t>
+            </a:r>
+            <a:endParaRPr lang="en-US" sz="1000" dirty="0">
+              <a:solidFill>
+                <a:srgbClr val="FC671A"/>
+              </a:solidFill>
+              <a:latin typeface="Roboto"/>
+            </a:endParaRPr>
+          </a:p>
+        </p:txBody>
+      </p:sp>
+      <p:sp>
+        <p:nvSpPr>
+          <p:cNvPr id="51" name="Rectangle 50"/>
+          <p:cNvSpPr/>
+          <p:nvPr/>
+        </p:nvSpPr>
+        <p:spPr>
+          <a:xfrm>
+            <a:off x="6296344" y="2838284"/>
+            <a:ext cx="1447800" cy="291380"/>
+          </a:xfrm>
+          <a:prstGeom prst="rect">
+            <a:avLst/>
+          </a:prstGeom>
+          <a:noFill/>
+          <a:ln w="3175">
+            <a:solidFill>
+              <a:srgbClr val="B3B3B3"/>
+            </a:solidFill>
+          </a:ln>
+        </p:spPr>
+        <p:style>
+          <a:lnRef idx="2">
+            <a:schemeClr val="accent1">
+              <a:shade val="50000"/>
+            </a:schemeClr>
+          </a:lnRef>
+          <a:fillRef idx="1">
+            <a:schemeClr val="accent1"/>
+          </a:fillRef>
+          <a:effectRef idx="0">
+            <a:schemeClr val="accent1"/>
+          </a:effectRef>
+          <a:fontRef idx="minor">
+            <a:schemeClr val="lt1"/>
+          </a:fontRef>
+        </p:style>
+        <p:txBody>
+          <a:bodyPr rtlCol="0" anchor="ctr"/>
+          <a:lstStyle/>
+          <a:p>
+            <a:pPr algn="ctr"/>
+            <a:r>
+              <a:rPr lang="en-US" sz="1000" dirty="0" smtClean="0">
+                <a:solidFill>
+                  <a:srgbClr val="FC671A"/>
+                </a:solidFill>
+                <a:latin typeface="Roboto"/>
+              </a:rPr>
+              <a:t>generate</a:t>
+            </a:r>
+            <a:endParaRPr lang="en-US" sz="1000" dirty="0">
+              <a:solidFill>
+                <a:srgbClr val="FC671A"/>
+              </a:solidFill>
+              <a:latin typeface="Roboto"/>
+            </a:endParaRPr>
+          </a:p>
+        </p:txBody>
+      </p:sp>
+      <p:sp>
+        <p:nvSpPr>
+          <p:cNvPr id="52" name="Flowchart: Data 51"/>
+          <p:cNvSpPr/>
+          <p:nvPr/>
+        </p:nvSpPr>
+        <p:spPr>
+          <a:xfrm>
+            <a:off x="7096183" y="2117278"/>
+            <a:ext cx="904817" cy="433215"/>
+          </a:xfrm>
+          <a:prstGeom prst="flowChartInputOutput">
+            <a:avLst/>
+          </a:prstGeom>
+          <a:noFill/>
+          <a:ln w="3175">
+            <a:solidFill>
+              <a:srgbClr val="B3B3B3"/>
+            </a:solidFill>
+          </a:ln>
+        </p:spPr>
+        <p:style>
+          <a:lnRef idx="2">
+            <a:schemeClr val="accent1">
+              <a:shade val="50000"/>
+            </a:schemeClr>
+          </a:lnRef>
+          <a:fillRef idx="1">
+            <a:schemeClr val="accent1"/>
+          </a:fillRef>
+          <a:effectRef idx="0">
+            <a:schemeClr val="accent1"/>
+          </a:effectRef>
+          <a:fontRef idx="minor">
+            <a:schemeClr val="lt1"/>
+          </a:fontRef>
+        </p:style>
+        <p:txBody>
+          <a:bodyPr rtlCol="0" anchor="ctr"/>
+          <a:lstStyle/>
+          <a:p>
+            <a:pPr algn="ctr"/>
+            <a:endParaRPr lang="en-US" sz="1000" dirty="0">
+              <a:solidFill>
+                <a:srgbClr val="808080"/>
+              </a:solidFill>
+            </a:endParaRPr>
+          </a:p>
+        </p:txBody>
+      </p:sp>
+      <p:sp>
+        <p:nvSpPr>
+          <p:cNvPr id="53" name="Rectangle 52"/>
+          <p:cNvSpPr/>
+          <p:nvPr/>
+        </p:nvSpPr>
+        <p:spPr>
+          <a:xfrm>
+            <a:off x="6264201" y="2164764"/>
+            <a:ext cx="798625" cy="312336"/>
+          </a:xfrm>
+          <a:prstGeom prst="rect">
+            <a:avLst/>
+          </a:prstGeom>
+          <a:noFill/>
+          <a:ln w="3175">
+            <a:noFill/>
+          </a:ln>
+        </p:spPr>
+        <p:style>
+          <a:lnRef idx="2">
+            <a:schemeClr val="accent1">
+              <a:shade val="50000"/>
+            </a:schemeClr>
+          </a:lnRef>
+          <a:fillRef idx="1">
+            <a:schemeClr val="accent1"/>
+          </a:fillRef>
+          <a:effectRef idx="0">
+            <a:schemeClr val="accent1"/>
+          </a:effectRef>
+          <a:fontRef idx="minor">
+            <a:schemeClr val="lt1"/>
+          </a:fontRef>
+        </p:style>
+        <p:txBody>
+          <a:bodyPr rtlCol="0" anchor="ctr"/>
+          <a:lstStyle/>
+          <a:p>
+            <a:pPr algn="ctr"/>
+            <a:r>
+              <a:rPr lang="en-US" sz="900" dirty="0" smtClean="0">
+                <a:solidFill>
+                  <a:srgbClr val="808080"/>
+                </a:solidFill>
+                <a:latin typeface="Roboto"/>
+              </a:rPr>
+              <a:t>metadata</a:t>
+            </a:r>
+            <a:endParaRPr lang="en-US" sz="900" dirty="0">
+              <a:solidFill>
+                <a:srgbClr val="808080"/>
+              </a:solidFill>
+              <a:latin typeface="Roboto"/>
+            </a:endParaRPr>
+          </a:p>
+        </p:txBody>
+      </p:sp>
+      <p:sp>
+        <p:nvSpPr>
+          <p:cNvPr id="54" name="Rectangle 53"/>
+          <p:cNvSpPr/>
+          <p:nvPr/>
+        </p:nvSpPr>
+        <p:spPr>
+          <a:xfrm>
+            <a:off x="7162799" y="2177717"/>
+            <a:ext cx="798625" cy="312336"/>
+          </a:xfrm>
+          <a:prstGeom prst="rect">
+            <a:avLst/>
+          </a:prstGeom>
+          <a:noFill/>
+          <a:ln w="3175">
+            <a:noFill/>
+          </a:ln>
+        </p:spPr>
+        <p:style>
+          <a:lnRef idx="2">
+            <a:schemeClr val="accent1">
+              <a:shade val="50000"/>
+            </a:schemeClr>
+          </a:lnRef>
+          <a:fillRef idx="1">
+            <a:schemeClr val="accent1"/>
+          </a:fillRef>
+          <a:effectRef idx="0">
+            <a:schemeClr val="accent1"/>
+          </a:effectRef>
+          <a:fontRef idx="minor">
+            <a:schemeClr val="lt1"/>
+          </a:fontRef>
+        </p:style>
+        <p:txBody>
+          <a:bodyPr rtlCol="0" anchor="ctr"/>
+          <a:lstStyle/>
+          <a:p>
+            <a:pPr algn="ctr"/>
+            <a:r>
+              <a:rPr lang="en-US" sz="900" dirty="0" smtClean="0">
+                <a:solidFill>
+                  <a:srgbClr val="808080"/>
+                </a:solidFill>
+                <a:latin typeface="Roboto"/>
+              </a:rPr>
+              <a:t>project templates</a:t>
+            </a:r>
+            <a:endParaRPr lang="en-US" sz="900" dirty="0">
+              <a:solidFill>
+                <a:srgbClr val="808080"/>
+              </a:solidFill>
+              <a:latin typeface="Roboto"/>
+            </a:endParaRPr>
+          </a:p>
+        </p:txBody>
+      </p:sp>
+      <p:sp>
+        <p:nvSpPr>
+          <p:cNvPr id="55" name="Flowchart: Data 54"/>
+          <p:cNvSpPr/>
+          <p:nvPr/>
+        </p:nvSpPr>
+        <p:spPr>
+          <a:xfrm>
+            <a:off x="6483815" y="3432520"/>
+            <a:ext cx="1072858" cy="586609"/>
+          </a:xfrm>
+          <a:prstGeom prst="flowChartInputOutput">
+            <a:avLst/>
+          </a:prstGeom>
+          <a:noFill/>
+          <a:ln w="3175">
+            <a:solidFill>
+              <a:srgbClr val="B3B3B3"/>
+            </a:solidFill>
+          </a:ln>
+        </p:spPr>
+        <p:style>
+          <a:lnRef idx="2">
+            <a:schemeClr val="accent1">
+              <a:shade val="50000"/>
+            </a:schemeClr>
+          </a:lnRef>
+          <a:fillRef idx="1">
+            <a:schemeClr val="accent1"/>
+          </a:fillRef>
+          <a:effectRef idx="0">
+            <a:schemeClr val="accent1"/>
+          </a:effectRef>
+          <a:fontRef idx="minor">
+            <a:schemeClr val="lt1"/>
+          </a:fontRef>
+        </p:style>
+        <p:txBody>
+          <a:bodyPr rtlCol="0" anchor="ctr"/>
+          <a:lstStyle/>
+          <a:p>
+            <a:pPr algn="ctr"/>
+            <a:endParaRPr lang="en-US" sz="1000" dirty="0">
+              <a:solidFill>
+                <a:srgbClr val="808080"/>
+              </a:solidFill>
+            </a:endParaRPr>
+          </a:p>
+        </p:txBody>
+      </p:sp>
+      <p:sp>
+        <p:nvSpPr>
+          <p:cNvPr id="56" name="Rectangle 55"/>
+          <p:cNvSpPr/>
+          <p:nvPr/>
+        </p:nvSpPr>
+        <p:spPr>
+          <a:xfrm>
+            <a:off x="6483815" y="3555934"/>
+            <a:ext cx="1143000" cy="312336"/>
+          </a:xfrm>
+          <a:prstGeom prst="rect">
+            <a:avLst/>
+          </a:prstGeom>
+          <a:noFill/>
+          <a:ln w="3175">
+            <a:noFill/>
+          </a:ln>
+        </p:spPr>
+        <p:style>
+          <a:lnRef idx="2">
+            <a:schemeClr val="accent1">
+              <a:shade val="50000"/>
+            </a:schemeClr>
+          </a:lnRef>
+          <a:fillRef idx="1">
+            <a:schemeClr val="accent1"/>
+          </a:fillRef>
+          <a:effectRef idx="0">
+            <a:schemeClr val="accent1"/>
+          </a:effectRef>
+          <a:fontRef idx="minor">
+            <a:schemeClr val="lt1"/>
+          </a:fontRef>
+        </p:style>
+        <p:txBody>
+          <a:bodyPr rtlCol="0" anchor="ctr"/>
+          <a:lstStyle/>
+          <a:p>
+            <a:pPr algn="ctr"/>
+            <a:r>
+              <a:rPr lang="en-US" sz="1000" dirty="0" smtClean="0">
+                <a:solidFill>
+                  <a:srgbClr val="808080"/>
+                </a:solidFill>
+                <a:latin typeface="Roboto"/>
+              </a:rPr>
+              <a:t>project</a:t>
+            </a:r>
+            <a:endParaRPr lang="en-US" sz="1000" dirty="0">
+              <a:solidFill>
+                <a:srgbClr val="808080"/>
+              </a:solidFill>
+              <a:latin typeface="Roboto"/>
+            </a:endParaRPr>
+          </a:p>
+        </p:txBody>
+      </p:sp>
+      <p:cxnSp>
+        <p:nvCxnSpPr>
+          <p:cNvPr id="57" name="Straight Arrow Connector 56"/>
+          <p:cNvCxnSpPr>
+            <a:stCxn id="51" idx="2"/>
+            <a:endCxn id="55" idx="1"/>
+          </p:cNvCxnSpPr>
+          <p:nvPr/>
+        </p:nvCxnSpPr>
+        <p:spPr>
+          <a:xfrm>
+            <a:off x="7020244" y="3129664"/>
+            <a:ext cx="0" cy="302856"/>
+          </a:xfrm>
+          <a:prstGeom prst="straightConnector1">
+            <a:avLst/>
+          </a:prstGeom>
+          <a:ln w="3175">
+            <a:solidFill>
+              <a:srgbClr val="B3B3B3"/>
+            </a:solidFill>
+            <a:tailEnd type="arrow"/>
+          </a:ln>
+        </p:spPr>
+        <p:style>
+          <a:lnRef idx="1">
+            <a:schemeClr val="accent1"/>
+          </a:lnRef>
+          <a:fillRef idx="0">
+            <a:schemeClr val="accent1"/>
+          </a:fillRef>
+          <a:effectRef idx="0">
+            <a:schemeClr val="accent1"/>
+          </a:effectRef>
+          <a:fontRef idx="minor">
+            <a:schemeClr val="tx1"/>
+          </a:fontRef>
+        </p:style>
+      </p:cxnSp>
+      <p:sp>
+        <p:nvSpPr>
+          <p:cNvPr id="58" name="Flowchart: Data 57"/>
+          <p:cNvSpPr/>
+          <p:nvPr/>
+        </p:nvSpPr>
+        <p:spPr>
+          <a:xfrm>
+            <a:off x="6775369" y="815816"/>
+            <a:ext cx="904817" cy="433215"/>
+          </a:xfrm>
+          <a:prstGeom prst="flowChartInputOutput">
+            <a:avLst/>
+          </a:prstGeom>
+          <a:noFill/>
+          <a:ln w="3175">
+            <a:solidFill>
+              <a:srgbClr val="B3B3B3"/>
+            </a:solidFill>
+          </a:ln>
+        </p:spPr>
+        <p:style>
+          <a:lnRef idx="2">
+            <a:schemeClr val="accent1">
+              <a:shade val="50000"/>
+            </a:schemeClr>
+          </a:lnRef>
+          <a:fillRef idx="1">
+            <a:schemeClr val="accent1"/>
+          </a:fillRef>
+          <a:effectRef idx="0">
+            <a:schemeClr val="accent1"/>
+          </a:effectRef>
+          <a:fontRef idx="minor">
+            <a:schemeClr val="lt1"/>
+          </a:fontRef>
+        </p:style>
+        <p:txBody>
+          <a:bodyPr rtlCol="0" anchor="ctr"/>
+          <a:lstStyle/>
+          <a:p>
+            <a:pPr algn="ctr"/>
+            <a:endParaRPr lang="en-US" sz="1000" dirty="0">
+              <a:solidFill>
+                <a:srgbClr val="808080"/>
+              </a:solidFill>
+            </a:endParaRPr>
+          </a:p>
+        </p:txBody>
+      </p:sp>
+      <p:sp>
+        <p:nvSpPr>
+          <p:cNvPr id="59" name="Rectangle 58"/>
+          <p:cNvSpPr/>
+          <p:nvPr/>
+        </p:nvSpPr>
+        <p:spPr>
+          <a:xfrm>
+            <a:off x="6809820" y="872929"/>
+            <a:ext cx="835913" cy="312336"/>
+          </a:xfrm>
+          <a:prstGeom prst="rect">
+            <a:avLst/>
+          </a:prstGeom>
+          <a:noFill/>
+          <a:ln w="3175">
+            <a:noFill/>
+          </a:ln>
+        </p:spPr>
+        <p:style>
+          <a:lnRef idx="2">
+            <a:schemeClr val="accent1">
+              <a:shade val="50000"/>
+            </a:schemeClr>
+          </a:lnRef>
+          <a:fillRef idx="1">
+            <a:schemeClr val="accent1"/>
+          </a:fillRef>
+          <a:effectRef idx="0">
+            <a:schemeClr val="accent1"/>
+          </a:effectRef>
+          <a:fontRef idx="minor">
+            <a:schemeClr val="lt1"/>
+          </a:fontRef>
+        </p:style>
+        <p:txBody>
+          <a:bodyPr rtlCol="0" anchor="ctr"/>
+          <a:lstStyle/>
+          <a:p>
+            <a:pPr algn="ctr"/>
+            <a:r>
+              <a:rPr lang="en-US" sz="900" dirty="0" smtClean="0">
+                <a:solidFill>
+                  <a:srgbClr val="808080"/>
+                </a:solidFill>
+                <a:latin typeface="Roboto"/>
+              </a:rPr>
+              <a:t>project</a:t>
+            </a:r>
+          </a:p>
+          <a:p>
+            <a:pPr algn="ctr"/>
+            <a:r>
+              <a:rPr lang="en-US" sz="900" dirty="0" smtClean="0">
+                <a:solidFill>
+                  <a:srgbClr val="808080"/>
+                </a:solidFill>
+                <a:latin typeface="Roboto"/>
+              </a:rPr>
+              <a:t>settings</a:t>
+            </a:r>
+            <a:endParaRPr lang="en-US" sz="900" dirty="0">
+              <a:solidFill>
+                <a:srgbClr val="808080"/>
+              </a:solidFill>
+              <a:latin typeface="Roboto"/>
+            </a:endParaRPr>
+          </a:p>
+        </p:txBody>
+      </p:sp>
+      <p:sp>
+        <p:nvSpPr>
+          <p:cNvPr id="60" name="Rectangle 59"/>
+          <p:cNvSpPr/>
+          <p:nvPr/>
+        </p:nvSpPr>
+        <p:spPr>
+          <a:xfrm>
+            <a:off x="6244793" y="4014543"/>
+            <a:ext cx="1371599" cy="1043258"/>
+          </a:xfrm>
+          <a:prstGeom prst="rect">
+            <a:avLst/>
+          </a:prstGeom>
+          <a:noFill/>
+          <a:ln w="3175">
+            <a:noFill/>
+          </a:ln>
+        </p:spPr>
+        <p:style>
+          <a:lnRef idx="2">
+            <a:schemeClr val="accent1">
+              <a:shade val="50000"/>
+            </a:schemeClr>
+          </a:lnRef>
+          <a:fillRef idx="1">
+            <a:schemeClr val="accent1"/>
+          </a:fillRef>
+          <a:effectRef idx="0">
+            <a:schemeClr val="accent1"/>
+          </a:effectRef>
+          <a:fontRef idx="minor">
+            <a:schemeClr val="lt1"/>
+          </a:fontRef>
+        </p:style>
+        <p:txBody>
+          <a:bodyPr rtlCol="0" anchor="ctr"/>
+          <a:lstStyle/>
+          <a:p>
+            <a:r>
+              <a:rPr lang="en-US" sz="800" dirty="0">
+                <a:solidFill>
+                  <a:srgbClr val="808080"/>
+                </a:solidFill>
+                <a:latin typeface="Roboto"/>
+              </a:rPr>
+              <a:t>W</a:t>
+            </a:r>
+            <a:r>
+              <a:rPr lang="en-US" sz="800" dirty="0" smtClean="0">
+                <a:solidFill>
+                  <a:srgbClr val="808080"/>
+                </a:solidFill>
+                <a:latin typeface="Roboto"/>
+              </a:rPr>
+              <a:t>orking application:</a:t>
+            </a:r>
+          </a:p>
+          <a:p>
+            <a:pPr marL="171450" indent="-171450">
+              <a:buFontTx/>
+              <a:buChar char="-"/>
+            </a:pPr>
+            <a:r>
+              <a:rPr lang="en-US" sz="800" dirty="0" smtClean="0">
+                <a:solidFill>
+                  <a:srgbClr val="808080"/>
+                </a:solidFill>
+                <a:latin typeface="Roboto"/>
+              </a:rPr>
+              <a:t>CRUD</a:t>
+            </a:r>
+          </a:p>
+          <a:p>
+            <a:pPr marL="171450" indent="-171450">
+              <a:buFontTx/>
+              <a:buChar char="-"/>
+            </a:pPr>
+            <a:r>
+              <a:rPr lang="en-US" sz="800" dirty="0" smtClean="0">
+                <a:solidFill>
+                  <a:srgbClr val="808080"/>
+                </a:solidFill>
+                <a:latin typeface="Roboto"/>
+              </a:rPr>
+              <a:t>Search: Sort, Paging</a:t>
+            </a:r>
+          </a:p>
+          <a:p>
+            <a:r>
+              <a:rPr lang="en-US" sz="800" dirty="0" smtClean="0">
+                <a:solidFill>
+                  <a:srgbClr val="808080"/>
+                </a:solidFill>
+                <a:latin typeface="Roboto"/>
+              </a:rPr>
+              <a:t>Languages:</a:t>
+            </a:r>
+          </a:p>
+          <a:p>
+            <a:pPr marL="171450" indent="-171450">
+              <a:buFontTx/>
+              <a:buChar char="-"/>
+            </a:pPr>
+            <a:r>
+              <a:rPr lang="en-US" sz="800" dirty="0" smtClean="0">
+                <a:solidFill>
+                  <a:srgbClr val="808080"/>
+                </a:solidFill>
+                <a:latin typeface="Roboto"/>
+              </a:rPr>
+              <a:t>GO</a:t>
+            </a:r>
+          </a:p>
+          <a:p>
+            <a:pPr marL="171450" indent="-171450">
+              <a:buFontTx/>
+              <a:buChar char="-"/>
+            </a:pPr>
+            <a:r>
+              <a:rPr lang="en-US" sz="800" dirty="0" smtClean="0">
+                <a:solidFill>
+                  <a:srgbClr val="808080"/>
+                </a:solidFill>
+                <a:latin typeface="Roboto"/>
+              </a:rPr>
+              <a:t>Java</a:t>
+            </a:r>
+          </a:p>
+          <a:p>
+            <a:pPr marL="171450" indent="-171450">
+              <a:buFontTx/>
+              <a:buChar char="-"/>
+            </a:pPr>
+            <a:r>
+              <a:rPr lang="en-US" sz="800" dirty="0" smtClean="0">
+                <a:solidFill>
+                  <a:srgbClr val="808080"/>
+                </a:solidFill>
+                <a:latin typeface="Roboto"/>
+              </a:rPr>
+              <a:t>nodejs</a:t>
+            </a:r>
+            <a:endParaRPr lang="en-US" sz="800" dirty="0">
+              <a:solidFill>
+                <a:srgbClr val="808080"/>
+              </a:solidFill>
+              <a:latin typeface="Roboto"/>
+            </a:endParaRPr>
+          </a:p>
+        </p:txBody>
+      </p:sp>
+      <p:cxnSp>
+        <p:nvCxnSpPr>
+          <p:cNvPr id="61" name="Straight Arrow Connector 60"/>
+          <p:cNvCxnSpPr>
+            <a:stCxn id="49" idx="4"/>
+          </p:cNvCxnSpPr>
+          <p:nvPr/>
+        </p:nvCxnSpPr>
+        <p:spPr>
+          <a:xfrm flipH="1">
+            <a:off x="6663513" y="2550492"/>
+            <a:ext cx="2" cy="287792"/>
+          </a:xfrm>
+          <a:prstGeom prst="straightConnector1">
+            <a:avLst/>
+          </a:prstGeom>
+          <a:ln w="3175">
+            <a:solidFill>
+              <a:srgbClr val="B3B3B3"/>
+            </a:solidFill>
+            <a:tailEnd type="arrow"/>
+          </a:ln>
+        </p:spPr>
+        <p:style>
+          <a:lnRef idx="1">
+            <a:schemeClr val="accent1"/>
+          </a:lnRef>
+          <a:fillRef idx="0">
+            <a:schemeClr val="accent1"/>
+          </a:fillRef>
+          <a:effectRef idx="0">
+            <a:schemeClr val="accent1"/>
+          </a:effectRef>
+          <a:fontRef idx="minor">
+            <a:schemeClr val="tx1"/>
+          </a:fontRef>
+        </p:style>
+      </p:cxnSp>
+      <p:cxnSp>
+        <p:nvCxnSpPr>
+          <p:cNvPr id="62" name="Straight Arrow Connector 61"/>
+          <p:cNvCxnSpPr>
+            <a:stCxn id="50" idx="2"/>
+            <a:endCxn id="49" idx="1"/>
+          </p:cNvCxnSpPr>
+          <p:nvPr/>
+        </p:nvCxnSpPr>
+        <p:spPr>
+          <a:xfrm>
+            <a:off x="6663515" y="1810590"/>
+            <a:ext cx="0" cy="306687"/>
+          </a:xfrm>
+          <a:prstGeom prst="straightConnector1">
+            <a:avLst/>
+          </a:prstGeom>
+          <a:ln w="3175">
+            <a:solidFill>
+              <a:srgbClr val="B3B3B3"/>
+            </a:solidFill>
+            <a:tailEnd type="arrow"/>
+          </a:ln>
+        </p:spPr>
+        <p:style>
+          <a:lnRef idx="1">
+            <a:schemeClr val="accent1"/>
+          </a:lnRef>
+          <a:fillRef idx="0">
+            <a:schemeClr val="accent1"/>
+          </a:fillRef>
+          <a:effectRef idx="0">
+            <a:schemeClr val="accent1"/>
+          </a:effectRef>
+          <a:fontRef idx="minor">
+            <a:schemeClr val="tx1"/>
+          </a:fontRef>
+        </p:style>
+      </p:cxnSp>
+      <p:cxnSp>
+        <p:nvCxnSpPr>
+          <p:cNvPr id="63" name="Straight Arrow Connector 62"/>
+          <p:cNvCxnSpPr>
+            <a:stCxn id="58" idx="3"/>
+          </p:cNvCxnSpPr>
+          <p:nvPr/>
+        </p:nvCxnSpPr>
+        <p:spPr>
+          <a:xfrm flipH="1">
+            <a:off x="6982494" y="1249031"/>
+            <a:ext cx="154802" cy="270179"/>
+          </a:xfrm>
+          <a:prstGeom prst="straightConnector1">
+            <a:avLst/>
+          </a:prstGeom>
+          <a:ln w="3175">
+            <a:solidFill>
+              <a:srgbClr val="B3B3B3"/>
+            </a:solidFill>
+            <a:tailEnd type="arrow"/>
+          </a:ln>
+        </p:spPr>
+        <p:style>
+          <a:lnRef idx="1">
+            <a:schemeClr val="accent1"/>
+          </a:lnRef>
+          <a:fillRef idx="0">
+            <a:schemeClr val="accent1"/>
+          </a:fillRef>
+          <a:effectRef idx="0">
+            <a:schemeClr val="accent1"/>
+          </a:effectRef>
+          <a:fontRef idx="minor">
+            <a:schemeClr val="tx1"/>
+          </a:fontRef>
+        </p:style>
+      </p:cxnSp>
+      <p:cxnSp>
+        <p:nvCxnSpPr>
+          <p:cNvPr id="64" name="Straight Arrow Connector 63"/>
+          <p:cNvCxnSpPr>
+            <a:stCxn id="48" idx="3"/>
+          </p:cNvCxnSpPr>
+          <p:nvPr/>
+        </p:nvCxnSpPr>
+        <p:spPr>
+          <a:xfrm>
+            <a:off x="6211106" y="1249532"/>
+            <a:ext cx="160524" cy="269678"/>
+          </a:xfrm>
+          <a:prstGeom prst="straightConnector1">
+            <a:avLst/>
+          </a:prstGeom>
+          <a:ln w="3175">
+            <a:solidFill>
+              <a:srgbClr val="B3B3B3"/>
+            </a:solidFill>
+            <a:tailEnd type="arrow"/>
+          </a:ln>
+        </p:spPr>
+        <p:style>
+          <a:lnRef idx="1">
+            <a:schemeClr val="accent1"/>
+          </a:lnRef>
+          <a:fillRef idx="0">
+            <a:schemeClr val="accent1"/>
+          </a:fillRef>
+          <a:effectRef idx="0">
+            <a:schemeClr val="accent1"/>
+          </a:effectRef>
+          <a:fontRef idx="minor">
+            <a:schemeClr val="tx1"/>
+          </a:fontRef>
+        </p:style>
+      </p:cxnSp>
+      <p:cxnSp>
+        <p:nvCxnSpPr>
+          <p:cNvPr id="65" name="Straight Arrow Connector 64"/>
+          <p:cNvCxnSpPr>
+            <a:stCxn id="52" idx="3"/>
+          </p:cNvCxnSpPr>
+          <p:nvPr/>
+        </p:nvCxnSpPr>
+        <p:spPr>
+          <a:xfrm>
+            <a:off x="7458110" y="2550493"/>
+            <a:ext cx="0" cy="287791"/>
+          </a:xfrm>
+          <a:prstGeom prst="straightConnector1">
+            <a:avLst/>
+          </a:prstGeom>
+          <a:ln w="3175">
+            <a:solidFill>
+              <a:srgbClr val="B3B3B3"/>
+            </a:solidFill>
+            <a:tailEnd type="arrow"/>
+          </a:ln>
+        </p:spPr>
+        <p:style>
+          <a:lnRef idx="1">
+            <a:schemeClr val="accent1"/>
+          </a:lnRef>
+          <a:fillRef idx="0">
+            <a:schemeClr val="accent1"/>
+          </a:fillRef>
+          <a:effectRef idx="0">
+            <a:schemeClr val="accent1"/>
+          </a:effectRef>
+          <a:fontRef idx="minor">
+            <a:schemeClr val="tx1"/>
+          </a:fontRef>
+        </p:style>
+      </p:cxnSp>
+      <p:sp>
+        <p:nvSpPr>
+          <p:cNvPr id="22" name="Rectangle 21"/>
+          <p:cNvSpPr/>
+          <p:nvPr/>
+        </p:nvSpPr>
+        <p:spPr>
+          <a:xfrm>
+            <a:off x="4953000" y="742950"/>
+            <a:ext cx="908025" cy="901951"/>
+          </a:xfrm>
+          <a:prstGeom prst="rect">
+            <a:avLst/>
+          </a:prstGeom>
+          <a:noFill/>
+          <a:ln w="3175">
+            <a:noFill/>
+          </a:ln>
+        </p:spPr>
+        <p:style>
+          <a:lnRef idx="2">
+            <a:schemeClr val="accent1">
+              <a:shade val="50000"/>
+            </a:schemeClr>
+          </a:lnRef>
+          <a:fillRef idx="1">
+            <a:schemeClr val="accent1"/>
+          </a:fillRef>
+          <a:effectRef idx="0">
+            <a:schemeClr val="accent1"/>
+          </a:effectRef>
+          <a:fontRef idx="minor">
+            <a:schemeClr val="lt1"/>
+          </a:fontRef>
+        </p:style>
+        <p:txBody>
+          <a:bodyPr rtlCol="0" anchor="ctr"/>
+          <a:lstStyle/>
+          <a:p>
+            <a:r>
+              <a:rPr lang="en-US" sz="800" dirty="0">
+                <a:solidFill>
+                  <a:srgbClr val="808080"/>
+                </a:solidFill>
+                <a:latin typeface="Roboto"/>
+              </a:rPr>
+              <a:t>Support </a:t>
+            </a:r>
+            <a:endParaRPr lang="en-US" sz="800" dirty="0" smtClean="0">
+              <a:solidFill>
+                <a:srgbClr val="808080"/>
+              </a:solidFill>
+              <a:latin typeface="Roboto"/>
+            </a:endParaRPr>
+          </a:p>
+          <a:p>
+            <a:pPr marL="171450" indent="-171450">
+              <a:buFontTx/>
+              <a:buChar char="-"/>
+            </a:pPr>
+            <a:r>
+              <a:rPr lang="en-US" sz="800" dirty="0" smtClean="0">
+                <a:solidFill>
+                  <a:srgbClr val="808080"/>
+                </a:solidFill>
+                <a:latin typeface="Roboto"/>
+              </a:rPr>
+              <a:t>MySQL</a:t>
+            </a:r>
+          </a:p>
+          <a:p>
+            <a:pPr marL="171450" indent="-171450">
+              <a:buFontTx/>
+              <a:buChar char="-"/>
+            </a:pPr>
+            <a:r>
+              <a:rPr lang="en-US" sz="800" dirty="0" smtClean="0">
+                <a:solidFill>
+                  <a:srgbClr val="808080"/>
+                </a:solidFill>
+                <a:latin typeface="Roboto"/>
+              </a:rPr>
+              <a:t>Oracle</a:t>
+            </a:r>
+          </a:p>
+          <a:p>
+            <a:pPr marL="171450" indent="-171450">
+              <a:buFontTx/>
+              <a:buChar char="-"/>
+            </a:pPr>
+            <a:r>
+              <a:rPr lang="en-US" sz="800" dirty="0" smtClean="0">
+                <a:solidFill>
+                  <a:srgbClr val="808080"/>
+                </a:solidFill>
+                <a:latin typeface="Roboto"/>
+              </a:rPr>
+              <a:t>SQL Server</a:t>
+            </a:r>
+          </a:p>
+          <a:p>
+            <a:pPr marL="171450" indent="-171450">
+              <a:buFontTx/>
+              <a:buChar char="-"/>
+            </a:pPr>
+            <a:r>
+              <a:rPr lang="en-US" sz="800" dirty="0" smtClean="0">
+                <a:solidFill>
+                  <a:srgbClr val="808080"/>
+                </a:solidFill>
+                <a:latin typeface="Roboto"/>
+              </a:rPr>
+              <a:t>Postgres</a:t>
+            </a:r>
+          </a:p>
+          <a:p>
+            <a:pPr marL="171450" indent="-171450">
+              <a:buFontTx/>
+              <a:buChar char="-"/>
+            </a:pPr>
+            <a:r>
+              <a:rPr lang="en-US" sz="800" dirty="0" smtClean="0">
+                <a:solidFill>
+                  <a:srgbClr val="808080"/>
+                </a:solidFill>
+                <a:latin typeface="Roboto"/>
+              </a:rPr>
+              <a:t>SQLite</a:t>
+            </a:r>
+            <a:endParaRPr lang="en-US" sz="800" dirty="0">
+              <a:solidFill>
+                <a:srgbClr val="808080"/>
+              </a:solidFill>
+              <a:latin typeface="Roboto"/>
+            </a:endParaRPr>
+          </a:p>
+        </p:txBody>
+      </p:sp>
+    </p:spTree>
+    <p:extLst>
+      <p:ext uri="{BB962C8B-B14F-4D97-AF65-F5344CB8AC3E}">
+        <p14:creationId xmlns:p14="http://schemas.microsoft.com/office/powerpoint/2010/main" val="2767554210"/>
+      </p:ext>
+    </p:extLst>
+  </p:cSld>
+  <p:clrMapOvr>
+    <a:masterClrMapping/>
+  </p:clrMapOvr>
+  <p:timing>
+    <p:tnLst>
+      <p:par>
+        <p:cTn id="1" dur="indefinite" restart="never" nodeType="tmRoot"/>
+      </p:par>
+    </p:tnLst>
+  </p:timing>
+</p:sld>
+</file>
+
+<file path=ppt/slides/slide26.xml><?xml version="1.0" encoding="utf-8"?>
+<p:sld xmlns:a="http://schemas.openxmlformats.org/drawingml/2006/main" xmlns:r="http://schemas.openxmlformats.org/officeDocument/2006/relationships" xmlns:p="http://schemas.openxmlformats.org/presentationml/2006/main">
+  <p:cSld>
+    <p:spTree>
+      <p:nvGrpSpPr>
+        <p:cNvPr id="1" name=""/>
+        <p:cNvGrpSpPr/>
+        <p:nvPr/>
+      </p:nvGrpSpPr>
+      <p:grpSpPr>
+        <a:xfrm>
+          <a:off x="0" y="0"/>
+          <a:ext cx="0" cy="0"/>
+          <a:chOff x="0" y="0"/>
+          <a:chExt cx="0" cy="0"/>
+        </a:xfrm>
+      </p:grpSpPr>
+      <p:sp>
+        <p:nvSpPr>
+          <p:cNvPr id="2" name="Title 1"/>
+          <p:cNvSpPr>
+            <a:spLocks noGrp="1"/>
+          </p:cNvSpPr>
+          <p:nvPr>
+            <p:ph type="title"/>
+          </p:nvPr>
+        </p:nvSpPr>
+        <p:spPr/>
+        <p:txBody>
+          <a:bodyPr/>
+          <a:lstStyle/>
+          <a:p>
+            <a:r>
+              <a:rPr lang="en-US" dirty="0"/>
+              <a:t>5. GO project generator </a:t>
+            </a:r>
+            <a:r>
+              <a:rPr lang="en-US" dirty="0" smtClean="0"/>
+              <a:t>– Business View</a:t>
+            </a:r>
+            <a:endParaRPr lang="en-US" dirty="0"/>
+          </a:p>
+        </p:txBody>
+      </p:sp>
+      <p:sp>
+        <p:nvSpPr>
+          <p:cNvPr id="3" name="Content Placeholder 2"/>
+          <p:cNvSpPr>
+            <a:spLocks noGrp="1"/>
+          </p:cNvSpPr>
+          <p:nvPr>
+            <p:ph idx="1"/>
+          </p:nvPr>
+        </p:nvSpPr>
+        <p:spPr>
+          <a:xfrm>
+            <a:off x="5410200" y="3574729"/>
+            <a:ext cx="3124200" cy="1273232"/>
+          </a:xfrm>
+        </p:spPr>
+        <p:txBody>
+          <a:bodyPr>
+            <a:normAutofit lnSpcReduction="10000"/>
+          </a:bodyPr>
+          <a:lstStyle/>
+          <a:p>
+            <a:pPr marL="0" indent="0">
+              <a:buNone/>
+            </a:pPr>
+            <a:r>
+              <a:rPr lang="en-US" sz="1400" dirty="0" smtClean="0"/>
+              <a:t>Download</a:t>
+            </a:r>
+          </a:p>
+          <a:p>
+            <a:r>
+              <a:rPr lang="en-US" sz="1000" dirty="0">
+                <a:hlinkClick r:id="rId2"/>
+              </a:rPr>
+              <a:t>https://</a:t>
+            </a:r>
+            <a:r>
+              <a:rPr lang="en-US" sz="1000" dirty="0" smtClean="0">
+                <a:hlinkClick r:id="rId2"/>
+              </a:rPr>
+              <a:t>github.com/lowcode-tech/windows</a:t>
+            </a:r>
+            <a:endParaRPr lang="en-US" sz="1000" dirty="0" smtClean="0"/>
+          </a:p>
+          <a:p>
+            <a:r>
+              <a:rPr lang="en-US" sz="1000" dirty="0" smtClean="0">
+                <a:hlinkClick r:id="rId3"/>
+              </a:rPr>
+              <a:t>https</a:t>
+            </a:r>
+            <a:r>
+              <a:rPr lang="en-US" sz="1000" dirty="0">
+                <a:hlinkClick r:id="rId3"/>
+              </a:rPr>
+              <a:t>://</a:t>
+            </a:r>
+            <a:r>
+              <a:rPr lang="en-US" sz="1000" dirty="0" smtClean="0">
+                <a:hlinkClick r:id="rId3"/>
+              </a:rPr>
+              <a:t>github.com/lowcode-tech/mac</a:t>
+            </a:r>
+            <a:endParaRPr lang="en-US" sz="1000" dirty="0" smtClean="0"/>
+          </a:p>
+          <a:p>
+            <a:r>
+              <a:rPr lang="en-US" sz="1000" dirty="0" smtClean="0">
+                <a:hlinkClick r:id="rId4"/>
+              </a:rPr>
+              <a:t>https</a:t>
+            </a:r>
+            <a:r>
+              <a:rPr lang="en-US" sz="1000" dirty="0">
+                <a:hlinkClick r:id="rId4"/>
+              </a:rPr>
+              <a:t>://</a:t>
+            </a:r>
+            <a:r>
+              <a:rPr lang="en-US" sz="1000" dirty="0" smtClean="0">
+                <a:hlinkClick r:id="rId4"/>
+              </a:rPr>
+              <a:t>github.com/lowcode-tech/linux</a:t>
+            </a:r>
+            <a:endParaRPr lang="en-US" sz="1000" dirty="0" smtClean="0"/>
+          </a:p>
+          <a:p>
+            <a:pPr marL="0" indent="0">
+              <a:buNone/>
+            </a:pPr>
+            <a:r>
+              <a:rPr lang="en-US" sz="1400" dirty="0"/>
+              <a:t>Output Samples</a:t>
+            </a:r>
+          </a:p>
+          <a:p>
+            <a:r>
+              <a:rPr lang="en-US" sz="1000" dirty="0">
+                <a:hlinkClick r:id="rId5"/>
+              </a:rPr>
+              <a:t>https://</a:t>
+            </a:r>
+            <a:r>
+              <a:rPr lang="en-US" sz="1000" dirty="0" smtClean="0">
+                <a:hlinkClick r:id="rId5"/>
+              </a:rPr>
+              <a:t>github.com/source-code-template</a:t>
+            </a:r>
+            <a:r>
+              <a:rPr lang="en-US" sz="1000" dirty="0" smtClean="0"/>
+              <a:t> </a:t>
+            </a:r>
+            <a:endParaRPr lang="en-US" sz="1000" dirty="0"/>
+          </a:p>
+          <a:p>
+            <a:endParaRPr lang="en-US" sz="1000" dirty="0" smtClean="0"/>
+          </a:p>
+          <a:p>
+            <a:pPr lvl="1"/>
+            <a:endParaRPr lang="en-US" dirty="0"/>
+          </a:p>
+        </p:txBody>
+      </p:sp>
+      <p:sp>
+        <p:nvSpPr>
+          <p:cNvPr id="4" name="Flowchart: Magnetic Disk 3"/>
+          <p:cNvSpPr/>
+          <p:nvPr/>
+        </p:nvSpPr>
+        <p:spPr>
+          <a:xfrm>
+            <a:off x="768187" y="3660718"/>
+            <a:ext cx="533400" cy="571860"/>
+          </a:xfrm>
+          <a:prstGeom prst="flowChartMagneticDisk">
+            <a:avLst/>
+          </a:prstGeom>
+          <a:noFill/>
+          <a:ln w="3175">
+            <a:solidFill>
+              <a:srgbClr val="B3B3B3"/>
+            </a:solidFill>
+          </a:ln>
+        </p:spPr>
+        <p:style>
+          <a:lnRef idx="2">
+            <a:schemeClr val="accent1">
+              <a:shade val="50000"/>
+            </a:schemeClr>
+          </a:lnRef>
+          <a:fillRef idx="1">
+            <a:schemeClr val="accent1"/>
+          </a:fillRef>
+          <a:effectRef idx="0">
+            <a:schemeClr val="accent1"/>
+          </a:effectRef>
+          <a:fontRef idx="minor">
+            <a:schemeClr val="lt1"/>
+          </a:fontRef>
+        </p:style>
+        <p:txBody>
+          <a:bodyPr rtlCol="0" anchor="ctr"/>
+          <a:lstStyle/>
+          <a:p>
+            <a:pPr algn="ctr"/>
+            <a:r>
+              <a:rPr lang="en-US" sz="800" dirty="0" smtClean="0">
+                <a:solidFill>
+                  <a:srgbClr val="808080"/>
+                </a:solidFill>
+                <a:latin typeface="Roboto"/>
+              </a:rPr>
+              <a:t>RDBMS</a:t>
+            </a:r>
+            <a:endParaRPr lang="en-US" sz="800" dirty="0">
+              <a:solidFill>
+                <a:srgbClr val="808080"/>
+              </a:solidFill>
+              <a:latin typeface="Roboto"/>
+            </a:endParaRPr>
+          </a:p>
+        </p:txBody>
+      </p:sp>
+      <p:sp>
+        <p:nvSpPr>
+          <p:cNvPr id="5" name="Oval 4"/>
+          <p:cNvSpPr/>
+          <p:nvPr/>
+        </p:nvSpPr>
+        <p:spPr>
+          <a:xfrm>
+            <a:off x="2499349" y="1590274"/>
+            <a:ext cx="1667994" cy="1620508"/>
+          </a:xfrm>
+          <a:prstGeom prst="ellipse">
+            <a:avLst/>
+          </a:prstGeom>
+          <a:solidFill>
+            <a:schemeClr val="bg1"/>
+          </a:solidFill>
+          <a:ln w="6350">
+            <a:solidFill>
+              <a:srgbClr val="DBDBDB"/>
+            </a:solidFill>
+          </a:ln>
+        </p:spPr>
+        <p:style>
+          <a:lnRef idx="2">
+            <a:schemeClr val="accent1">
+              <a:shade val="50000"/>
+            </a:schemeClr>
+          </a:lnRef>
+          <a:fillRef idx="1">
+            <a:schemeClr val="accent1"/>
+          </a:fillRef>
+          <a:effectRef idx="0">
+            <a:schemeClr val="accent1"/>
+          </a:effectRef>
+          <a:fontRef idx="minor">
+            <a:schemeClr val="lt1"/>
+          </a:fontRef>
+        </p:style>
+        <p:txBody>
+          <a:bodyPr rtlCol="0" anchor="ctr"/>
+          <a:lstStyle/>
+          <a:p>
+            <a:pPr algn="ctr"/>
+            <a:r>
+              <a:rPr lang="en-US" sz="1200" dirty="0">
+                <a:solidFill>
+                  <a:srgbClr val="808080"/>
+                </a:solidFill>
+                <a:latin typeface="Roboto"/>
+              </a:rPr>
+              <a:t>Integration CI/CD</a:t>
+            </a:r>
+          </a:p>
+        </p:txBody>
+      </p:sp>
+      <p:sp>
+        <p:nvSpPr>
+          <p:cNvPr id="6" name="Oval 5"/>
+          <p:cNvSpPr/>
+          <p:nvPr/>
+        </p:nvSpPr>
+        <p:spPr>
+          <a:xfrm>
+            <a:off x="3537115" y="2848246"/>
+            <a:ext cx="812472" cy="812472"/>
+          </a:xfrm>
+          <a:prstGeom prst="ellipse">
+            <a:avLst/>
+          </a:prstGeom>
+          <a:solidFill>
+            <a:schemeClr val="bg1"/>
+          </a:solidFill>
+          <a:ln w="6350">
+            <a:solidFill>
+              <a:srgbClr val="B3B3B3"/>
+            </a:solidFill>
+          </a:ln>
+        </p:spPr>
+        <p:style>
+          <a:lnRef idx="2">
+            <a:schemeClr val="accent1">
+              <a:shade val="50000"/>
+            </a:schemeClr>
+          </a:lnRef>
+          <a:fillRef idx="1">
+            <a:schemeClr val="accent1"/>
+          </a:fillRef>
+          <a:effectRef idx="0">
+            <a:schemeClr val="accent1"/>
+          </a:effectRef>
+          <a:fontRef idx="minor">
+            <a:schemeClr val="lt1"/>
+          </a:fontRef>
+        </p:style>
+        <p:txBody>
+          <a:bodyPr rtlCol="0" anchor="ctr"/>
+          <a:lstStyle/>
+          <a:p>
+            <a:pPr algn="ctr"/>
+            <a:endParaRPr lang="en-US" sz="800" dirty="0">
+              <a:solidFill>
+                <a:srgbClr val="808080"/>
+              </a:solidFill>
+              <a:latin typeface="Roboto"/>
+            </a:endParaRPr>
+          </a:p>
+        </p:txBody>
+      </p:sp>
+      <p:sp>
+        <p:nvSpPr>
+          <p:cNvPr id="7" name="Oval 6"/>
+          <p:cNvSpPr/>
+          <p:nvPr/>
+        </p:nvSpPr>
+        <p:spPr>
+          <a:xfrm>
+            <a:off x="2317915" y="2848246"/>
+            <a:ext cx="812472" cy="812472"/>
+          </a:xfrm>
+          <a:prstGeom prst="ellipse">
+            <a:avLst/>
+          </a:prstGeom>
+          <a:solidFill>
+            <a:schemeClr val="bg1"/>
+          </a:solidFill>
+          <a:ln w="6350">
+            <a:solidFill>
+              <a:srgbClr val="B3B3B3"/>
+            </a:solidFill>
+          </a:ln>
+        </p:spPr>
+        <p:style>
+          <a:lnRef idx="2">
+            <a:schemeClr val="accent1">
+              <a:shade val="50000"/>
+            </a:schemeClr>
+          </a:lnRef>
+          <a:fillRef idx="1">
+            <a:schemeClr val="accent1"/>
+          </a:fillRef>
+          <a:effectRef idx="0">
+            <a:schemeClr val="accent1"/>
+          </a:effectRef>
+          <a:fontRef idx="minor">
+            <a:schemeClr val="lt1"/>
+          </a:fontRef>
+        </p:style>
+        <p:txBody>
+          <a:bodyPr rtlCol="0" anchor="ctr"/>
+          <a:lstStyle/>
+          <a:p>
+            <a:pPr algn="ctr"/>
+            <a:endParaRPr lang="en-US" sz="1000" dirty="0">
+              <a:solidFill>
+                <a:srgbClr val="FC671A"/>
+              </a:solidFill>
+              <a:latin typeface="Roboto"/>
+            </a:endParaRPr>
+          </a:p>
+        </p:txBody>
+      </p:sp>
+      <p:sp>
+        <p:nvSpPr>
+          <p:cNvPr id="8" name="Oval 7"/>
+          <p:cNvSpPr/>
+          <p:nvPr/>
+        </p:nvSpPr>
+        <p:spPr>
+          <a:xfrm>
+            <a:off x="1860715" y="1629046"/>
+            <a:ext cx="812472" cy="812472"/>
+          </a:xfrm>
+          <a:prstGeom prst="ellipse">
+            <a:avLst/>
+          </a:prstGeom>
+          <a:solidFill>
+            <a:schemeClr val="bg1"/>
+          </a:solidFill>
+          <a:ln w="6350">
+            <a:solidFill>
+              <a:srgbClr val="45C2B1"/>
+            </a:solidFill>
+          </a:ln>
+        </p:spPr>
+        <p:style>
+          <a:lnRef idx="2">
+            <a:schemeClr val="accent1">
+              <a:shade val="50000"/>
+            </a:schemeClr>
+          </a:lnRef>
+          <a:fillRef idx="1">
+            <a:schemeClr val="accent1"/>
+          </a:fillRef>
+          <a:effectRef idx="0">
+            <a:schemeClr val="accent1"/>
+          </a:effectRef>
+          <a:fontRef idx="minor">
+            <a:schemeClr val="lt1"/>
+          </a:fontRef>
+        </p:style>
+        <p:txBody>
+          <a:bodyPr rtlCol="0" anchor="ctr"/>
+          <a:lstStyle/>
+          <a:p>
+            <a:pPr algn="ctr"/>
+            <a:endParaRPr lang="en-US" sz="800" dirty="0">
+              <a:solidFill>
+                <a:srgbClr val="FC671A"/>
+              </a:solidFill>
+              <a:latin typeface="Roboto"/>
+            </a:endParaRPr>
+          </a:p>
+        </p:txBody>
+      </p:sp>
+      <p:sp>
+        <p:nvSpPr>
+          <p:cNvPr id="9" name="Oval 8"/>
+          <p:cNvSpPr/>
+          <p:nvPr/>
+        </p:nvSpPr>
+        <p:spPr>
+          <a:xfrm>
+            <a:off x="2951262" y="1026282"/>
+            <a:ext cx="812472" cy="812472"/>
+          </a:xfrm>
+          <a:prstGeom prst="ellipse">
+            <a:avLst/>
+          </a:prstGeom>
+          <a:solidFill>
+            <a:schemeClr val="bg1"/>
+          </a:solidFill>
+          <a:ln w="6350">
+            <a:solidFill>
+              <a:srgbClr val="808080"/>
+            </a:solidFill>
+          </a:ln>
+        </p:spPr>
+        <p:style>
+          <a:lnRef idx="2">
+            <a:schemeClr val="accent1">
+              <a:shade val="50000"/>
+            </a:schemeClr>
+          </a:lnRef>
+          <a:fillRef idx="1">
+            <a:schemeClr val="accent1"/>
+          </a:fillRef>
+          <a:effectRef idx="0">
+            <a:schemeClr val="accent1"/>
+          </a:effectRef>
+          <a:fontRef idx="minor">
+            <a:schemeClr val="lt1"/>
+          </a:fontRef>
+        </p:style>
+        <p:txBody>
+          <a:bodyPr rtlCol="0" anchor="ctr"/>
+          <a:lstStyle/>
+          <a:p>
+            <a:pPr algn="ctr"/>
+            <a:endParaRPr lang="en-US" sz="800" dirty="0">
+              <a:solidFill>
+                <a:srgbClr val="808080"/>
+              </a:solidFill>
+              <a:latin typeface="Roboto"/>
+            </a:endParaRPr>
+          </a:p>
+        </p:txBody>
+      </p:sp>
+      <p:sp>
+        <p:nvSpPr>
+          <p:cNvPr id="10" name="Oval 9"/>
+          <p:cNvSpPr/>
+          <p:nvPr/>
+        </p:nvSpPr>
+        <p:spPr>
+          <a:xfrm>
+            <a:off x="3992360" y="1629046"/>
+            <a:ext cx="812472" cy="812472"/>
+          </a:xfrm>
+          <a:prstGeom prst="ellipse">
+            <a:avLst/>
+          </a:prstGeom>
+          <a:solidFill>
+            <a:schemeClr val="bg1"/>
+          </a:solidFill>
+          <a:ln w="6350">
+            <a:solidFill>
+              <a:srgbClr val="B3B3B3"/>
+            </a:solidFill>
+          </a:ln>
+        </p:spPr>
+        <p:style>
+          <a:lnRef idx="2">
+            <a:schemeClr val="accent1">
+              <a:shade val="50000"/>
+            </a:schemeClr>
+          </a:lnRef>
+          <a:fillRef idx="1">
+            <a:schemeClr val="accent1"/>
+          </a:fillRef>
+          <a:effectRef idx="0">
+            <a:schemeClr val="accent1"/>
+          </a:effectRef>
+          <a:fontRef idx="minor">
+            <a:schemeClr val="lt1"/>
+          </a:fontRef>
+        </p:style>
+        <p:txBody>
+          <a:bodyPr rtlCol="0" anchor="ctr"/>
+          <a:lstStyle/>
+          <a:p>
+            <a:pPr algn="ctr"/>
+            <a:endParaRPr lang="en-US" sz="900" dirty="0">
+              <a:solidFill>
+                <a:srgbClr val="808080"/>
+              </a:solidFill>
+              <a:latin typeface="Roboto"/>
+            </a:endParaRPr>
+          </a:p>
+        </p:txBody>
+      </p:sp>
+      <p:cxnSp>
+        <p:nvCxnSpPr>
+          <p:cNvPr id="11" name="Straight Arrow Connector 10"/>
+          <p:cNvCxnSpPr>
+            <a:stCxn id="6" idx="2"/>
+            <a:endCxn id="7" idx="6"/>
+          </p:cNvCxnSpPr>
+          <p:nvPr/>
+        </p:nvCxnSpPr>
+        <p:spPr>
+          <a:xfrm flipH="1">
+            <a:off x="3130387" y="3254482"/>
+            <a:ext cx="406728" cy="0"/>
+          </a:xfrm>
+          <a:prstGeom prst="straightConnector1">
+            <a:avLst/>
+          </a:prstGeom>
+          <a:ln w="3175">
+            <a:solidFill>
+              <a:srgbClr val="B3B3B3"/>
+            </a:solidFill>
+            <a:tailEnd type="arrow"/>
+          </a:ln>
+        </p:spPr>
+        <p:style>
+          <a:lnRef idx="1">
+            <a:schemeClr val="accent1"/>
+          </a:lnRef>
+          <a:fillRef idx="0">
+            <a:schemeClr val="accent1"/>
+          </a:fillRef>
+          <a:effectRef idx="0">
+            <a:schemeClr val="accent1"/>
+          </a:effectRef>
+          <a:fontRef idx="minor">
+            <a:schemeClr val="tx1"/>
+          </a:fontRef>
+        </p:style>
+      </p:cxnSp>
+      <p:cxnSp>
+        <p:nvCxnSpPr>
+          <p:cNvPr id="12" name="Straight Arrow Connector 11"/>
+          <p:cNvCxnSpPr>
+            <a:stCxn id="7" idx="1"/>
+            <a:endCxn id="8" idx="4"/>
+          </p:cNvCxnSpPr>
+          <p:nvPr/>
+        </p:nvCxnSpPr>
+        <p:spPr>
+          <a:xfrm flipH="1" flipV="1">
+            <a:off x="2266951" y="2441518"/>
+            <a:ext cx="169948" cy="525712"/>
+          </a:xfrm>
+          <a:prstGeom prst="straightConnector1">
+            <a:avLst/>
+          </a:prstGeom>
+          <a:ln w="3175">
+            <a:solidFill>
+              <a:srgbClr val="B3B3B3"/>
+            </a:solidFill>
+            <a:tailEnd type="arrow"/>
+          </a:ln>
+        </p:spPr>
+        <p:style>
+          <a:lnRef idx="1">
+            <a:schemeClr val="accent1"/>
+          </a:lnRef>
+          <a:fillRef idx="0">
+            <a:schemeClr val="accent1"/>
+          </a:fillRef>
+          <a:effectRef idx="0">
+            <a:schemeClr val="accent1"/>
+          </a:effectRef>
+          <a:fontRef idx="minor">
+            <a:schemeClr val="tx1"/>
+          </a:fontRef>
+        </p:style>
+      </p:cxnSp>
+      <p:cxnSp>
+        <p:nvCxnSpPr>
+          <p:cNvPr id="13" name="Straight Arrow Connector 12"/>
+          <p:cNvCxnSpPr>
+            <a:stCxn id="8" idx="7"/>
+            <a:endCxn id="9" idx="2"/>
+          </p:cNvCxnSpPr>
+          <p:nvPr/>
+        </p:nvCxnSpPr>
+        <p:spPr>
+          <a:xfrm flipV="1">
+            <a:off x="2554203" y="1432518"/>
+            <a:ext cx="397059" cy="315512"/>
+          </a:xfrm>
+          <a:prstGeom prst="straightConnector1">
+            <a:avLst/>
+          </a:prstGeom>
+          <a:ln w="3175">
+            <a:solidFill>
+              <a:srgbClr val="B3B3B3"/>
+            </a:solidFill>
+            <a:tailEnd type="arrow"/>
+          </a:ln>
+        </p:spPr>
+        <p:style>
+          <a:lnRef idx="1">
+            <a:schemeClr val="accent1"/>
+          </a:lnRef>
+          <a:fillRef idx="0">
+            <a:schemeClr val="accent1"/>
+          </a:fillRef>
+          <a:effectRef idx="0">
+            <a:schemeClr val="accent1"/>
+          </a:effectRef>
+          <a:fontRef idx="minor">
+            <a:schemeClr val="tx1"/>
+          </a:fontRef>
+        </p:style>
+      </p:cxnSp>
+      <p:cxnSp>
+        <p:nvCxnSpPr>
+          <p:cNvPr id="14" name="Straight Arrow Connector 13"/>
+          <p:cNvCxnSpPr>
+            <a:stCxn id="10" idx="2"/>
+            <a:endCxn id="8" idx="6"/>
+          </p:cNvCxnSpPr>
+          <p:nvPr/>
+        </p:nvCxnSpPr>
+        <p:spPr>
+          <a:xfrm flipH="1">
+            <a:off x="2673187" y="2035282"/>
+            <a:ext cx="1319173" cy="0"/>
+          </a:xfrm>
+          <a:prstGeom prst="straightConnector1">
+            <a:avLst/>
+          </a:prstGeom>
+          <a:ln w="3175">
+            <a:solidFill>
+              <a:srgbClr val="45C2B1"/>
+            </a:solidFill>
+            <a:tailEnd type="arrow"/>
+          </a:ln>
+        </p:spPr>
+        <p:style>
+          <a:lnRef idx="1">
+            <a:schemeClr val="accent1"/>
+          </a:lnRef>
+          <a:fillRef idx="0">
+            <a:schemeClr val="accent1"/>
+          </a:fillRef>
+          <a:effectRef idx="0">
+            <a:schemeClr val="accent1"/>
+          </a:effectRef>
+          <a:fontRef idx="minor">
+            <a:schemeClr val="tx1"/>
+          </a:fontRef>
+        </p:style>
+      </p:cxnSp>
+      <p:cxnSp>
+        <p:nvCxnSpPr>
+          <p:cNvPr id="15" name="Straight Arrow Connector 14"/>
+          <p:cNvCxnSpPr>
+            <a:stCxn id="4" idx="1"/>
+            <a:endCxn id="16" idx="3"/>
+          </p:cNvCxnSpPr>
+          <p:nvPr/>
+        </p:nvCxnSpPr>
+        <p:spPr>
+          <a:xfrm flipV="1">
+            <a:off x="1034887" y="3323672"/>
+            <a:ext cx="132340" cy="337046"/>
+          </a:xfrm>
+          <a:prstGeom prst="straightConnector1">
+            <a:avLst/>
+          </a:prstGeom>
+          <a:ln w="3175">
+            <a:solidFill>
+              <a:srgbClr val="B3B3B3"/>
+            </a:solidFill>
+            <a:tailEnd type="arrow"/>
+          </a:ln>
+        </p:spPr>
+        <p:style>
+          <a:lnRef idx="1">
+            <a:schemeClr val="accent1"/>
+          </a:lnRef>
+          <a:fillRef idx="0">
+            <a:schemeClr val="accent1"/>
+          </a:fillRef>
+          <a:effectRef idx="0">
+            <a:schemeClr val="accent1"/>
+          </a:effectRef>
+          <a:fontRef idx="minor">
+            <a:schemeClr val="tx1"/>
+          </a:fontRef>
+        </p:style>
+      </p:cxnSp>
+      <p:sp>
+        <p:nvSpPr>
+          <p:cNvPr id="16" name="Oval 15"/>
+          <p:cNvSpPr/>
+          <p:nvPr/>
+        </p:nvSpPr>
+        <p:spPr>
+          <a:xfrm>
+            <a:off x="1048243" y="2630184"/>
+            <a:ext cx="812472" cy="812472"/>
+          </a:xfrm>
+          <a:prstGeom prst="ellipse">
+            <a:avLst/>
+          </a:prstGeom>
+          <a:noFill/>
+          <a:ln w="6350">
+            <a:solidFill>
+              <a:srgbClr val="45C2B1"/>
+            </a:solidFill>
+          </a:ln>
+        </p:spPr>
+        <p:style>
+          <a:lnRef idx="2">
+            <a:schemeClr val="accent1">
+              <a:shade val="50000"/>
+            </a:schemeClr>
+          </a:lnRef>
+          <a:fillRef idx="1">
+            <a:schemeClr val="accent1"/>
+          </a:fillRef>
+          <a:effectRef idx="0">
+            <a:schemeClr val="accent1"/>
+          </a:effectRef>
+          <a:fontRef idx="minor">
+            <a:schemeClr val="lt1"/>
+          </a:fontRef>
+        </p:style>
+        <p:txBody>
+          <a:bodyPr rtlCol="0" anchor="ctr"/>
+          <a:lstStyle/>
+          <a:p>
+            <a:pPr algn="ctr"/>
+            <a:endParaRPr lang="en-US" sz="1000" dirty="0">
+              <a:solidFill>
+                <a:srgbClr val="FC671A"/>
+              </a:solidFill>
+              <a:latin typeface="Roboto"/>
+            </a:endParaRPr>
+          </a:p>
+        </p:txBody>
+      </p:sp>
+      <p:cxnSp>
+        <p:nvCxnSpPr>
+          <p:cNvPr id="17" name="Straight Arrow Connector 16"/>
+          <p:cNvCxnSpPr>
+            <a:stCxn id="16" idx="6"/>
+            <a:endCxn id="7" idx="2"/>
+          </p:cNvCxnSpPr>
+          <p:nvPr/>
+        </p:nvCxnSpPr>
+        <p:spPr>
+          <a:xfrm>
+            <a:off x="1860715" y="3036420"/>
+            <a:ext cx="457200" cy="218062"/>
+          </a:xfrm>
+          <a:prstGeom prst="straightConnector1">
+            <a:avLst/>
+          </a:prstGeom>
+          <a:ln w="3175">
+            <a:solidFill>
+              <a:srgbClr val="B3B3B3"/>
+            </a:solidFill>
+            <a:tailEnd type="arrow"/>
+          </a:ln>
+        </p:spPr>
+        <p:style>
+          <a:lnRef idx="1">
+            <a:schemeClr val="accent1"/>
+          </a:lnRef>
+          <a:fillRef idx="0">
+            <a:schemeClr val="accent1"/>
+          </a:fillRef>
+          <a:effectRef idx="0">
+            <a:schemeClr val="accent1"/>
+          </a:effectRef>
+          <a:fontRef idx="minor">
+            <a:schemeClr val="tx1"/>
+          </a:fontRef>
+        </p:style>
+      </p:cxnSp>
+      <p:sp>
+        <p:nvSpPr>
+          <p:cNvPr id="18" name="Rectangle 17"/>
+          <p:cNvSpPr/>
+          <p:nvPr/>
+        </p:nvSpPr>
+        <p:spPr>
+          <a:xfrm>
+            <a:off x="2320414" y="3098314"/>
+            <a:ext cx="835913" cy="312336"/>
+          </a:xfrm>
+          <a:prstGeom prst="rect">
+            <a:avLst/>
+          </a:prstGeom>
+          <a:noFill/>
+          <a:ln w="3175">
+            <a:noFill/>
+          </a:ln>
+        </p:spPr>
+        <p:style>
+          <a:lnRef idx="2">
+            <a:schemeClr val="accent1">
+              <a:shade val="50000"/>
+            </a:schemeClr>
+          </a:lnRef>
+          <a:fillRef idx="1">
+            <a:schemeClr val="accent1"/>
+          </a:fillRef>
+          <a:effectRef idx="0">
+            <a:schemeClr val="accent1"/>
+          </a:effectRef>
+          <a:fontRef idx="minor">
+            <a:schemeClr val="lt1"/>
+          </a:fontRef>
+        </p:style>
+        <p:txBody>
+          <a:bodyPr rtlCol="0" anchor="ctr"/>
+          <a:lstStyle/>
+          <a:p>
+            <a:pPr algn="ctr"/>
+            <a:r>
+              <a:rPr lang="en-US" sz="900" dirty="0" smtClean="0">
+                <a:solidFill>
+                  <a:srgbClr val="FC671A"/>
+                </a:solidFill>
+                <a:latin typeface="Roboto"/>
+              </a:rPr>
+              <a:t>Meta Data</a:t>
+            </a:r>
+            <a:endParaRPr lang="en-US" sz="900" dirty="0">
+              <a:solidFill>
+                <a:srgbClr val="FC671A"/>
+              </a:solidFill>
+              <a:latin typeface="Roboto"/>
+            </a:endParaRPr>
+          </a:p>
+        </p:txBody>
+      </p:sp>
+      <p:sp>
+        <p:nvSpPr>
+          <p:cNvPr id="19" name="Rectangle 18"/>
+          <p:cNvSpPr/>
+          <p:nvPr/>
+        </p:nvSpPr>
+        <p:spPr>
+          <a:xfrm>
+            <a:off x="3537115" y="3098719"/>
+            <a:ext cx="835913" cy="312336"/>
+          </a:xfrm>
+          <a:prstGeom prst="rect">
+            <a:avLst/>
+          </a:prstGeom>
+          <a:noFill/>
+          <a:ln w="3175">
+            <a:noFill/>
+          </a:ln>
+        </p:spPr>
+        <p:style>
+          <a:lnRef idx="2">
+            <a:schemeClr val="accent1">
+              <a:shade val="50000"/>
+            </a:schemeClr>
+          </a:lnRef>
+          <a:fillRef idx="1">
+            <a:schemeClr val="accent1"/>
+          </a:fillRef>
+          <a:effectRef idx="0">
+            <a:schemeClr val="accent1"/>
+          </a:effectRef>
+          <a:fontRef idx="minor">
+            <a:schemeClr val="lt1"/>
+          </a:fontRef>
+        </p:style>
+        <p:txBody>
+          <a:bodyPr rtlCol="0" anchor="ctr"/>
+          <a:lstStyle/>
+          <a:p>
+            <a:pPr algn="ctr"/>
+            <a:r>
+              <a:rPr lang="en-US" sz="900" dirty="0">
+                <a:solidFill>
+                  <a:srgbClr val="808080"/>
+                </a:solidFill>
+                <a:latin typeface="Roboto"/>
+              </a:rPr>
+              <a:t>End User Configure Service/UI</a:t>
+            </a:r>
+          </a:p>
+        </p:txBody>
+      </p:sp>
+      <p:sp>
+        <p:nvSpPr>
+          <p:cNvPr id="20" name="Rectangle 19"/>
+          <p:cNvSpPr/>
+          <p:nvPr/>
+        </p:nvSpPr>
+        <p:spPr>
+          <a:xfrm>
+            <a:off x="4070515" y="1879114"/>
+            <a:ext cx="835913" cy="312336"/>
+          </a:xfrm>
+          <a:prstGeom prst="rect">
+            <a:avLst/>
+          </a:prstGeom>
+          <a:noFill/>
+          <a:ln w="3175">
+            <a:noFill/>
+          </a:ln>
+        </p:spPr>
+        <p:style>
+          <a:lnRef idx="2">
+            <a:schemeClr val="accent1">
+              <a:shade val="50000"/>
+            </a:schemeClr>
+          </a:lnRef>
+          <a:fillRef idx="1">
+            <a:schemeClr val="accent1"/>
+          </a:fillRef>
+          <a:effectRef idx="0">
+            <a:schemeClr val="accent1"/>
+          </a:effectRef>
+          <a:fontRef idx="minor">
+            <a:schemeClr val="lt1"/>
+          </a:fontRef>
+        </p:style>
+        <p:txBody>
+          <a:bodyPr rtlCol="0" anchor="ctr"/>
+          <a:lstStyle/>
+          <a:p>
+            <a:pPr algn="ctr"/>
+            <a:r>
+              <a:rPr lang="en-US" sz="900" dirty="0">
+                <a:solidFill>
+                  <a:srgbClr val="808080"/>
+                </a:solidFill>
+                <a:latin typeface="Roboto"/>
+              </a:rPr>
+              <a:t>Libraries</a:t>
+            </a:r>
+          </a:p>
+        </p:txBody>
+      </p:sp>
+      <p:sp>
+        <p:nvSpPr>
+          <p:cNvPr id="21" name="Rectangle 20"/>
+          <p:cNvSpPr/>
+          <p:nvPr/>
+        </p:nvSpPr>
+        <p:spPr>
+          <a:xfrm>
+            <a:off x="1848994" y="1879114"/>
+            <a:ext cx="835913" cy="312336"/>
+          </a:xfrm>
+          <a:prstGeom prst="rect">
+            <a:avLst/>
+          </a:prstGeom>
+          <a:noFill/>
+          <a:ln w="3175">
+            <a:noFill/>
+          </a:ln>
+        </p:spPr>
+        <p:style>
+          <a:lnRef idx="2">
+            <a:schemeClr val="accent1">
+              <a:shade val="50000"/>
+            </a:schemeClr>
+          </a:lnRef>
+          <a:fillRef idx="1">
+            <a:schemeClr val="accent1"/>
+          </a:fillRef>
+          <a:effectRef idx="0">
+            <a:schemeClr val="accent1"/>
+          </a:effectRef>
+          <a:fontRef idx="minor">
+            <a:schemeClr val="lt1"/>
+          </a:fontRef>
+        </p:style>
+        <p:txBody>
+          <a:bodyPr rtlCol="0" anchor="ctr"/>
+          <a:lstStyle/>
+          <a:p>
+            <a:pPr algn="ctr"/>
+            <a:r>
+              <a:rPr lang="en-US" sz="900" dirty="0" smtClean="0">
+                <a:solidFill>
+                  <a:srgbClr val="45C2B1"/>
+                </a:solidFill>
+                <a:latin typeface="Roboto"/>
+              </a:rPr>
+              <a:t>Application Generator</a:t>
+            </a:r>
+            <a:endParaRPr lang="en-US" sz="900" dirty="0">
+              <a:solidFill>
+                <a:srgbClr val="45C2B1"/>
+              </a:solidFill>
+              <a:latin typeface="Roboto"/>
+            </a:endParaRPr>
+          </a:p>
+        </p:txBody>
+      </p:sp>
+      <p:sp>
+        <p:nvSpPr>
+          <p:cNvPr id="22" name="Rectangle 21"/>
+          <p:cNvSpPr/>
+          <p:nvPr/>
+        </p:nvSpPr>
+        <p:spPr>
+          <a:xfrm>
+            <a:off x="2935927" y="1276350"/>
+            <a:ext cx="835913" cy="312336"/>
+          </a:xfrm>
+          <a:prstGeom prst="rect">
+            <a:avLst/>
+          </a:prstGeom>
+          <a:noFill/>
+          <a:ln w="3175">
+            <a:noFill/>
+          </a:ln>
+        </p:spPr>
+        <p:style>
+          <a:lnRef idx="2">
+            <a:schemeClr val="accent1">
+              <a:shade val="50000"/>
+            </a:schemeClr>
+          </a:lnRef>
+          <a:fillRef idx="1">
+            <a:schemeClr val="accent1"/>
+          </a:fillRef>
+          <a:effectRef idx="0">
+            <a:schemeClr val="accent1"/>
+          </a:effectRef>
+          <a:fontRef idx="minor">
+            <a:schemeClr val="lt1"/>
+          </a:fontRef>
+        </p:style>
+        <p:txBody>
+          <a:bodyPr rtlCol="0" anchor="ctr"/>
+          <a:lstStyle/>
+          <a:p>
+            <a:pPr algn="ctr"/>
+            <a:r>
+              <a:rPr lang="en-US" sz="900" dirty="0" smtClean="0">
+                <a:solidFill>
+                  <a:srgbClr val="808080"/>
+                </a:solidFill>
+                <a:latin typeface="Roboto"/>
+              </a:rPr>
+              <a:t>Deployed Application</a:t>
+            </a:r>
+            <a:endParaRPr lang="en-US" sz="900" dirty="0">
+              <a:solidFill>
+                <a:srgbClr val="808080"/>
+              </a:solidFill>
+              <a:latin typeface="Roboto"/>
+            </a:endParaRPr>
+          </a:p>
+        </p:txBody>
+      </p:sp>
+      <p:sp>
+        <p:nvSpPr>
+          <p:cNvPr id="23" name="Rectangle 22"/>
+          <p:cNvSpPr/>
+          <p:nvPr/>
+        </p:nvSpPr>
+        <p:spPr>
+          <a:xfrm>
+            <a:off x="948419" y="2880252"/>
+            <a:ext cx="1012120" cy="312336"/>
+          </a:xfrm>
+          <a:prstGeom prst="rect">
+            <a:avLst/>
+          </a:prstGeom>
+          <a:noFill/>
+          <a:ln w="3175">
+            <a:noFill/>
+          </a:ln>
+        </p:spPr>
+        <p:style>
+          <a:lnRef idx="2">
+            <a:schemeClr val="accent1">
+              <a:shade val="50000"/>
+            </a:schemeClr>
+          </a:lnRef>
+          <a:fillRef idx="1">
+            <a:schemeClr val="accent1"/>
+          </a:fillRef>
+          <a:effectRef idx="0">
+            <a:schemeClr val="accent1"/>
+          </a:effectRef>
+          <a:fontRef idx="minor">
+            <a:schemeClr val="lt1"/>
+          </a:fontRef>
+        </p:style>
+        <p:txBody>
+          <a:bodyPr rtlCol="0" anchor="ctr"/>
+          <a:lstStyle/>
+          <a:p>
+            <a:pPr algn="ctr"/>
+            <a:r>
+              <a:rPr lang="en-US" sz="900" dirty="0" smtClean="0">
+                <a:solidFill>
+                  <a:srgbClr val="45C2B1"/>
+                </a:solidFill>
+                <a:latin typeface="Roboto"/>
+              </a:rPr>
+              <a:t>Exporter</a:t>
+            </a:r>
+          </a:p>
+        </p:txBody>
+      </p:sp>
+      <p:sp>
+        <p:nvSpPr>
+          <p:cNvPr id="24" name="Rectangle 23"/>
+          <p:cNvSpPr/>
+          <p:nvPr/>
+        </p:nvSpPr>
+        <p:spPr>
+          <a:xfrm>
+            <a:off x="4750259" y="1879114"/>
+            <a:ext cx="757768" cy="312336"/>
+          </a:xfrm>
+          <a:prstGeom prst="rect">
+            <a:avLst/>
+          </a:prstGeom>
+          <a:noFill/>
+          <a:ln w="3175">
+            <a:noFill/>
+          </a:ln>
+        </p:spPr>
+        <p:style>
+          <a:lnRef idx="2">
+            <a:schemeClr val="accent1">
+              <a:shade val="50000"/>
+            </a:schemeClr>
+          </a:lnRef>
+          <a:fillRef idx="1">
+            <a:schemeClr val="accent1"/>
+          </a:fillRef>
+          <a:effectRef idx="0">
+            <a:schemeClr val="accent1"/>
+          </a:effectRef>
+          <a:fontRef idx="minor">
+            <a:schemeClr val="lt1"/>
+          </a:fontRef>
+        </p:style>
+        <p:txBody>
+          <a:bodyPr rtlCol="0" anchor="ctr"/>
+          <a:lstStyle/>
+          <a:p>
+            <a:pPr algn="ctr"/>
+            <a:r>
+              <a:rPr lang="en-US" sz="900" dirty="0" smtClean="0">
+                <a:solidFill>
+                  <a:srgbClr val="4D4D4D"/>
+                </a:solidFill>
+                <a:latin typeface="Roboto"/>
+              </a:rPr>
+              <a:t>Developer</a:t>
+            </a:r>
+            <a:endParaRPr lang="en-US" sz="900" dirty="0">
+              <a:solidFill>
+                <a:srgbClr val="4D4D4D"/>
+              </a:solidFill>
+              <a:latin typeface="Roboto"/>
+            </a:endParaRPr>
+          </a:p>
+        </p:txBody>
+      </p:sp>
+      <p:sp>
+        <p:nvSpPr>
+          <p:cNvPr id="25" name="Rectangle 24"/>
+          <p:cNvSpPr/>
+          <p:nvPr/>
+        </p:nvSpPr>
+        <p:spPr>
+          <a:xfrm>
+            <a:off x="4199769" y="3338709"/>
+            <a:ext cx="1016635" cy="312336"/>
+          </a:xfrm>
+          <a:prstGeom prst="rect">
+            <a:avLst/>
+          </a:prstGeom>
+          <a:noFill/>
+          <a:ln w="3175">
+            <a:noFill/>
+          </a:ln>
+        </p:spPr>
+        <p:style>
+          <a:lnRef idx="2">
+            <a:schemeClr val="accent1">
+              <a:shade val="50000"/>
+            </a:schemeClr>
+          </a:lnRef>
+          <a:fillRef idx="1">
+            <a:schemeClr val="accent1"/>
+          </a:fillRef>
+          <a:effectRef idx="0">
+            <a:schemeClr val="accent1"/>
+          </a:effectRef>
+          <a:fontRef idx="minor">
+            <a:schemeClr val="lt1"/>
+          </a:fontRef>
+        </p:style>
+        <p:txBody>
+          <a:bodyPr rtlCol="0" anchor="ctr"/>
+          <a:lstStyle/>
+          <a:p>
+            <a:pPr algn="ctr"/>
+            <a:r>
+              <a:rPr lang="en-US" sz="900" dirty="0" smtClean="0">
+                <a:solidFill>
+                  <a:srgbClr val="4D4D4D"/>
+                </a:solidFill>
+                <a:latin typeface="Roboto"/>
+              </a:rPr>
+              <a:t>Business User</a:t>
+            </a:r>
+            <a:endParaRPr lang="en-US" sz="900" dirty="0">
+              <a:solidFill>
+                <a:srgbClr val="4D4D4D"/>
+              </a:solidFill>
+              <a:latin typeface="Roboto"/>
+            </a:endParaRPr>
+          </a:p>
+        </p:txBody>
+      </p:sp>
+      <p:sp>
+        <p:nvSpPr>
+          <p:cNvPr id="27" name="Rectangle 26"/>
+          <p:cNvSpPr/>
+          <p:nvPr/>
+        </p:nvSpPr>
+        <p:spPr>
+          <a:xfrm>
+            <a:off x="893309" y="2335614"/>
+            <a:ext cx="1122339" cy="312336"/>
+          </a:xfrm>
+          <a:prstGeom prst="rect">
+            <a:avLst/>
+          </a:prstGeom>
+          <a:noFill/>
+          <a:ln w="3175">
+            <a:noFill/>
+          </a:ln>
+        </p:spPr>
+        <p:style>
+          <a:lnRef idx="2">
+            <a:schemeClr val="accent1">
+              <a:shade val="50000"/>
+            </a:schemeClr>
+          </a:lnRef>
+          <a:fillRef idx="1">
+            <a:schemeClr val="accent1"/>
+          </a:fillRef>
+          <a:effectRef idx="0">
+            <a:schemeClr val="accent1"/>
+          </a:effectRef>
+          <a:fontRef idx="minor">
+            <a:schemeClr val="lt1"/>
+          </a:fontRef>
+        </p:style>
+        <p:txBody>
+          <a:bodyPr rtlCol="0" anchor="ctr"/>
+          <a:lstStyle/>
+          <a:p>
+            <a:pPr algn="ctr"/>
+            <a:r>
+              <a:rPr lang="en-US" sz="800" dirty="0" smtClean="0">
+                <a:solidFill>
+                  <a:srgbClr val="808080"/>
+                </a:solidFill>
+                <a:latin typeface="Roboto"/>
+              </a:rPr>
+              <a:t>generate metadata from database</a:t>
+            </a:r>
+            <a:endParaRPr lang="en-US" sz="800" dirty="0">
+              <a:solidFill>
+                <a:srgbClr val="808080"/>
+              </a:solidFill>
+              <a:latin typeface="Roboto"/>
+            </a:endParaRPr>
+          </a:p>
+        </p:txBody>
+      </p:sp>
+      <p:sp>
+        <p:nvSpPr>
+          <p:cNvPr id="28" name="Rectangle 27"/>
+          <p:cNvSpPr/>
+          <p:nvPr/>
+        </p:nvSpPr>
+        <p:spPr>
+          <a:xfrm>
+            <a:off x="1377975" y="3574799"/>
+            <a:ext cx="908025" cy="901951"/>
+          </a:xfrm>
+          <a:prstGeom prst="rect">
+            <a:avLst/>
+          </a:prstGeom>
+          <a:noFill/>
+          <a:ln w="3175">
+            <a:noFill/>
+          </a:ln>
+        </p:spPr>
+        <p:style>
+          <a:lnRef idx="2">
+            <a:schemeClr val="accent1">
+              <a:shade val="50000"/>
+            </a:schemeClr>
+          </a:lnRef>
+          <a:fillRef idx="1">
+            <a:schemeClr val="accent1"/>
+          </a:fillRef>
+          <a:effectRef idx="0">
+            <a:schemeClr val="accent1"/>
+          </a:effectRef>
+          <a:fontRef idx="minor">
+            <a:schemeClr val="lt1"/>
+          </a:fontRef>
+        </p:style>
+        <p:txBody>
+          <a:bodyPr rtlCol="0" anchor="ctr"/>
+          <a:lstStyle/>
+          <a:p>
+            <a:r>
+              <a:rPr lang="en-US" sz="800" dirty="0">
+                <a:solidFill>
+                  <a:srgbClr val="808080"/>
+                </a:solidFill>
+                <a:latin typeface="Roboto"/>
+              </a:rPr>
+              <a:t>Support </a:t>
+            </a:r>
+            <a:endParaRPr lang="en-US" sz="800" dirty="0" smtClean="0">
+              <a:solidFill>
+                <a:srgbClr val="808080"/>
+              </a:solidFill>
+              <a:latin typeface="Roboto"/>
+            </a:endParaRPr>
+          </a:p>
+          <a:p>
+            <a:pPr marL="171450" indent="-171450">
+              <a:buFontTx/>
+              <a:buChar char="-"/>
+            </a:pPr>
+            <a:r>
+              <a:rPr lang="en-US" sz="800" dirty="0" smtClean="0">
+                <a:solidFill>
+                  <a:srgbClr val="808080"/>
+                </a:solidFill>
+                <a:latin typeface="Roboto"/>
+              </a:rPr>
+              <a:t>MySQL</a:t>
+            </a:r>
+          </a:p>
+          <a:p>
+            <a:pPr marL="171450" indent="-171450">
+              <a:buFontTx/>
+              <a:buChar char="-"/>
+            </a:pPr>
+            <a:r>
+              <a:rPr lang="en-US" sz="800" dirty="0" smtClean="0">
+                <a:solidFill>
+                  <a:srgbClr val="808080"/>
+                </a:solidFill>
+                <a:latin typeface="Roboto"/>
+              </a:rPr>
+              <a:t>Oracle</a:t>
+            </a:r>
+          </a:p>
+          <a:p>
+            <a:pPr marL="171450" indent="-171450">
+              <a:buFontTx/>
+              <a:buChar char="-"/>
+            </a:pPr>
+            <a:r>
+              <a:rPr lang="en-US" sz="800" dirty="0" smtClean="0">
+                <a:solidFill>
+                  <a:srgbClr val="808080"/>
+                </a:solidFill>
+                <a:latin typeface="Roboto"/>
+              </a:rPr>
+              <a:t>SQL Server</a:t>
+            </a:r>
+          </a:p>
+          <a:p>
+            <a:pPr marL="171450" indent="-171450">
+              <a:buFontTx/>
+              <a:buChar char="-"/>
+            </a:pPr>
+            <a:r>
+              <a:rPr lang="en-US" sz="800" dirty="0" smtClean="0">
+                <a:solidFill>
+                  <a:srgbClr val="808080"/>
+                </a:solidFill>
+                <a:latin typeface="Roboto"/>
+              </a:rPr>
+              <a:t>Postgres</a:t>
+            </a:r>
+          </a:p>
+          <a:p>
+            <a:pPr marL="171450" indent="-171450">
+              <a:buFontTx/>
+              <a:buChar char="-"/>
+            </a:pPr>
+            <a:r>
+              <a:rPr lang="en-US" sz="800" dirty="0" smtClean="0">
+                <a:solidFill>
+                  <a:srgbClr val="808080"/>
+                </a:solidFill>
+                <a:latin typeface="Roboto"/>
+              </a:rPr>
+              <a:t>SQLite</a:t>
+            </a:r>
+            <a:endParaRPr lang="en-US" sz="800" dirty="0">
+              <a:solidFill>
+                <a:srgbClr val="808080"/>
+              </a:solidFill>
+              <a:latin typeface="Roboto"/>
+            </a:endParaRPr>
+          </a:p>
+        </p:txBody>
+      </p:sp>
+      <p:sp>
+        <p:nvSpPr>
+          <p:cNvPr id="29" name="Rectangle 28"/>
+          <p:cNvSpPr/>
+          <p:nvPr/>
+        </p:nvSpPr>
+        <p:spPr>
+          <a:xfrm>
+            <a:off x="980326" y="970926"/>
+            <a:ext cx="1371599" cy="1043258"/>
+          </a:xfrm>
+          <a:prstGeom prst="rect">
+            <a:avLst/>
+          </a:prstGeom>
+          <a:noFill/>
+          <a:ln w="3175">
+            <a:noFill/>
+          </a:ln>
+        </p:spPr>
+        <p:style>
+          <a:lnRef idx="2">
+            <a:schemeClr val="accent1">
+              <a:shade val="50000"/>
+            </a:schemeClr>
+          </a:lnRef>
+          <a:fillRef idx="1">
+            <a:schemeClr val="accent1"/>
+          </a:fillRef>
+          <a:effectRef idx="0">
+            <a:schemeClr val="accent1"/>
+          </a:effectRef>
+          <a:fontRef idx="minor">
+            <a:schemeClr val="lt1"/>
+          </a:fontRef>
+        </p:style>
+        <p:txBody>
+          <a:bodyPr rtlCol="0" anchor="ctr"/>
+          <a:lstStyle/>
+          <a:p>
+            <a:r>
+              <a:rPr lang="en-US" sz="800" dirty="0">
+                <a:solidFill>
+                  <a:srgbClr val="808080"/>
+                </a:solidFill>
+                <a:latin typeface="Roboto"/>
+              </a:rPr>
+              <a:t>W</a:t>
+            </a:r>
+            <a:r>
+              <a:rPr lang="en-US" sz="800" dirty="0" smtClean="0">
+                <a:solidFill>
+                  <a:srgbClr val="808080"/>
+                </a:solidFill>
+                <a:latin typeface="Roboto"/>
+              </a:rPr>
+              <a:t>orking application:</a:t>
+            </a:r>
+          </a:p>
+          <a:p>
+            <a:pPr marL="171450" indent="-171450">
+              <a:buFontTx/>
+              <a:buChar char="-"/>
+            </a:pPr>
+            <a:r>
+              <a:rPr lang="en-US" sz="800" dirty="0" smtClean="0">
+                <a:solidFill>
+                  <a:srgbClr val="808080"/>
+                </a:solidFill>
+                <a:latin typeface="Roboto"/>
+              </a:rPr>
+              <a:t>CRUD</a:t>
+            </a:r>
+          </a:p>
+          <a:p>
+            <a:pPr marL="171450" indent="-171450">
+              <a:buFontTx/>
+              <a:buChar char="-"/>
+            </a:pPr>
+            <a:r>
+              <a:rPr lang="en-US" sz="800" dirty="0" smtClean="0">
+                <a:solidFill>
+                  <a:srgbClr val="808080"/>
+                </a:solidFill>
+                <a:latin typeface="Roboto"/>
+              </a:rPr>
+              <a:t>Search: Sort, Paging</a:t>
+            </a:r>
+          </a:p>
+          <a:p>
+            <a:r>
+              <a:rPr lang="en-US" sz="800" dirty="0" smtClean="0">
+                <a:solidFill>
+                  <a:srgbClr val="808080"/>
+                </a:solidFill>
+                <a:latin typeface="Roboto"/>
+              </a:rPr>
+              <a:t>Languages:</a:t>
+            </a:r>
+          </a:p>
+          <a:p>
+            <a:pPr marL="171450" indent="-171450">
+              <a:buFontTx/>
+              <a:buChar char="-"/>
+            </a:pPr>
+            <a:r>
+              <a:rPr lang="en-US" sz="800" dirty="0" smtClean="0">
+                <a:solidFill>
+                  <a:srgbClr val="808080"/>
+                </a:solidFill>
+                <a:latin typeface="Roboto"/>
+              </a:rPr>
+              <a:t>GO</a:t>
+            </a:r>
+          </a:p>
+          <a:p>
+            <a:pPr marL="171450" indent="-171450">
+              <a:buFontTx/>
+              <a:buChar char="-"/>
+            </a:pPr>
+            <a:r>
+              <a:rPr lang="en-US" sz="800" dirty="0" smtClean="0">
+                <a:solidFill>
+                  <a:srgbClr val="808080"/>
+                </a:solidFill>
+                <a:latin typeface="Roboto"/>
+              </a:rPr>
+              <a:t>Java</a:t>
+            </a:r>
+          </a:p>
+          <a:p>
+            <a:pPr marL="171450" indent="-171450">
+              <a:buFontTx/>
+              <a:buChar char="-"/>
+            </a:pPr>
+            <a:r>
+              <a:rPr lang="en-US" sz="800" dirty="0" smtClean="0">
+                <a:solidFill>
+                  <a:srgbClr val="808080"/>
+                </a:solidFill>
+                <a:latin typeface="Roboto"/>
+              </a:rPr>
+              <a:t>nodejs</a:t>
+            </a:r>
+            <a:endParaRPr lang="en-US" sz="800" dirty="0">
+              <a:solidFill>
+                <a:srgbClr val="808080"/>
+              </a:solidFill>
+              <a:latin typeface="Roboto"/>
+            </a:endParaRPr>
+          </a:p>
+        </p:txBody>
+      </p:sp>
+    </p:spTree>
+    <p:extLst>
+      <p:ext uri="{BB962C8B-B14F-4D97-AF65-F5344CB8AC3E}">
+        <p14:creationId xmlns:p14="http://schemas.microsoft.com/office/powerpoint/2010/main" val="3520181751"/>
+      </p:ext>
+    </p:extLst>
+  </p:cSld>
+  <p:clrMapOvr>
+    <a:masterClrMapping/>
+  </p:clrMapOvr>
+  <p:timing>
+    <p:tnLst>
+      <p:par>
+        <p:cTn id="1" dur="indefinite" restart="never" nodeType="tmRoot"/>
+      </p:par>
+    </p:tnLst>
+  </p:timing>
+</p:sld>
+</file>
+
+<file path=ppt/slides/slide27.xml><?xml version="1.0" encoding="utf-8"?>
+<p:sld xmlns:a="http://schemas.openxmlformats.org/drawingml/2006/main" xmlns:r="http://schemas.openxmlformats.org/officeDocument/2006/relationships" xmlns:p="http://schemas.openxmlformats.org/presentationml/2006/main">
+  <p:cSld>
+    <p:spTree>
+      <p:nvGrpSpPr>
+        <p:cNvPr id="1" name=""/>
+        <p:cNvGrpSpPr/>
+        <p:nvPr/>
+      </p:nvGrpSpPr>
+      <p:grpSpPr>
+        <a:xfrm>
+          <a:off x="0" y="0"/>
+          <a:ext cx="0" cy="0"/>
+          <a:chOff x="0" y="0"/>
+          <a:chExt cx="0" cy="0"/>
+        </a:xfrm>
+      </p:grpSpPr>
+      <p:sp>
+        <p:nvSpPr>
+          <p:cNvPr id="2" name="Title 1"/>
+          <p:cNvSpPr>
+            <a:spLocks noGrp="1"/>
+          </p:cNvSpPr>
+          <p:nvPr>
+            <p:ph type="title"/>
+          </p:nvPr>
+        </p:nvSpPr>
+        <p:spPr/>
+        <p:txBody>
+          <a:bodyPr/>
+          <a:lstStyle/>
+          <a:p>
+            <a:r>
+              <a:rPr lang="en-US" dirty="0"/>
+              <a:t>5. GO project </a:t>
+            </a:r>
+            <a:r>
+              <a:rPr lang="en-US" dirty="0" smtClean="0"/>
+              <a:t>generator – Output Samples</a:t>
+            </a:r>
+            <a:endParaRPr lang="en-US" dirty="0"/>
+          </a:p>
+        </p:txBody>
+      </p:sp>
+      <p:sp>
+        <p:nvSpPr>
+          <p:cNvPr id="3" name="Content Placeholder 2"/>
+          <p:cNvSpPr>
+            <a:spLocks noGrp="1"/>
+          </p:cNvSpPr>
+          <p:nvPr>
+            <p:ph idx="1"/>
+          </p:nvPr>
+        </p:nvSpPr>
+        <p:spPr>
+          <a:xfrm>
+            <a:off x="457200" y="819150"/>
+            <a:ext cx="8229600" cy="4324350"/>
+          </a:xfrm>
+        </p:spPr>
+        <p:txBody>
+          <a:bodyPr>
+            <a:normAutofit fontScale="77500" lnSpcReduction="20000"/>
+          </a:bodyPr>
+          <a:lstStyle/>
+          <a:p>
+            <a:r>
+              <a:rPr lang="en-US" dirty="0" smtClean="0"/>
+              <a:t>Download</a:t>
+            </a:r>
+          </a:p>
+          <a:p>
+            <a:pPr lvl="2"/>
+            <a:r>
+              <a:rPr lang="en-US" dirty="0" smtClean="0">
+                <a:hlinkClick r:id="rId2"/>
+              </a:rPr>
+              <a:t>https</a:t>
+            </a:r>
+            <a:r>
+              <a:rPr lang="en-US" dirty="0">
+                <a:hlinkClick r:id="rId2"/>
+              </a:rPr>
+              <a:t>://</a:t>
+            </a:r>
+            <a:r>
+              <a:rPr lang="en-US" dirty="0" smtClean="0">
+                <a:hlinkClick r:id="rId2"/>
+              </a:rPr>
+              <a:t>github.com/lowcode-tech/windows</a:t>
+            </a:r>
+            <a:endParaRPr lang="en-US" dirty="0" smtClean="0"/>
+          </a:p>
+          <a:p>
+            <a:pPr lvl="2"/>
+            <a:r>
+              <a:rPr lang="en-US" dirty="0" smtClean="0">
+                <a:hlinkClick r:id="rId3"/>
+              </a:rPr>
+              <a:t>https</a:t>
+            </a:r>
+            <a:r>
+              <a:rPr lang="en-US" dirty="0">
+                <a:hlinkClick r:id="rId3"/>
+              </a:rPr>
+              <a:t>://</a:t>
+            </a:r>
+            <a:r>
+              <a:rPr lang="en-US" dirty="0" smtClean="0">
+                <a:hlinkClick r:id="rId3"/>
+              </a:rPr>
+              <a:t>github.com/lowcode-tech/mac</a:t>
+            </a:r>
+            <a:endParaRPr lang="en-US" dirty="0" smtClean="0"/>
+          </a:p>
+          <a:p>
+            <a:pPr lvl="2"/>
+            <a:r>
+              <a:rPr lang="en-US" dirty="0" smtClean="0">
+                <a:hlinkClick r:id="rId4"/>
+              </a:rPr>
+              <a:t>https</a:t>
+            </a:r>
+            <a:r>
+              <a:rPr lang="en-US" dirty="0">
+                <a:hlinkClick r:id="rId4"/>
+              </a:rPr>
+              <a:t>://</a:t>
+            </a:r>
+            <a:r>
+              <a:rPr lang="en-US" dirty="0" smtClean="0">
+                <a:hlinkClick r:id="rId4"/>
+              </a:rPr>
+              <a:t>github.com/lowcode-tech/linux</a:t>
+            </a:r>
+            <a:endParaRPr lang="en-US" dirty="0" smtClean="0"/>
+          </a:p>
+          <a:p>
+            <a:r>
+              <a:rPr lang="en-US" dirty="0" smtClean="0"/>
+              <a:t>Output Samples</a:t>
+            </a:r>
+          </a:p>
+          <a:p>
+            <a:pPr lvl="1"/>
+            <a:r>
+              <a:rPr lang="en-US" dirty="0"/>
+              <a:t>GO Layer Architecture </a:t>
+            </a:r>
+            <a:r>
+              <a:rPr lang="en-US" dirty="0" smtClean="0"/>
+              <a:t>Sample</a:t>
+            </a:r>
+          </a:p>
+          <a:p>
+            <a:pPr lvl="2"/>
+            <a:r>
+              <a:rPr lang="en-US" dirty="0">
+                <a:hlinkClick r:id="rId5"/>
+              </a:rPr>
+              <a:t>https://</a:t>
+            </a:r>
+            <a:r>
+              <a:rPr lang="en-US" dirty="0" smtClean="0">
+                <a:hlinkClick r:id="rId5"/>
+              </a:rPr>
+              <a:t>github.com/source-code-template/mongo-layer-architecture-sample</a:t>
+            </a:r>
+            <a:endParaRPr lang="en-US" dirty="0" smtClean="0"/>
+          </a:p>
+          <a:p>
+            <a:pPr lvl="2"/>
+            <a:r>
+              <a:rPr lang="en-US" dirty="0" smtClean="0">
+                <a:hlinkClick r:id="rId6"/>
+              </a:rPr>
+              <a:t>https</a:t>
+            </a:r>
+            <a:r>
+              <a:rPr lang="en-US" dirty="0">
+                <a:hlinkClick r:id="rId6"/>
+              </a:rPr>
+              <a:t>://</a:t>
+            </a:r>
+            <a:r>
+              <a:rPr lang="en-US" dirty="0" smtClean="0">
+                <a:hlinkClick r:id="rId6"/>
+              </a:rPr>
+              <a:t>github.com/source-code-template/go-sql-layer-architecture-sample</a:t>
+            </a:r>
+            <a:endParaRPr lang="en-US" dirty="0" smtClean="0"/>
+          </a:p>
+          <a:p>
+            <a:pPr lvl="1"/>
+            <a:r>
+              <a:rPr lang="en-US" dirty="0" smtClean="0"/>
+              <a:t>GO </a:t>
+            </a:r>
+            <a:r>
+              <a:rPr lang="en-US" dirty="0"/>
+              <a:t>Modular </a:t>
+            </a:r>
+            <a:r>
+              <a:rPr lang="en-US" dirty="0" smtClean="0"/>
+              <a:t>Sample</a:t>
+            </a:r>
+          </a:p>
+          <a:p>
+            <a:pPr lvl="2"/>
+            <a:r>
+              <a:rPr lang="en-US" dirty="0">
+                <a:hlinkClick r:id="rId7"/>
+              </a:rPr>
+              <a:t>https://</a:t>
+            </a:r>
+            <a:r>
+              <a:rPr lang="en-US" dirty="0" smtClean="0">
+                <a:hlinkClick r:id="rId7"/>
+              </a:rPr>
+              <a:t>github.com/source-code-template/go-mongo-modular-sample</a:t>
+            </a:r>
+            <a:endParaRPr lang="en-US" dirty="0" smtClean="0"/>
+          </a:p>
+          <a:p>
+            <a:pPr lvl="2"/>
+            <a:r>
+              <a:rPr lang="en-US" dirty="0" smtClean="0">
+                <a:hlinkClick r:id="rId8"/>
+              </a:rPr>
+              <a:t>https</a:t>
+            </a:r>
+            <a:r>
+              <a:rPr lang="en-US" dirty="0">
+                <a:hlinkClick r:id="rId8"/>
+              </a:rPr>
+              <a:t>://</a:t>
+            </a:r>
+            <a:r>
+              <a:rPr lang="en-US" dirty="0" smtClean="0">
+                <a:hlinkClick r:id="rId8"/>
+              </a:rPr>
+              <a:t>github.com/source-code-template/go-sql-rest-api</a:t>
+            </a:r>
+            <a:endParaRPr lang="en-US" dirty="0" smtClean="0"/>
+          </a:p>
+          <a:p>
+            <a:pPr lvl="1"/>
+            <a:r>
+              <a:rPr lang="en-US" dirty="0" smtClean="0"/>
+              <a:t>nodejs </a:t>
+            </a:r>
+            <a:r>
+              <a:rPr lang="en-US" dirty="0"/>
+              <a:t>Layer Architecture </a:t>
+            </a:r>
+            <a:r>
+              <a:rPr lang="en-US" dirty="0" smtClean="0"/>
+              <a:t>Sample</a:t>
+            </a:r>
+          </a:p>
+          <a:p>
+            <a:pPr lvl="2"/>
+            <a:r>
+              <a:rPr lang="en-US" dirty="0">
+                <a:hlinkClick r:id="rId5"/>
+              </a:rPr>
+              <a:t>https://</a:t>
+            </a:r>
+            <a:r>
+              <a:rPr lang="en-US" dirty="0" smtClean="0">
+                <a:hlinkClick r:id="rId5"/>
+              </a:rPr>
+              <a:t>github.com/source-code-template/mongo-layer-architecture-sample</a:t>
+            </a:r>
+            <a:endParaRPr lang="en-US" dirty="0" smtClean="0"/>
+          </a:p>
+          <a:p>
+            <a:pPr lvl="2"/>
+            <a:r>
+              <a:rPr lang="en-US" dirty="0" smtClean="0">
+                <a:hlinkClick r:id="rId9"/>
+              </a:rPr>
+              <a:t>https</a:t>
+            </a:r>
+            <a:r>
+              <a:rPr lang="en-US" dirty="0">
+                <a:hlinkClick r:id="rId9"/>
+              </a:rPr>
+              <a:t>://</a:t>
+            </a:r>
+            <a:r>
+              <a:rPr lang="en-US" dirty="0" smtClean="0">
+                <a:hlinkClick r:id="rId9"/>
+              </a:rPr>
+              <a:t>github.com/source-code-template/sql-layer-architecture-sample</a:t>
+            </a:r>
+            <a:endParaRPr lang="en-US" dirty="0" smtClean="0"/>
+          </a:p>
+          <a:p>
+            <a:pPr lvl="1"/>
+            <a:r>
+              <a:rPr lang="en-US" dirty="0"/>
+              <a:t>nodejs Modular </a:t>
+            </a:r>
+            <a:r>
+              <a:rPr lang="en-US" dirty="0" smtClean="0"/>
+              <a:t>Sample</a:t>
+            </a:r>
+          </a:p>
+          <a:p>
+            <a:pPr lvl="2"/>
+            <a:r>
+              <a:rPr lang="en-US" dirty="0">
+                <a:hlinkClick r:id="rId5"/>
+              </a:rPr>
+              <a:t>https://</a:t>
+            </a:r>
+            <a:r>
+              <a:rPr lang="en-US" dirty="0" smtClean="0">
+                <a:hlinkClick r:id="rId5"/>
+              </a:rPr>
+              <a:t>github.com/source-code-template/mongo-layer-architecture-sample</a:t>
+            </a:r>
+            <a:endParaRPr lang="en-US" dirty="0" smtClean="0"/>
+          </a:p>
+          <a:p>
+            <a:pPr lvl="2"/>
+            <a:r>
+              <a:rPr lang="en-US" dirty="0" smtClean="0">
+                <a:hlinkClick r:id="rId9"/>
+              </a:rPr>
+              <a:t>https</a:t>
+            </a:r>
+            <a:r>
+              <a:rPr lang="en-US" dirty="0">
+                <a:hlinkClick r:id="rId9"/>
+              </a:rPr>
+              <a:t>://</a:t>
+            </a:r>
+            <a:r>
+              <a:rPr lang="en-US" dirty="0" smtClean="0">
+                <a:hlinkClick r:id="rId9"/>
+              </a:rPr>
+              <a:t>github.com/source-code-template/sql-layer-architecture-sample</a:t>
+            </a:r>
+            <a:endParaRPr lang="en-US" dirty="0" smtClean="0"/>
+          </a:p>
+          <a:p>
+            <a:pPr lvl="1"/>
+            <a:r>
+              <a:rPr lang="en-US" dirty="0"/>
+              <a:t>nodejs Simple Modular </a:t>
+            </a:r>
+            <a:r>
+              <a:rPr lang="en-US" dirty="0" smtClean="0"/>
+              <a:t>Sample</a:t>
+            </a:r>
+          </a:p>
+          <a:p>
+            <a:pPr lvl="2"/>
+            <a:r>
+              <a:rPr lang="en-US" dirty="0">
+                <a:hlinkClick r:id="rId10"/>
+              </a:rPr>
+              <a:t>https://</a:t>
+            </a:r>
+            <a:r>
+              <a:rPr lang="en-US" dirty="0" smtClean="0">
+                <a:hlinkClick r:id="rId10"/>
+              </a:rPr>
+              <a:t>github.com/source-code-template/mongo-simple-modular-sample</a:t>
+            </a:r>
+            <a:endParaRPr lang="en-US" dirty="0" smtClean="0"/>
+          </a:p>
+          <a:p>
+            <a:pPr lvl="2"/>
+            <a:r>
+              <a:rPr lang="en-US" dirty="0" smtClean="0">
+                <a:hlinkClick r:id="rId11"/>
+              </a:rPr>
+              <a:t>https</a:t>
+            </a:r>
+            <a:r>
+              <a:rPr lang="en-US" dirty="0">
+                <a:hlinkClick r:id="rId11"/>
+              </a:rPr>
+              <a:t>://</a:t>
+            </a:r>
+            <a:r>
+              <a:rPr lang="en-US" dirty="0" smtClean="0">
+                <a:hlinkClick r:id="rId11"/>
+              </a:rPr>
+              <a:t>github.com/source-code-template/sql-simple-modular-sample</a:t>
+            </a:r>
+            <a:endParaRPr lang="en-US" dirty="0" smtClean="0"/>
+          </a:p>
+        </p:txBody>
+      </p:sp>
+    </p:spTree>
+    <p:extLst>
+      <p:ext uri="{BB962C8B-B14F-4D97-AF65-F5344CB8AC3E}">
+        <p14:creationId xmlns:p14="http://schemas.microsoft.com/office/powerpoint/2010/main" val="2544707586"/>
+      </p:ext>
+    </p:extLst>
+  </p:cSld>
+  <p:clrMapOvr>
+    <a:masterClrMapping/>
+  </p:clrMapOvr>
+</p:sld>
+</file>
+
+<file path=ppt/slides/slide28.xml><?xml version="1.0" encoding="utf-8"?>
 <p:sld xmlns:a="http://schemas.openxmlformats.org/drawingml/2006/main" xmlns:r="http://schemas.openxmlformats.org/officeDocument/2006/relationships" xmlns:p="http://schemas.openxmlformats.org/presentationml/2006/main">
   <p:cSld>
     <p:spTree>

--- a/go-tutorial.pptx
+++ b/go-tutorial.pptx
@@ -35,8 +35,8 @@
     <p:sldId id="285" r:id="rId23"/>
     <p:sldId id="294" r:id="rId24"/>
     <p:sldId id="286" r:id="rId25"/>
-    <p:sldId id="292" r:id="rId26"/>
-    <p:sldId id="293" r:id="rId27"/>
+    <p:sldId id="296" r:id="rId26"/>
+    <p:sldId id="297" r:id="rId27"/>
     <p:sldId id="295" r:id="rId28"/>
     <p:sldId id="278" r:id="rId29"/>
   </p:sldIdLst>
@@ -222,7 +222,7 @@
           <a:p>
             <a:fld id="{34539D0C-3EDB-4056-A121-D7D9F396B888}" type="datetimeFigureOut">
               <a:rPr lang="en-US" smtClean="0"/>
-              <a:t>5/15/2022</a:t>
+              <a:t>5/29/2022</a:t>
             </a:fld>
             <a:endParaRPr lang="en-US"/>
           </a:p>
@@ -387,7 +387,7 @@
           <a:p>
             <a:fld id="{4D168CEA-CB3C-410A-9A19-9526FB6F3FCA}" type="datetimeFigureOut">
               <a:rPr lang="en-US" smtClean="0"/>
-              <a:t>5/15/2022</a:t>
+              <a:t>5/29/2022</a:t>
             </a:fld>
             <a:endParaRPr lang="en-US"/>
           </a:p>
@@ -1266,7 +1266,7 @@
           <a:p>
             <a:fld id="{9F4F7B68-7A40-4EA2-B776-3832576D6D1E}" type="datetimeFigureOut">
               <a:rPr lang="en-US" smtClean="0"/>
-              <a:t>5/15/2022</a:t>
+              <a:t>5/29/2022</a:t>
             </a:fld>
             <a:endParaRPr lang="en-US"/>
           </a:p>
@@ -1443,7 +1443,7 @@
           <a:p>
             <a:fld id="{9F4F7B68-7A40-4EA2-B776-3832576D6D1E}" type="datetimeFigureOut">
               <a:rPr lang="en-US" smtClean="0"/>
-              <a:t>5/15/2022</a:t>
+              <a:t>5/29/2022</a:t>
             </a:fld>
             <a:endParaRPr lang="en-US"/>
           </a:p>
@@ -1623,7 +1623,7 @@
           <a:p>
             <a:fld id="{9F4F7B68-7A40-4EA2-B776-3832576D6D1E}" type="datetimeFigureOut">
               <a:rPr lang="en-US" smtClean="0"/>
-              <a:t>5/15/2022</a:t>
+              <a:t>5/29/2022</a:t>
             </a:fld>
             <a:endParaRPr lang="en-US"/>
           </a:p>
@@ -1867,7 +1867,7 @@
             <a:fld id="{9F4F7B68-7A40-4EA2-B776-3832576D6D1E}" type="datetimeFigureOut">
               <a:rPr lang="en-US" smtClean="0"/>
               <a:pPr/>
-              <a:t>5/15/2022</a:t>
+              <a:t>5/29/2022</a:t>
             </a:fld>
             <a:endParaRPr lang="en-US"/>
           </a:p>
@@ -2143,7 +2143,7 @@
           <a:p>
             <a:fld id="{9F4F7B68-7A40-4EA2-B776-3832576D6D1E}" type="datetimeFigureOut">
               <a:rPr lang="en-US" smtClean="0"/>
-              <a:t>5/15/2022</a:t>
+              <a:t>5/29/2022</a:t>
             </a:fld>
             <a:endParaRPr lang="en-US"/>
           </a:p>
@@ -2438,7 +2438,7 @@
           <a:p>
             <a:fld id="{9F4F7B68-7A40-4EA2-B776-3832576D6D1E}" type="datetimeFigureOut">
               <a:rPr lang="en-US" smtClean="0"/>
-              <a:t>5/15/2022</a:t>
+              <a:t>5/29/2022</a:t>
             </a:fld>
             <a:endParaRPr lang="en-US"/>
           </a:p>
@@ -2865,7 +2865,7 @@
           <a:p>
             <a:fld id="{9F4F7B68-7A40-4EA2-B776-3832576D6D1E}" type="datetimeFigureOut">
               <a:rPr lang="en-US" smtClean="0"/>
-              <a:t>5/15/2022</a:t>
+              <a:t>5/29/2022</a:t>
             </a:fld>
             <a:endParaRPr lang="en-US"/>
           </a:p>
@@ -2983,7 +2983,7 @@
           <a:p>
             <a:fld id="{9F4F7B68-7A40-4EA2-B776-3832576D6D1E}" type="datetimeFigureOut">
               <a:rPr lang="en-US" smtClean="0"/>
-              <a:t>5/15/2022</a:t>
+              <a:t>5/29/2022</a:t>
             </a:fld>
             <a:endParaRPr lang="en-US"/>
           </a:p>
@@ -3078,7 +3078,7 @@
           <a:p>
             <a:fld id="{9F4F7B68-7A40-4EA2-B776-3832576D6D1E}" type="datetimeFigureOut">
               <a:rPr lang="en-US" smtClean="0"/>
-              <a:t>5/15/2022</a:t>
+              <a:t>5/29/2022</a:t>
             </a:fld>
             <a:endParaRPr lang="en-US"/>
           </a:p>
@@ -3355,7 +3355,7 @@
           <a:p>
             <a:fld id="{9F4F7B68-7A40-4EA2-B776-3832576D6D1E}" type="datetimeFigureOut">
               <a:rPr lang="en-US" smtClean="0"/>
-              <a:t>5/15/2022</a:t>
+              <a:t>5/29/2022</a:t>
             </a:fld>
             <a:endParaRPr lang="en-US"/>
           </a:p>
@@ -3608,7 +3608,7 @@
           <a:p>
             <a:fld id="{9F4F7B68-7A40-4EA2-B776-3832576D6D1E}" type="datetimeFigureOut">
               <a:rPr lang="en-US" smtClean="0"/>
-              <a:t>5/15/2022</a:t>
+              <a:t>5/29/2022</a:t>
             </a:fld>
             <a:endParaRPr lang="en-US"/>
           </a:p>
@@ -3821,7 +3821,7 @@
           <a:p>
             <a:fld id="{9F4F7B68-7A40-4EA2-B776-3832576D6D1E}" type="datetimeFigureOut">
               <a:rPr lang="en-US" smtClean="0"/>
-              <a:t>5/15/2022</a:t>
+              <a:t>5/29/2022</a:t>
             </a:fld>
             <a:endParaRPr lang="en-US"/>
           </a:p>
@@ -11300,7 +11300,7 @@
             <a:r>
               <a:rPr lang="en-US" sz="1000" dirty="0" smtClean="0">
                 <a:solidFill>
-                  <a:srgbClr val="45C2B1"/>
+                  <a:srgbClr val="37A797"/>
                 </a:solidFill>
                 <a:latin typeface="Roboto"/>
               </a:rPr>
@@ -11308,7 +11308,7 @@
             </a:r>
             <a:endParaRPr lang="en-US" sz="1000" dirty="0">
               <a:solidFill>
-                <a:srgbClr val="45C2B1"/>
+                <a:srgbClr val="37A797"/>
               </a:solidFill>
               <a:latin typeface="Roboto"/>
             </a:endParaRPr>
@@ -11410,7 +11410,7 @@
             <a:r>
               <a:rPr lang="en-US" sz="1000" dirty="0" smtClean="0">
                 <a:solidFill>
-                  <a:srgbClr val="45C2B1"/>
+                  <a:srgbClr val="37A797"/>
                 </a:solidFill>
                 <a:latin typeface="Roboto"/>
               </a:rPr>
@@ -11418,7 +11418,7 @@
             </a:r>
             <a:endParaRPr lang="en-US" sz="1000" dirty="0">
               <a:solidFill>
-                <a:srgbClr val="45C2B1"/>
+                <a:srgbClr val="37A797"/>
               </a:solidFill>
               <a:latin typeface="Roboto"/>
             </a:endParaRPr>
@@ -11508,7 +11508,7 @@
             <a:r>
               <a:rPr lang="en-US" sz="1000" dirty="0" smtClean="0">
                 <a:solidFill>
-                  <a:srgbClr val="45C2B1"/>
+                  <a:srgbClr val="37A797"/>
                 </a:solidFill>
                 <a:latin typeface="Roboto"/>
               </a:rPr>
@@ -11520,7 +11520,7 @@
             <a:r>
               <a:rPr lang="en-US" sz="1000" dirty="0" smtClean="0">
                 <a:solidFill>
-                  <a:srgbClr val="45C2B1"/>
+                  <a:srgbClr val="37A797"/>
                 </a:solidFill>
                 <a:latin typeface="Roboto"/>
               </a:rPr>
@@ -11528,7 +11528,7 @@
             </a:r>
             <a:endParaRPr lang="en-US" sz="1000" dirty="0">
               <a:solidFill>
-                <a:srgbClr val="45C2B1"/>
+                <a:srgbClr val="37A797"/>
               </a:solidFill>
               <a:latin typeface="Roboto"/>
             </a:endParaRPr>
@@ -11580,7 +11580,7 @@
             <a:r>
               <a:rPr lang="en-US" sz="1000" dirty="0" smtClean="0">
                 <a:solidFill>
-                  <a:srgbClr val="45C2B1"/>
+                  <a:srgbClr val="37A797"/>
                 </a:solidFill>
                 <a:latin typeface="Roboto"/>
               </a:rPr>
@@ -11592,7 +11592,7 @@
             <a:r>
               <a:rPr lang="en-US" sz="1000" dirty="0" smtClean="0">
                 <a:solidFill>
-                  <a:srgbClr val="45C2B1"/>
+                  <a:srgbClr val="37A797"/>
                 </a:solidFill>
                 <a:latin typeface="Roboto"/>
               </a:rPr>
@@ -11600,7 +11600,7 @@
             </a:r>
             <a:endParaRPr lang="en-US" sz="1000" dirty="0">
               <a:solidFill>
-                <a:srgbClr val="45C2B1"/>
+                <a:srgbClr val="37A797"/>
               </a:solidFill>
               <a:latin typeface="Roboto"/>
             </a:endParaRPr>
@@ -11652,7 +11652,7 @@
             <a:r>
               <a:rPr lang="en-US" sz="1000" dirty="0" smtClean="0">
                 <a:solidFill>
-                  <a:srgbClr val="45C2B1"/>
+                  <a:srgbClr val="37A797"/>
                 </a:solidFill>
                 <a:latin typeface="Roboto"/>
               </a:rPr>
@@ -11660,7 +11660,7 @@
             </a:r>
             <a:endParaRPr lang="en-US" sz="1000" dirty="0">
               <a:solidFill>
-                <a:srgbClr val="45C2B1"/>
+                <a:srgbClr val="37A797"/>
               </a:solidFill>
               <a:latin typeface="Roboto"/>
             </a:endParaRPr>
@@ -11712,7 +11712,7 @@
             <a:r>
               <a:rPr lang="en-US" sz="1000" dirty="0" smtClean="0">
                 <a:solidFill>
-                  <a:srgbClr val="45C2B1"/>
+                  <a:srgbClr val="37A797"/>
                 </a:solidFill>
                 <a:latin typeface="Roboto"/>
               </a:rPr>
@@ -11720,7 +11720,7 @@
             </a:r>
             <a:endParaRPr lang="en-US" sz="1000" dirty="0">
               <a:solidFill>
-                <a:srgbClr val="45C2B1"/>
+                <a:srgbClr val="37A797"/>
               </a:solidFill>
               <a:latin typeface="Roboto"/>
             </a:endParaRPr>
@@ -12510,7 +12510,7 @@
         </p:nvSpPr>
         <p:spPr>
           <a:xfrm>
-            <a:off x="5890056" y="808662"/>
+            <a:off x="5692341" y="808662"/>
             <a:ext cx="642099" cy="440870"/>
           </a:xfrm>
           <a:prstGeom prst="flowChartMagneticDisk">
@@ -12568,7 +12568,7 @@
         </p:nvSpPr>
         <p:spPr>
           <a:xfrm>
-            <a:off x="6211106" y="2117277"/>
+            <a:off x="6013391" y="2117277"/>
             <a:ext cx="904817" cy="433215"/>
           </a:xfrm>
           <a:prstGeom prst="flowChartInputOutput">
@@ -12618,7 +12618,7 @@
         </p:nvSpPr>
         <p:spPr>
           <a:xfrm>
-            <a:off x="5939615" y="1519210"/>
+            <a:off x="5741900" y="1519210"/>
             <a:ext cx="1447800" cy="291380"/>
           </a:xfrm>
           <a:prstGeom prst="rect">
@@ -12655,7 +12655,7 @@
             <a:r>
               <a:rPr lang="en-US" sz="1000" dirty="0" smtClean="0">
                 <a:solidFill>
-                  <a:srgbClr val="FC671A"/>
+                  <a:srgbClr val="37A797"/>
                 </a:solidFill>
                 <a:latin typeface="Roboto"/>
               </a:rPr>
@@ -12663,7 +12663,7 @@
             </a:r>
             <a:endParaRPr lang="en-US" sz="1000" dirty="0">
               <a:solidFill>
-                <a:srgbClr val="FC671A"/>
+                <a:srgbClr val="37A797"/>
               </a:solidFill>
               <a:latin typeface="Roboto"/>
             </a:endParaRPr>
@@ -12678,7 +12678,7 @@
         </p:nvSpPr>
         <p:spPr>
           <a:xfrm>
-            <a:off x="6296344" y="2838284"/>
+            <a:off x="6098629" y="2838284"/>
             <a:ext cx="1447800" cy="291380"/>
           </a:xfrm>
           <a:prstGeom prst="rect">
@@ -12715,7 +12715,7 @@
             <a:r>
               <a:rPr lang="en-US" sz="1000" dirty="0" smtClean="0">
                 <a:solidFill>
-                  <a:srgbClr val="FC671A"/>
+                  <a:srgbClr val="37A797"/>
                 </a:solidFill>
                 <a:latin typeface="Roboto"/>
               </a:rPr>
@@ -12723,7 +12723,7 @@
             </a:r>
             <a:endParaRPr lang="en-US" sz="1000" dirty="0">
               <a:solidFill>
-                <a:srgbClr val="FC671A"/>
+                <a:srgbClr val="37A797"/>
               </a:solidFill>
               <a:latin typeface="Roboto"/>
             </a:endParaRPr>
@@ -12738,7 +12738,7 @@
         </p:nvSpPr>
         <p:spPr>
           <a:xfrm>
-            <a:off x="7096183" y="2117278"/>
+            <a:off x="6898468" y="2117278"/>
             <a:ext cx="904817" cy="433215"/>
           </a:xfrm>
           <a:prstGeom prst="flowChartInputOutput">
@@ -12788,7 +12788,7 @@
         </p:nvSpPr>
         <p:spPr>
           <a:xfrm>
-            <a:off x="6264201" y="2164764"/>
+            <a:off x="6066486" y="2164764"/>
             <a:ext cx="798625" cy="312336"/>
           </a:xfrm>
           <a:prstGeom prst="rect">
@@ -12846,7 +12846,7 @@
         </p:nvSpPr>
         <p:spPr>
           <a:xfrm>
-            <a:off x="7162799" y="2177717"/>
+            <a:off x="6965084" y="2177717"/>
             <a:ext cx="798625" cy="312336"/>
           </a:xfrm>
           <a:prstGeom prst="rect">
@@ -12904,7 +12904,7 @@
         </p:nvSpPr>
         <p:spPr>
           <a:xfrm>
-            <a:off x="6483815" y="3432520"/>
+            <a:off x="6286100" y="3432520"/>
             <a:ext cx="1072858" cy="586609"/>
           </a:xfrm>
           <a:prstGeom prst="flowChartInputOutput">
@@ -12954,7 +12954,7 @@
         </p:nvSpPr>
         <p:spPr>
           <a:xfrm>
-            <a:off x="6483815" y="3555934"/>
+            <a:off x="6286100" y="3555934"/>
             <a:ext cx="1143000" cy="312336"/>
           </a:xfrm>
           <a:prstGeom prst="rect">
@@ -13015,7 +13015,7 @@
         </p:nvCxnSpPr>
         <p:spPr>
           <a:xfrm>
-            <a:off x="7020244" y="3129664"/>
+            <a:off x="6822529" y="3129664"/>
             <a:ext cx="0" cy="302856"/>
           </a:xfrm>
           <a:prstGeom prst="straightConnector1">
@@ -13051,7 +13051,7 @@
         </p:nvSpPr>
         <p:spPr>
           <a:xfrm>
-            <a:off x="6775369" y="815816"/>
+            <a:off x="6577654" y="815816"/>
             <a:ext cx="904817" cy="433215"/>
           </a:xfrm>
           <a:prstGeom prst="flowChartInputOutput">
@@ -13101,7 +13101,7 @@
         </p:nvSpPr>
         <p:spPr>
           <a:xfrm>
-            <a:off x="6809820" y="872929"/>
+            <a:off x="6612105" y="872929"/>
             <a:ext cx="835913" cy="312336"/>
           </a:xfrm>
           <a:prstGeom prst="rect">
@@ -13171,8 +13171,8 @@
         </p:nvSpPr>
         <p:spPr>
           <a:xfrm>
-            <a:off x="6244793" y="4014543"/>
-            <a:ext cx="1371599" cy="1043258"/>
+            <a:off x="6076419" y="4019550"/>
+            <a:ext cx="1371599" cy="312336"/>
           </a:xfrm>
           <a:prstGeom prst="rect">
             <a:avLst/>
@@ -13202,111 +13202,17 @@
           <a:bodyPr rtlCol="0" anchor="ctr"/>
           <a:lstStyle/>
           <a:p>
-            <a:r>
-              <a:rPr lang="en-US" sz="800" dirty="0">
+            <a:pPr algn="ctr"/>
+            <a:r>
+              <a:rPr lang="en-US" sz="900" dirty="0" smtClean="0">
                 <a:solidFill>
                   <a:srgbClr val="808080"/>
                 </a:solidFill>
                 <a:latin typeface="Roboto"/>
               </a:rPr>
-              <a:t>W</a:t>
-            </a:r>
-            <a:r>
-              <a:rPr lang="en-US" sz="800" dirty="0" smtClean="0">
-                <a:solidFill>
-                  <a:srgbClr val="808080"/>
-                </a:solidFill>
-                <a:latin typeface="Roboto"/>
-              </a:rPr>
-              <a:t>orking application:</a:t>
-            </a:r>
-          </a:p>
-          <a:p>
-            <a:pPr marL="171450" indent="-171450">
-              <a:buFontTx/>
-              <a:buChar char="-"/>
-            </a:pPr>
-            <a:r>
-              <a:rPr lang="en-US" sz="800" dirty="0" smtClean="0">
-                <a:solidFill>
-                  <a:srgbClr val="808080"/>
-                </a:solidFill>
-                <a:latin typeface="Roboto"/>
-              </a:rPr>
-              <a:t>CRUD</a:t>
-            </a:r>
-          </a:p>
-          <a:p>
-            <a:pPr marL="171450" indent="-171450">
-              <a:buFontTx/>
-              <a:buChar char="-"/>
-            </a:pPr>
-            <a:r>
-              <a:rPr lang="en-US" sz="800" dirty="0" smtClean="0">
-                <a:solidFill>
-                  <a:srgbClr val="808080"/>
-                </a:solidFill>
-                <a:latin typeface="Roboto"/>
-              </a:rPr>
-              <a:t>Search: Sort, Paging</a:t>
-            </a:r>
-          </a:p>
-          <a:p>
-            <a:r>
-              <a:rPr lang="en-US" sz="800" dirty="0" smtClean="0">
-                <a:solidFill>
-                  <a:srgbClr val="808080"/>
-                </a:solidFill>
-                <a:latin typeface="Roboto"/>
-              </a:rPr>
-              <a:t>Languages:</a:t>
-            </a:r>
-          </a:p>
-          <a:p>
-            <a:pPr marL="171450" indent="-171450">
-              <a:buFontTx/>
-              <a:buChar char="-"/>
-            </a:pPr>
-            <a:r>
-              <a:rPr lang="en-US" sz="800" dirty="0" smtClean="0">
-                <a:solidFill>
-                  <a:srgbClr val="808080"/>
-                </a:solidFill>
-                <a:latin typeface="Roboto"/>
-              </a:rPr>
-              <a:t>GO</a:t>
-            </a:r>
-          </a:p>
-          <a:p>
-            <a:pPr marL="171450" indent="-171450">
-              <a:buFontTx/>
-              <a:buChar char="-"/>
-            </a:pPr>
-            <a:r>
-              <a:rPr lang="en-US" sz="800" dirty="0" smtClean="0">
-                <a:solidFill>
-                  <a:srgbClr val="808080"/>
-                </a:solidFill>
-                <a:latin typeface="Roboto"/>
-              </a:rPr>
-              <a:t>Java</a:t>
-            </a:r>
-          </a:p>
-          <a:p>
-            <a:pPr marL="171450" indent="-171450">
-              <a:buFontTx/>
-              <a:buChar char="-"/>
-            </a:pPr>
-            <a:r>
-              <a:rPr lang="en-US" sz="800" dirty="0" smtClean="0">
-                <a:solidFill>
-                  <a:srgbClr val="808080"/>
-                </a:solidFill>
-                <a:latin typeface="Roboto"/>
-              </a:rPr>
-              <a:t>nodejs</a:t>
-            </a:r>
-            <a:endParaRPr lang="en-US" sz="800" dirty="0">
+              <a:t>(working application)</a:t>
+            </a:r>
+            <a:endParaRPr lang="en-US" sz="900" dirty="0">
               <a:solidFill>
                 <a:srgbClr val="808080"/>
               </a:solidFill>
@@ -13325,7 +13231,7 @@
         </p:nvCxnSpPr>
         <p:spPr>
           <a:xfrm flipH="1">
-            <a:off x="6663513" y="2550492"/>
+            <a:off x="6465798" y="2550492"/>
             <a:ext cx="2" cy="287792"/>
           </a:xfrm>
           <a:prstGeom prst="straightConnector1">
@@ -13364,7 +13270,7 @@
         </p:nvCxnSpPr>
         <p:spPr>
           <a:xfrm>
-            <a:off x="6663515" y="1810590"/>
+            <a:off x="6465800" y="1810590"/>
             <a:ext cx="0" cy="306687"/>
           </a:xfrm>
           <a:prstGeom prst="straightConnector1">
@@ -13402,7 +13308,7 @@
         </p:nvCxnSpPr>
         <p:spPr>
           <a:xfrm flipH="1">
-            <a:off x="6982494" y="1249031"/>
+            <a:off x="6784779" y="1249031"/>
             <a:ext cx="154802" cy="270179"/>
           </a:xfrm>
           <a:prstGeom prst="straightConnector1">
@@ -13440,7 +13346,7 @@
         </p:nvCxnSpPr>
         <p:spPr>
           <a:xfrm>
-            <a:off x="6211106" y="1249532"/>
+            <a:off x="6013391" y="1249532"/>
             <a:ext cx="160524" cy="269678"/>
           </a:xfrm>
           <a:prstGeom prst="straightConnector1">
@@ -13478,7 +13384,7 @@
         </p:nvCxnSpPr>
         <p:spPr>
           <a:xfrm>
-            <a:off x="7458110" y="2550493"/>
+            <a:off x="7260395" y="2550493"/>
             <a:ext cx="0" cy="287791"/>
           </a:xfrm>
           <a:prstGeom prst="straightConnector1">
@@ -13506,148 +13412,10 @@
           </a:fontRef>
         </p:style>
       </p:cxnSp>
-      <p:sp>
-        <p:nvSpPr>
-          <p:cNvPr id="22" name="Rectangle 21"/>
-          <p:cNvSpPr/>
-          <p:nvPr/>
-        </p:nvSpPr>
-        <p:spPr>
-          <a:xfrm>
-            <a:off x="4953000" y="742950"/>
-            <a:ext cx="908025" cy="901951"/>
-          </a:xfrm>
-          <a:prstGeom prst="rect">
-            <a:avLst/>
-          </a:prstGeom>
-          <a:noFill/>
-          <a:ln w="3175">
-            <a:noFill/>
-          </a:ln>
-        </p:spPr>
-        <p:style>
-          <a:lnRef idx="2">
-            <a:schemeClr val="accent1">
-              <a:shade val="50000"/>
-            </a:schemeClr>
-          </a:lnRef>
-          <a:fillRef idx="1">
-            <a:schemeClr val="accent1"/>
-          </a:fillRef>
-          <a:effectRef idx="0">
-            <a:schemeClr val="accent1"/>
-          </a:effectRef>
-          <a:fontRef idx="minor">
-            <a:schemeClr val="lt1"/>
-          </a:fontRef>
-        </p:style>
-        <p:txBody>
-          <a:bodyPr rtlCol="0" anchor="ctr"/>
-          <a:lstStyle/>
-          <a:p>
-            <a:r>
-              <a:rPr lang="en-US" sz="800" dirty="0">
-                <a:solidFill>
-                  <a:srgbClr val="808080"/>
-                </a:solidFill>
-                <a:latin typeface="Roboto"/>
-              </a:rPr>
-              <a:t>Support </a:t>
-            </a:r>
-            <a:endParaRPr lang="en-US" sz="800" dirty="0" smtClean="0">
-              <a:solidFill>
-                <a:srgbClr val="808080"/>
-              </a:solidFill>
-              <a:latin typeface="Roboto"/>
-            </a:endParaRPr>
-          </a:p>
-          <a:p>
-            <a:pPr marL="171450" indent="-171450">
-              <a:buFontTx/>
-              <a:buChar char="-"/>
-            </a:pPr>
-            <a:r>
-              <a:rPr lang="en-US" sz="800" dirty="0" smtClean="0">
-                <a:solidFill>
-                  <a:srgbClr val="808080"/>
-                </a:solidFill>
-                <a:latin typeface="Roboto"/>
-              </a:rPr>
-              <a:t>MySQL</a:t>
-            </a:r>
-          </a:p>
-          <a:p>
-            <a:pPr marL="171450" indent="-171450">
-              <a:buFontTx/>
-              <a:buChar char="-"/>
-            </a:pPr>
-            <a:r>
-              <a:rPr lang="en-US" sz="800" dirty="0" smtClean="0">
-                <a:solidFill>
-                  <a:srgbClr val="808080"/>
-                </a:solidFill>
-                <a:latin typeface="Roboto"/>
-              </a:rPr>
-              <a:t>Oracle</a:t>
-            </a:r>
-          </a:p>
-          <a:p>
-            <a:pPr marL="171450" indent="-171450">
-              <a:buFontTx/>
-              <a:buChar char="-"/>
-            </a:pPr>
-            <a:r>
-              <a:rPr lang="en-US" sz="800" dirty="0" smtClean="0">
-                <a:solidFill>
-                  <a:srgbClr val="808080"/>
-                </a:solidFill>
-                <a:latin typeface="Roboto"/>
-              </a:rPr>
-              <a:t>SQL Server</a:t>
-            </a:r>
-          </a:p>
-          <a:p>
-            <a:pPr marL="171450" indent="-171450">
-              <a:buFontTx/>
-              <a:buChar char="-"/>
-            </a:pPr>
-            <a:r>
-              <a:rPr lang="en-US" sz="800" dirty="0" smtClean="0">
-                <a:solidFill>
-                  <a:srgbClr val="808080"/>
-                </a:solidFill>
-                <a:latin typeface="Roboto"/>
-              </a:rPr>
-              <a:t>Postgres</a:t>
-            </a:r>
-          </a:p>
-          <a:p>
-            <a:pPr marL="171450" indent="-171450">
-              <a:buFontTx/>
-              <a:buChar char="-"/>
-            </a:pPr>
-            <a:r>
-              <a:rPr lang="en-US" sz="800" dirty="0" smtClean="0">
-                <a:solidFill>
-                  <a:srgbClr val="808080"/>
-                </a:solidFill>
-                <a:latin typeface="Roboto"/>
-              </a:rPr>
-              <a:t>SQLite</a:t>
-            </a:r>
-            <a:endParaRPr lang="en-US" sz="800" dirty="0">
-              <a:solidFill>
-                <a:srgbClr val="808080"/>
-              </a:solidFill>
-              <a:latin typeface="Roboto"/>
-            </a:endParaRPr>
-          </a:p>
-        </p:txBody>
-      </p:sp>
     </p:spTree>
     <p:extLst>
       <p:ext uri="{BB962C8B-B14F-4D97-AF65-F5344CB8AC3E}">
-        <p14:creationId xmlns:p14="http://schemas.microsoft.com/office/powerpoint/2010/main" val="2767554210"/>
+        <p14:creationId xmlns:p14="http://schemas.microsoft.com/office/powerpoint/2010/main" val="2319007260"/>
       </p:ext>
     </p:extLst>
   </p:cSld>
@@ -13720,13 +13488,13 @@
         </p:nvSpPr>
         <p:spPr>
           <a:xfrm>
-            <a:off x="5410200" y="3574729"/>
-            <a:ext cx="3124200" cy="1273232"/>
+            <a:off x="5334000" y="3943350"/>
+            <a:ext cx="3124200" cy="914400"/>
           </a:xfrm>
         </p:spPr>
         <p:txBody>
           <a:bodyPr>
-            <a:normAutofit lnSpcReduction="10000"/>
+            <a:normAutofit/>
           </a:bodyPr>
           <a:lstStyle/>
           <a:p>
@@ -13793,37 +13561,6 @@
               </a:rPr>
               <a:t>github.com/lowcode-tech/linux</a:t>
             </a:r>
-            <a:endParaRPr lang="en-US" sz="1000" dirty="0" smtClean="0"/>
-          </a:p>
-          <a:p>
-            <a:pPr marL="0" indent="0">
-              <a:buNone/>
-            </a:pPr>
-            <a:r>
-              <a:rPr lang="en-US" sz="1400" dirty="0"/>
-              <a:t>Output Samples</a:t>
-            </a:r>
-          </a:p>
-          <a:p>
-            <a:r>
-              <a:rPr lang="en-US" sz="1000" dirty="0">
-                <a:hlinkClick r:id="rId5"/>
-              </a:rPr>
-              <a:t>https://</a:t>
-            </a:r>
-            <a:r>
-              <a:rPr lang="en-US" sz="1000" dirty="0" smtClean="0">
-                <a:hlinkClick r:id="rId5"/>
-              </a:rPr>
-              <a:t>github.com/source-code-template</a:t>
-            </a:r>
-            <a:r>
-              <a:rPr lang="en-US" sz="1000" dirty="0" smtClean="0"/>
-              <a:t> </a:t>
-            </a:r>
-            <a:endParaRPr lang="en-US" sz="1000" dirty="0"/>
-          </a:p>
-          <a:p>
             <a:endParaRPr lang="en-US" sz="1000" dirty="0" smtClean="0"/>
           </a:p>
           <a:p>
@@ -13902,62 +13639,6 @@
           <a:xfrm>
             <a:off x="2499349" y="1590274"/>
             <a:ext cx="1667994" cy="1620508"/>
-          </a:xfrm>
-          <a:prstGeom prst="ellipse">
-            <a:avLst/>
-          </a:prstGeom>
-          <a:solidFill>
-            <a:schemeClr val="bg1"/>
-          </a:solidFill>
-          <a:ln w="6350">
-            <a:solidFill>
-              <a:srgbClr val="DBDBDB"/>
-            </a:solidFill>
-          </a:ln>
-        </p:spPr>
-        <p:style>
-          <a:lnRef idx="2">
-            <a:schemeClr val="accent1">
-              <a:shade val="50000"/>
-            </a:schemeClr>
-          </a:lnRef>
-          <a:fillRef idx="1">
-            <a:schemeClr val="accent1"/>
-          </a:fillRef>
-          <a:effectRef idx="0">
-            <a:schemeClr val="accent1"/>
-          </a:effectRef>
-          <a:fontRef idx="minor">
-            <a:schemeClr val="lt1"/>
-          </a:fontRef>
-        </p:style>
-        <p:txBody>
-          <a:bodyPr rtlCol="0" anchor="ctr"/>
-          <a:lstStyle/>
-          <a:p>
-            <a:pPr algn="ctr"/>
-            <a:r>
-              <a:rPr lang="en-US" sz="1200" dirty="0">
-                <a:solidFill>
-                  <a:srgbClr val="808080"/>
-                </a:solidFill>
-                <a:latin typeface="Roboto"/>
-              </a:rPr>
-              <a:t>Integration CI/CD</a:t>
-            </a:r>
-          </a:p>
-        </p:txBody>
-      </p:sp>
-      <p:sp>
-        <p:nvSpPr>
-          <p:cNvPr id="6" name="Oval 5"/>
-          <p:cNvSpPr/>
-          <p:nvPr/>
-        </p:nvSpPr>
-        <p:spPr>
-          <a:xfrm>
-            <a:off x="3537115" y="2848246"/>
-            <a:ext cx="812472" cy="812472"/>
           </a:xfrm>
           <a:prstGeom prst="ellipse">
             <a:avLst/>
@@ -13992,24 +13673,27 @@
           <a:lstStyle/>
           <a:p>
             <a:pPr algn="ctr"/>
-            <a:endParaRPr lang="en-US" sz="800" dirty="0">
-              <a:solidFill>
-                <a:srgbClr val="808080"/>
-              </a:solidFill>
-              <a:latin typeface="Roboto"/>
-            </a:endParaRPr>
-          </a:p>
-        </p:txBody>
-      </p:sp>
-      <p:sp>
-        <p:nvSpPr>
-          <p:cNvPr id="7" name="Oval 6"/>
+            <a:r>
+              <a:rPr lang="en-US" sz="1200" dirty="0">
+                <a:solidFill>
+                  <a:srgbClr val="808080"/>
+                </a:solidFill>
+                <a:latin typeface="Roboto"/>
+              </a:rPr>
+              <a:t>Integration CI/CD</a:t>
+            </a:r>
+          </a:p>
+        </p:txBody>
+      </p:sp>
+      <p:sp>
+        <p:nvSpPr>
+          <p:cNvPr id="6" name="Oval 5"/>
           <p:cNvSpPr/>
           <p:nvPr/>
         </p:nvSpPr>
         <p:spPr>
           <a:xfrm>
-            <a:off x="2317915" y="2848246"/>
+            <a:off x="3537115" y="2848246"/>
             <a:ext cx="812472" cy="812472"/>
           </a:xfrm>
           <a:prstGeom prst="ellipse">
@@ -14045,9 +13729,9 @@
           <a:lstStyle/>
           <a:p>
             <a:pPr algn="ctr"/>
-            <a:endParaRPr lang="en-US" sz="1000" dirty="0">
+            <a:endParaRPr lang="en-US" sz="800" dirty="0">
               <a:solidFill>
-                <a:srgbClr val="FC671A"/>
+                <a:srgbClr val="808080"/>
               </a:solidFill>
               <a:latin typeface="Roboto"/>
             </a:endParaRPr>
@@ -14056,13 +13740,13 @@
       </p:sp>
       <p:sp>
         <p:nvSpPr>
-          <p:cNvPr id="8" name="Oval 7"/>
+          <p:cNvPr id="7" name="Oval 6"/>
           <p:cNvSpPr/>
           <p:nvPr/>
         </p:nvSpPr>
         <p:spPr>
           <a:xfrm>
-            <a:off x="1860715" y="1629046"/>
+            <a:off x="2317915" y="2848246"/>
             <a:ext cx="812472" cy="812472"/>
           </a:xfrm>
           <a:prstGeom prst="ellipse">
@@ -14073,7 +13757,60 @@
           </a:solidFill>
           <a:ln w="6350">
             <a:solidFill>
-              <a:srgbClr val="45C2B1"/>
+              <a:srgbClr val="B3B3B3"/>
+            </a:solidFill>
+          </a:ln>
+        </p:spPr>
+        <p:style>
+          <a:lnRef idx="2">
+            <a:schemeClr val="accent1">
+              <a:shade val="50000"/>
+            </a:schemeClr>
+          </a:lnRef>
+          <a:fillRef idx="1">
+            <a:schemeClr val="accent1"/>
+          </a:fillRef>
+          <a:effectRef idx="0">
+            <a:schemeClr val="accent1"/>
+          </a:effectRef>
+          <a:fontRef idx="minor">
+            <a:schemeClr val="lt1"/>
+          </a:fontRef>
+        </p:style>
+        <p:txBody>
+          <a:bodyPr rtlCol="0" anchor="ctr"/>
+          <a:lstStyle/>
+          <a:p>
+            <a:pPr algn="ctr"/>
+            <a:endParaRPr lang="en-US" sz="1000" dirty="0">
+              <a:solidFill>
+                <a:srgbClr val="FC671A"/>
+              </a:solidFill>
+              <a:latin typeface="Roboto"/>
+            </a:endParaRPr>
+          </a:p>
+        </p:txBody>
+      </p:sp>
+      <p:sp>
+        <p:nvSpPr>
+          <p:cNvPr id="8" name="Oval 7"/>
+          <p:cNvSpPr/>
+          <p:nvPr/>
+        </p:nvSpPr>
+        <p:spPr>
+          <a:xfrm>
+            <a:off x="1860715" y="1629046"/>
+            <a:ext cx="812472" cy="812472"/>
+          </a:xfrm>
+          <a:prstGeom prst="ellipse">
+            <a:avLst/>
+          </a:prstGeom>
+          <a:solidFill>
+            <a:schemeClr val="bg1"/>
+          </a:solidFill>
+          <a:ln w="6350">
+            <a:solidFill>
+              <a:srgbClr val="808080"/>
             </a:solidFill>
           </a:ln>
         </p:spPr>
@@ -14422,10 +14159,12 @@
           <a:prstGeom prst="ellipse">
             <a:avLst/>
           </a:prstGeom>
-          <a:noFill/>
+          <a:solidFill>
+            <a:schemeClr val="bg1"/>
+          </a:solidFill>
           <a:ln w="6350">
             <a:solidFill>
-              <a:srgbClr val="45C2B1"/>
+              <a:srgbClr val="808080"/>
             </a:solidFill>
           </a:ln>
         </p:spPr>
@@ -14616,7 +14355,7 @@
         </p:nvSpPr>
         <p:spPr>
           <a:xfrm>
-            <a:off x="4070515" y="1879114"/>
+            <a:off x="3994315" y="1879114"/>
             <a:ext cx="835913" cy="312336"/>
           </a:xfrm>
           <a:prstGeom prst="rect">
@@ -14651,7 +14390,7 @@
             <a:r>
               <a:rPr lang="en-US" sz="900" dirty="0">
                 <a:solidFill>
-                  <a:srgbClr val="808080"/>
+                  <a:srgbClr val="FC671A"/>
                 </a:solidFill>
                 <a:latin typeface="Roboto"/>
               </a:rPr>
@@ -14703,7 +14442,7 @@
             <a:r>
               <a:rPr lang="en-US" sz="900" dirty="0" smtClean="0">
                 <a:solidFill>
-                  <a:srgbClr val="45C2B1"/>
+                  <a:srgbClr val="37A797"/>
                 </a:solidFill>
                 <a:latin typeface="Roboto"/>
               </a:rPr>
@@ -14711,7 +14450,7 @@
             </a:r>
             <a:endParaRPr lang="en-US" sz="900" dirty="0">
               <a:solidFill>
-                <a:srgbClr val="45C2B1"/>
+                <a:srgbClr val="37A797"/>
               </a:solidFill>
               <a:latin typeface="Roboto"/>
             </a:endParaRPr>
@@ -14819,11 +14558,11 @@
             <a:r>
               <a:rPr lang="en-US" sz="900" dirty="0" smtClean="0">
                 <a:solidFill>
-                  <a:srgbClr val="45C2B1"/>
+                  <a:srgbClr val="37A797"/>
                 </a:solidFill>
                 <a:latin typeface="Roboto"/>
               </a:rPr>
-              <a:t>Exporter</a:t>
+              <a:t>Export</a:t>
             </a:r>
           </a:p>
         </p:txBody>
@@ -14952,8 +14691,8 @@
         </p:nvSpPr>
         <p:spPr>
           <a:xfrm>
-            <a:off x="893309" y="2335614"/>
-            <a:ext cx="1122339" cy="312336"/>
+            <a:off x="803421" y="2300590"/>
+            <a:ext cx="1247461" cy="312336"/>
           </a:xfrm>
           <a:prstGeom prst="rect">
             <a:avLst/>
@@ -14985,7 +14724,7 @@
           <a:p>
             <a:pPr algn="ctr"/>
             <a:r>
-              <a:rPr lang="en-US" sz="800" dirty="0" smtClean="0">
+              <a:rPr lang="en-US" sz="900" dirty="0" smtClean="0">
                 <a:solidFill>
                   <a:srgbClr val="808080"/>
                 </a:solidFill>
@@ -14993,7 +14732,7 @@
               </a:rPr>
               <a:t>generate metadata from database</a:t>
             </a:r>
-            <a:endParaRPr lang="en-US" sz="800" dirty="0">
+            <a:endParaRPr lang="en-US" sz="900" dirty="0">
               <a:solidFill>
                 <a:srgbClr val="808080"/>
               </a:solidFill>
@@ -15010,8 +14749,8 @@
         </p:nvSpPr>
         <p:spPr>
           <a:xfrm>
-            <a:off x="1377975" y="3574799"/>
-            <a:ext cx="908025" cy="901951"/>
+            <a:off x="1346530" y="3684643"/>
+            <a:ext cx="1122339" cy="825557"/>
           </a:xfrm>
           <a:prstGeom prst="rect">
             <a:avLst/>
@@ -15042,102 +14781,96 @@
           <a:lstStyle/>
           <a:p>
             <a:r>
-              <a:rPr lang="en-US" sz="800" dirty="0">
+              <a:rPr lang="en-US" sz="900" dirty="0" smtClean="0">
                 <a:solidFill>
                   <a:srgbClr val="808080"/>
                 </a:solidFill>
                 <a:latin typeface="Roboto"/>
               </a:rPr>
-              <a:t>Support </a:t>
-            </a:r>
-            <a:endParaRPr lang="en-US" sz="800" dirty="0" smtClean="0">
+              <a:t>Support:</a:t>
+            </a:r>
+          </a:p>
+          <a:p>
+            <a:pPr marL="171450" indent="-171450">
+              <a:buFontTx/>
+              <a:buChar char="-"/>
+            </a:pPr>
+            <a:r>
+              <a:rPr lang="en-US" sz="900" dirty="0" smtClean="0">
+                <a:solidFill>
+                  <a:srgbClr val="808080"/>
+                </a:solidFill>
+                <a:latin typeface="Roboto"/>
+              </a:rPr>
+              <a:t>My SQL</a:t>
+            </a:r>
+          </a:p>
+          <a:p>
+            <a:pPr marL="171450" indent="-171450">
+              <a:buFontTx/>
+              <a:buChar char="-"/>
+            </a:pPr>
+            <a:r>
+              <a:rPr lang="en-US" sz="900" dirty="0" smtClean="0">
+                <a:solidFill>
+                  <a:srgbClr val="808080"/>
+                </a:solidFill>
+                <a:latin typeface="Roboto"/>
+              </a:rPr>
+              <a:t>SQL Server</a:t>
+            </a:r>
+          </a:p>
+          <a:p>
+            <a:pPr marL="171450" indent="-171450">
+              <a:buFontTx/>
+              <a:buChar char="-"/>
+            </a:pPr>
+            <a:r>
+              <a:rPr lang="en-US" sz="900" dirty="0">
+                <a:solidFill>
+                  <a:srgbClr val="808080"/>
+                </a:solidFill>
+                <a:latin typeface="Roboto"/>
+              </a:rPr>
+              <a:t>Postgres</a:t>
+            </a:r>
+          </a:p>
+          <a:p>
+            <a:pPr marL="171450" indent="-171450">
+              <a:buFontTx/>
+              <a:buChar char="-"/>
+            </a:pPr>
+            <a:r>
+              <a:rPr lang="en-US" sz="900" dirty="0" smtClean="0">
+                <a:solidFill>
+                  <a:srgbClr val="808080"/>
+                </a:solidFill>
+                <a:latin typeface="Roboto"/>
+              </a:rPr>
+              <a:t>Oracle</a:t>
+            </a:r>
+          </a:p>
+          <a:p>
+            <a:pPr marL="171450" indent="-171450">
+              <a:buFontTx/>
+              <a:buChar char="-"/>
+            </a:pPr>
+            <a:r>
+              <a:rPr lang="en-US" sz="900" dirty="0" smtClean="0">
+                <a:solidFill>
+                  <a:srgbClr val="808080"/>
+                </a:solidFill>
+                <a:latin typeface="Roboto"/>
+              </a:rPr>
+              <a:t>SQLite</a:t>
+            </a:r>
+            <a:endParaRPr lang="en-US" sz="900" dirty="0">
               <a:solidFill>
                 <a:srgbClr val="808080"/>
               </a:solidFill>
               <a:latin typeface="Roboto"/>
             </a:endParaRPr>
           </a:p>
-          <a:p>
-            <a:pPr marL="171450" indent="-171450">
-              <a:buFontTx/>
-              <a:buChar char="-"/>
-            </a:pPr>
-            <a:r>
-              <a:rPr lang="en-US" sz="800" dirty="0" smtClean="0">
-                <a:solidFill>
-                  <a:srgbClr val="808080"/>
-                </a:solidFill>
-                <a:latin typeface="Roboto"/>
-              </a:rPr>
-              <a:t>MySQL</a:t>
-            </a:r>
-          </a:p>
-          <a:p>
-            <a:pPr marL="171450" indent="-171450">
-              <a:buFontTx/>
-              <a:buChar char="-"/>
-            </a:pPr>
-            <a:r>
-              <a:rPr lang="en-US" sz="800" dirty="0" smtClean="0">
-                <a:solidFill>
-                  <a:srgbClr val="808080"/>
-                </a:solidFill>
-                <a:latin typeface="Roboto"/>
-              </a:rPr>
-              <a:t>Oracle</a:t>
-            </a:r>
-          </a:p>
-          <a:p>
-            <a:pPr marL="171450" indent="-171450">
-              <a:buFontTx/>
-              <a:buChar char="-"/>
-            </a:pPr>
-            <a:r>
-              <a:rPr lang="en-US" sz="800" dirty="0" smtClean="0">
-                <a:solidFill>
-                  <a:srgbClr val="808080"/>
-                </a:solidFill>
-                <a:latin typeface="Roboto"/>
-              </a:rPr>
-              <a:t>SQL Server</a:t>
-            </a:r>
-          </a:p>
-          <a:p>
-            <a:pPr marL="171450" indent="-171450">
-              <a:buFontTx/>
-              <a:buChar char="-"/>
-            </a:pPr>
-            <a:r>
-              <a:rPr lang="en-US" sz="800" dirty="0" smtClean="0">
-                <a:solidFill>
-                  <a:srgbClr val="808080"/>
-                </a:solidFill>
-                <a:latin typeface="Roboto"/>
-              </a:rPr>
-              <a:t>Postgres</a:t>
-            </a:r>
-          </a:p>
-          <a:p>
-            <a:pPr marL="171450" indent="-171450">
-              <a:buFontTx/>
-              <a:buChar char="-"/>
-            </a:pPr>
-            <a:r>
-              <a:rPr lang="en-US" sz="800" dirty="0" smtClean="0">
-                <a:solidFill>
-                  <a:srgbClr val="808080"/>
-                </a:solidFill>
-                <a:latin typeface="Roboto"/>
-              </a:rPr>
-              <a:t>SQLite</a:t>
-            </a:r>
-            <a:endParaRPr lang="en-US" sz="800" dirty="0">
-              <a:solidFill>
-                <a:srgbClr val="808080"/>
-              </a:solidFill>
-              <a:latin typeface="Roboto"/>
-            </a:endParaRPr>
-          </a:p>
         </p:txBody>
       </p:sp>
       <p:sp>
@@ -15148,8 +14881,8 @@
         </p:nvSpPr>
         <p:spPr>
           <a:xfrm>
-            <a:off x="980326" y="970926"/>
-            <a:ext cx="1371599" cy="1043258"/>
+            <a:off x="797234" y="1026282"/>
+            <a:ext cx="1363480" cy="1000363"/>
           </a:xfrm>
           <a:prstGeom prst="rect">
             <a:avLst/>
@@ -15180,22 +14913,13 @@
           <a:lstStyle/>
           <a:p>
             <a:r>
-              <a:rPr lang="en-US" sz="800" dirty="0">
+              <a:rPr lang="en-US" sz="900" dirty="0" smtClean="0">
                 <a:solidFill>
                   <a:srgbClr val="808080"/>
                 </a:solidFill>
                 <a:latin typeface="Roboto"/>
               </a:rPr>
-              <a:t>W</a:t>
-            </a:r>
-            <a:r>
-              <a:rPr lang="en-US" sz="800" dirty="0" smtClean="0">
-                <a:solidFill>
-                  <a:srgbClr val="808080"/>
-                </a:solidFill>
-                <a:latin typeface="Roboto"/>
-              </a:rPr>
-              <a:t>orking application:</a:t>
+              <a:t>Working application:</a:t>
             </a:r>
           </a:p>
           <a:p>
@@ -15204,7 +14928,7 @@
               <a:buChar char="-"/>
             </a:pPr>
             <a:r>
-              <a:rPr lang="en-US" sz="800" dirty="0" smtClean="0">
+              <a:rPr lang="en-US" sz="900" dirty="0" smtClean="0">
                 <a:solidFill>
                   <a:srgbClr val="808080"/>
                 </a:solidFill>
@@ -15219,7 +14943,7 @@
               <a:buChar char="-"/>
             </a:pPr>
             <a:r>
-              <a:rPr lang="en-US" sz="800" dirty="0" smtClean="0">
+              <a:rPr lang="en-US" sz="900" dirty="0" smtClean="0">
                 <a:solidFill>
                   <a:srgbClr val="808080"/>
                 </a:solidFill>
@@ -15230,7 +14954,7 @@
           </a:p>
           <a:p>
             <a:r>
-              <a:rPr lang="en-US" sz="800" dirty="0" smtClean="0">
+              <a:rPr lang="en-US" sz="900" dirty="0" smtClean="0">
                 <a:solidFill>
                   <a:srgbClr val="808080"/>
                 </a:solidFill>
@@ -15245,7 +14969,7 @@
               <a:buChar char="-"/>
             </a:pPr>
             <a:r>
-              <a:rPr lang="en-US" sz="800" dirty="0" smtClean="0">
+              <a:rPr lang="en-US" sz="900" dirty="0" smtClean="0">
                 <a:solidFill>
                   <a:srgbClr val="808080"/>
                 </a:solidFill>
@@ -15253,49 +14977,159 @@
               </a:rPr>
               <a:t>GO</a:t>
             </a:r>
-          </a:p>
-          <a:p>
-            <a:pPr marL="171450" indent="-171450">
-              <a:buFontTx/>
-              <a:buChar char="-"/>
-            </a:pPr>
-            <a:r>
-              <a:rPr lang="en-US" sz="800" dirty="0" smtClean="0">
-                <a:solidFill>
-                  <a:srgbClr val="808080"/>
-                </a:solidFill>
-                <a:latin typeface="Roboto"/>
-              </a:rPr>
-              <a:t>Java</a:t>
-            </a:r>
-          </a:p>
-          <a:p>
-            <a:pPr marL="171450" indent="-171450">
-              <a:buFontTx/>
-              <a:buChar char="-"/>
-            </a:pPr>
-            <a:r>
-              <a:rPr lang="en-US" sz="800" dirty="0" smtClean="0">
-                <a:solidFill>
-                  <a:srgbClr val="808080"/>
-                </a:solidFill>
-                <a:latin typeface="Roboto"/>
-              </a:rPr>
-              <a:t>nodejs</a:t>
-            </a:r>
-            <a:endParaRPr lang="en-US" sz="800" dirty="0">
+            <a:endParaRPr lang="en-US" sz="900" dirty="0">
               <a:solidFill>
                 <a:srgbClr val="808080"/>
               </a:solidFill>
               <a:latin typeface="Roboto"/>
             </a:endParaRPr>
           </a:p>
+          <a:p>
+            <a:pPr marL="171450" indent="-171450">
+              <a:buFontTx/>
+              <a:buChar char="-"/>
+            </a:pPr>
+            <a:r>
+              <a:rPr lang="en-US" sz="900" dirty="0" smtClean="0">
+                <a:solidFill>
+                  <a:srgbClr val="808080"/>
+                </a:solidFill>
+                <a:latin typeface="Roboto"/>
+              </a:rPr>
+              <a:t>nodejs</a:t>
+            </a:r>
+          </a:p>
+          <a:p>
+            <a:pPr marL="171450" indent="-171450">
+              <a:buFontTx/>
+              <a:buChar char="-"/>
+            </a:pPr>
+            <a:r>
+              <a:rPr lang="en-US" sz="900" dirty="0" smtClean="0">
+                <a:solidFill>
+                  <a:srgbClr val="808080"/>
+                </a:solidFill>
+                <a:latin typeface="Roboto"/>
+              </a:rPr>
+              <a:t>Java</a:t>
+            </a:r>
+            <a:endParaRPr lang="en-US" sz="900" dirty="0">
+              <a:solidFill>
+                <a:srgbClr val="808080"/>
+              </a:solidFill>
+              <a:latin typeface="Roboto"/>
+            </a:endParaRPr>
+          </a:p>
+        </p:txBody>
+      </p:sp>
+      <p:sp>
+        <p:nvSpPr>
+          <p:cNvPr id="30" name="Rectangle 29"/>
+          <p:cNvSpPr/>
+          <p:nvPr/>
+        </p:nvSpPr>
+        <p:spPr>
+          <a:xfrm>
+            <a:off x="4199769" y="2458566"/>
+            <a:ext cx="1896655" cy="460014"/>
+          </a:xfrm>
+          <a:prstGeom prst="rect">
+            <a:avLst/>
+          </a:prstGeom>
+          <a:noFill/>
+          <a:ln w="3175">
+            <a:noFill/>
+          </a:ln>
+        </p:spPr>
+        <p:style>
+          <a:lnRef idx="2">
+            <a:schemeClr val="accent1">
+              <a:shade val="50000"/>
+            </a:schemeClr>
+          </a:lnRef>
+          <a:fillRef idx="1">
+            <a:schemeClr val="accent1"/>
+          </a:fillRef>
+          <a:effectRef idx="0">
+            <a:schemeClr val="accent1"/>
+          </a:effectRef>
+          <a:fontRef idx="minor">
+            <a:schemeClr val="lt1"/>
+          </a:fontRef>
+        </p:style>
+        <p:txBody>
+          <a:bodyPr rtlCol="0" anchor="ctr"/>
+          <a:lstStyle/>
+          <a:p>
+            <a:r>
+              <a:rPr lang="en-US" sz="900" dirty="0">
+                <a:solidFill>
+                  <a:srgbClr val="4D4D4D"/>
+                </a:solidFill>
+                <a:latin typeface="Roboto"/>
+                <a:hlinkClick r:id="rId5"/>
+              </a:rPr>
+              <a:t>https://</a:t>
+            </a:r>
+            <a:r>
+              <a:rPr lang="en-US" sz="900" dirty="0" smtClean="0">
+                <a:solidFill>
+                  <a:srgbClr val="4D4D4D"/>
+                </a:solidFill>
+                <a:latin typeface="Roboto"/>
+                <a:hlinkClick r:id="rId5"/>
+              </a:rPr>
+              <a:t>github.com/core-go</a:t>
+            </a:r>
+            <a:endParaRPr lang="en-US" sz="900" dirty="0">
+              <a:solidFill>
+                <a:srgbClr val="4D4D4D"/>
+              </a:solidFill>
+              <a:latin typeface="Roboto"/>
+            </a:endParaRPr>
+          </a:p>
+          <a:p>
+            <a:r>
+              <a:rPr lang="en-US" sz="900" dirty="0">
+                <a:solidFill>
+                  <a:srgbClr val="4D4D4D"/>
+                </a:solidFill>
+                <a:latin typeface="Roboto"/>
+                <a:hlinkClick r:id="rId6"/>
+              </a:rPr>
+              <a:t>https://</a:t>
+            </a:r>
+            <a:r>
+              <a:rPr lang="en-US" sz="900" dirty="0" smtClean="0">
+                <a:solidFill>
+                  <a:srgbClr val="4D4D4D"/>
+                </a:solidFill>
+                <a:latin typeface="Roboto"/>
+                <a:hlinkClick r:id="rId6"/>
+              </a:rPr>
+              <a:t>github.com/core-ts</a:t>
+            </a:r>
+            <a:endParaRPr lang="en-US" sz="900" dirty="0">
+              <a:solidFill>
+                <a:srgbClr val="4D4D4D"/>
+              </a:solidFill>
+              <a:latin typeface="Roboto"/>
+            </a:endParaRPr>
+          </a:p>
+          <a:p>
+            <a:endParaRPr lang="en-US" sz="900" dirty="0" smtClean="0">
+              <a:solidFill>
+                <a:srgbClr val="4D4D4D"/>
+              </a:solidFill>
+              <a:latin typeface="Roboto"/>
+            </a:endParaRPr>
+          </a:p>
         </p:txBody>
       </p:sp>
     </p:spTree>
     <p:extLst>
       <p:ext uri="{BB962C8B-B14F-4D97-AF65-F5344CB8AC3E}">
-        <p14:creationId xmlns:p14="http://schemas.microsoft.com/office/powerpoint/2010/main" val="3520181751"/>
+        <p14:creationId xmlns:p14="http://schemas.microsoft.com/office/powerpoint/2010/main" val="2965063794"/>
       </p:ext>
     </p:extLst>
   </p:cSld>
@@ -15538,22 +15372,16 @@
           <a:p>
             <a:pPr lvl="2"/>
             <a:r>
+              <a:rPr lang="en-US" dirty="0">
+                <a:hlinkClick r:id="rId8"/>
+              </a:rPr>
+              <a:t>https://</a:t>
+            </a:r>
+            <a:r>
               <a:rPr lang="en-US" dirty="0" smtClean="0">
                 <a:hlinkClick r:id="rId8"/>
               </a:rPr>
-              <a:t>https</a:t>
-            </a:r>
-            <a:r>
-              <a:rPr lang="en-US" dirty="0">
-                <a:hlinkClick r:id="rId8"/>
-              </a:rPr>
-              <a:t>://</a:t>
-            </a:r>
-            <a:r>
-              <a:rPr lang="en-US" dirty="0" smtClean="0">
-                <a:hlinkClick r:id="rId8"/>
-              </a:rPr>
-              <a:t>github.com/source-code-template/go-sql-rest-api</a:t>
+              <a:t>github.com/source-code-template/go-sql-modular-sample</a:t>
             </a:r>
             <a:endParaRPr lang="en-US" dirty="0" smtClean="0"/>
           </a:p>
